--- a/8_Props and Components.pptx
+++ b/8_Props and Components.pptx
@@ -9,12 +9,17 @@
     <p:sldId id="341" r:id="rId3"/>
     <p:sldId id="342" r:id="rId4"/>
     <p:sldId id="343" r:id="rId5"/>
-    <p:sldId id="344" r:id="rId6"/>
-    <p:sldId id="266" r:id="rId7"/>
-    <p:sldId id="338" r:id="rId8"/>
-    <p:sldId id="337" r:id="rId9"/>
-    <p:sldId id="339" r:id="rId10"/>
-    <p:sldId id="340" r:id="rId11"/>
+    <p:sldId id="345" r:id="rId6"/>
+    <p:sldId id="344" r:id="rId7"/>
+    <p:sldId id="346" r:id="rId8"/>
+    <p:sldId id="347" r:id="rId9"/>
+    <p:sldId id="348" r:id="rId10"/>
+    <p:sldId id="266" r:id="rId11"/>
+    <p:sldId id="338" r:id="rId12"/>
+    <p:sldId id="337" r:id="rId13"/>
+    <p:sldId id="339" r:id="rId14"/>
+    <p:sldId id="340" r:id="rId15"/>
+    <p:sldId id="349" r:id="rId16"/>
   </p:sldIdLst>
   <p:sldSz cx="12192000" cy="6858000"/>
   <p:notesSz cx="6858000" cy="9144000"/>
@@ -284,7 +289,7 @@
           <a:p>
             <a:fld id="{1160EA64-D806-43AC-9DF2-F8C432F32B4C}" type="datetimeFigureOut">
               <a:rPr lang="en-US" dirty="0"/>
-              <a:t>2/26/2024</a:t>
+              <a:t>2/27/2024</a:t>
             </a:fld>
             <a:endParaRPr lang="en-US" dirty="0"/>
           </a:p>
@@ -450,7 +455,7 @@
           <a:p>
             <a:fld id="{E9F9C37B-1D36-470B-8223-D6C91242EC14}" type="datetimeFigureOut">
               <a:rPr lang="en-US" dirty="0"/>
-              <a:t>2/26/2024</a:t>
+              <a:t>2/27/2024</a:t>
             </a:fld>
             <a:endParaRPr lang="en-US" dirty="0"/>
           </a:p>
@@ -625,7 +630,7 @@
           <a:p>
             <a:fld id="{67C6F52A-A82B-47A2-A83A-8C4C91F2D59F}" type="datetimeFigureOut">
               <a:rPr lang="en-US" dirty="0"/>
-              <a:t>2/26/2024</a:t>
+              <a:t>2/27/2024</a:t>
             </a:fld>
             <a:endParaRPr lang="en-US" dirty="0"/>
           </a:p>
@@ -790,7 +795,7 @@
           <a:p>
             <a:fld id="{F070A7B3-6521-4DCA-87E5-044747A908C1}" type="datetimeFigureOut">
               <a:rPr lang="en-US" dirty="0"/>
-              <a:t>2/26/2024</a:t>
+              <a:t>2/27/2024</a:t>
             </a:fld>
             <a:endParaRPr lang="en-US" dirty="0"/>
           </a:p>
@@ -1054,7 +1059,7 @@
           <a:p>
             <a:fld id="{1160EA64-D806-43AC-9DF2-F8C432F32B4C}" type="datetimeFigureOut">
               <a:rPr lang="en-US" dirty="0"/>
-              <a:t>2/26/2024</a:t>
+              <a:t>2/27/2024</a:t>
             </a:fld>
             <a:endParaRPr lang="en-US" dirty="0"/>
           </a:p>
@@ -1282,7 +1287,7 @@
           <a:p>
             <a:fld id="{AB134690-1557-4C89-A502-4959FE7FAD70}" type="datetimeFigureOut">
               <a:rPr lang="en-US" dirty="0"/>
-              <a:t>2/26/2024</a:t>
+              <a:t>2/27/2024</a:t>
             </a:fld>
             <a:endParaRPr lang="en-US" dirty="0"/>
           </a:p>
@@ -1636,7 +1641,7 @@
           <a:p>
             <a:fld id="{4F7D4976-E339-4826-83B7-FBD03F55ECF8}" type="datetimeFigureOut">
               <a:rPr lang="en-US" dirty="0"/>
-              <a:t>2/26/2024</a:t>
+              <a:t>2/27/2024</a:t>
             </a:fld>
             <a:endParaRPr lang="en-US" dirty="0"/>
           </a:p>
@@ -1772,7 +1777,7 @@
           <a:p>
             <a:fld id="{E1037C31-9E7A-4F99-8774-A0E530DE1A42}" type="datetimeFigureOut">
               <a:rPr lang="en-US" dirty="0"/>
-              <a:t>2/26/2024</a:t>
+              <a:t>2/27/2024</a:t>
             </a:fld>
             <a:endParaRPr lang="en-US" dirty="0"/>
           </a:p>
@@ -1862,7 +1867,7 @@
           <a:p>
             <a:fld id="{C278504F-A551-4DE0-9316-4DCD1D8CC752}" type="datetimeFigureOut">
               <a:rPr lang="en-US" dirty="0"/>
-              <a:t>2/26/2024</a:t>
+              <a:t>2/27/2024</a:t>
             </a:fld>
             <a:endParaRPr lang="en-US" dirty="0"/>
           </a:p>
@@ -2214,7 +2219,7 @@
           <a:p>
             <a:fld id="{D1BE4249-C0D0-4B06-8692-E8BB871AF643}" type="datetimeFigureOut">
               <a:rPr lang="en-US" dirty="0"/>
-              <a:t>2/26/2024</a:t>
+              <a:t>2/27/2024</a:t>
             </a:fld>
             <a:endParaRPr lang="en-US" dirty="0"/>
           </a:p>
@@ -2566,7 +2571,7 @@
           <a:p>
             <a:fld id="{042B0DB6-F5C7-45FB-8CF3-31B45F9C2DAC}" type="datetimeFigureOut">
               <a:rPr lang="en-US" dirty="0"/>
-              <a:t>2/26/2024</a:t>
+              <a:t>2/27/2024</a:t>
             </a:fld>
             <a:endParaRPr lang="en-US" dirty="0"/>
           </a:p>
@@ -2802,7 +2807,7 @@
           <a:p>
             <a:fld id="{1160EA64-D806-43AC-9DF2-F8C432F32B4C}" type="datetimeFigureOut">
               <a:rPr lang="en-US" dirty="0"/>
-              <a:t>2/26/2024</a:t>
+              <a:t>2/27/2024</a:t>
             </a:fld>
             <a:endParaRPr lang="en-US" dirty="0"/>
           </a:p>
@@ -3312,108 +3317,6 @@
           <a:chExt cx="0" cy="0"/>
         </a:xfrm>
       </p:grpSpPr>
-      <p:pic>
-        <p:nvPicPr>
-          <p:cNvPr id="2" name="Picture 1"/>
-          <p:cNvPicPr>
-            <a:picLocks noChangeAspect="1"/>
-          </p:cNvPicPr>
-          <p:nvPr/>
-        </p:nvPicPr>
-        <p:blipFill>
-          <a:blip r:embed="rId2"/>
-          <a:stretch>
-            <a:fillRect/>
-          </a:stretch>
-        </p:blipFill>
-        <p:spPr>
-          <a:xfrm>
-            <a:off x="2633662" y="2043112"/>
-            <a:ext cx="6924675" cy="2771775"/>
-          </a:xfrm>
-          <a:prstGeom prst="rect">
-            <a:avLst/>
-          </a:prstGeom>
-        </p:spPr>
-      </p:pic>
-      <p:sp>
-        <p:nvSpPr>
-          <p:cNvPr id="5" name="Rectangle 4"/>
-          <p:cNvSpPr/>
-          <p:nvPr/>
-        </p:nvSpPr>
-        <p:spPr>
-          <a:xfrm>
-            <a:off x="2838203" y="2683823"/>
-            <a:ext cx="2434441" cy="546265"/>
-          </a:xfrm>
-          <a:prstGeom prst="rect">
-            <a:avLst/>
-          </a:prstGeom>
-          <a:noFill/>
-          <a:ln w="9525" cap="flat" cmpd="sng" algn="ctr">
-            <a:solidFill>
-              <a:schemeClr val="accent1"/>
-            </a:solidFill>
-            <a:prstDash val="solid"/>
-            <a:round/>
-            <a:headEnd type="none" w="med" len="med"/>
-            <a:tailEnd type="none" w="med" len="med"/>
-          </a:ln>
-        </p:spPr>
-        <p:style>
-          <a:lnRef idx="0">
-            <a:scrgbClr r="0" g="0" b="0"/>
-          </a:lnRef>
-          <a:fillRef idx="0">
-            <a:scrgbClr r="0" g="0" b="0"/>
-          </a:fillRef>
-          <a:effectRef idx="0">
-            <a:scrgbClr r="0" g="0" b="0"/>
-          </a:effectRef>
-          <a:fontRef idx="minor">
-            <a:schemeClr val="accent1"/>
-          </a:fontRef>
-        </p:style>
-        <p:txBody>
-          <a:bodyPr rtlCol="0" anchor="ctr"/>
-          <a:lstStyle/>
-          <a:p>
-            <a:pPr algn="ctr"/>
-            <a:endParaRPr lang="en-US"/>
-          </a:p>
-        </p:txBody>
-      </p:sp>
-    </p:spTree>
-    <p:extLst>
-      <p:ext uri="{BB962C8B-B14F-4D97-AF65-F5344CB8AC3E}">
-        <p14:creationId xmlns:p14="http://schemas.microsoft.com/office/powerpoint/2010/main" val="540534077"/>
-      </p:ext>
-    </p:extLst>
-  </p:cSld>
-  <p:clrMapOvr>
-    <a:masterClrMapping/>
-  </p:clrMapOvr>
-</p:sld>
-</file>
-
-<file path=ppt/slides/slide2.xml><?xml version="1.0" encoding="utf-8"?>
-<p:sld xmlns:a="http://schemas.openxmlformats.org/drawingml/2006/main" xmlns:r="http://schemas.openxmlformats.org/officeDocument/2006/relationships" xmlns:p="http://schemas.openxmlformats.org/presentationml/2006/main">
-  <p:cSld>
-    <p:spTree>
-      <p:nvGrpSpPr>
-        <p:cNvPr id="1" name=""/>
-        <p:cNvGrpSpPr/>
-        <p:nvPr/>
-      </p:nvGrpSpPr>
-      <p:grpSpPr>
-        <a:xfrm>
-          <a:off x="0" y="0"/>
-          <a:ext cx="0" cy="0"/>
-          <a:chOff x="0" y="0"/>
-          <a:chExt cx="0" cy="0"/>
-        </a:xfrm>
-      </p:grpSpPr>
       <p:sp>
         <p:nvSpPr>
           <p:cNvPr id="2" name="Title 1"/>
@@ -3437,937 +3340,7 @@
                 <a:ea typeface="Tahoma" panose="020B0604030504040204" pitchFamily="34" charset="0"/>
                 <a:cs typeface="Tahoma" panose="020B0604030504040204" pitchFamily="34" charset="0"/>
               </a:rPr>
-              <a:t>Component</a:t>
-            </a:r>
-            <a:endParaRPr lang="en-US" dirty="0">
-              <a:latin typeface="Tahoma" panose="020B0604030504040204" pitchFamily="34" charset="0"/>
-              <a:ea typeface="Tahoma" panose="020B0604030504040204" pitchFamily="34" charset="0"/>
-              <a:cs typeface="Tahoma" panose="020B0604030504040204" pitchFamily="34" charset="0"/>
-            </a:endParaRPr>
-          </a:p>
-        </p:txBody>
-      </p:sp>
-      <p:sp>
-        <p:nvSpPr>
-          <p:cNvPr id="3" name="Content Placeholder 2"/>
-          <p:cNvSpPr>
-            <a:spLocks noGrp="1"/>
-          </p:cNvSpPr>
-          <p:nvPr>
-            <p:ph idx="1"/>
-          </p:nvPr>
-        </p:nvSpPr>
-        <p:spPr/>
-        <p:txBody>
-          <a:bodyPr>
-            <a:normAutofit/>
-          </a:bodyPr>
-          <a:lstStyle/>
-          <a:p>
-            <a:r>
-              <a:rPr lang="en-US" dirty="0" smtClean="0">
-                <a:latin typeface="Tahoma" panose="020B0604030504040204" pitchFamily="34" charset="0"/>
-                <a:ea typeface="Tahoma" panose="020B0604030504040204" pitchFamily="34" charset="0"/>
-                <a:cs typeface="Tahoma" panose="020B0604030504040204" pitchFamily="34" charset="0"/>
-              </a:rPr>
-              <a:t>Component nôm na là thành phần</a:t>
-            </a:r>
-          </a:p>
-          <a:p>
-            <a:r>
-              <a:rPr lang="en-US" dirty="0" smtClean="0">
-                <a:latin typeface="Tahoma" panose="020B0604030504040204" pitchFamily="34" charset="0"/>
-                <a:ea typeface="Tahoma" panose="020B0604030504040204" pitchFamily="34" charset="0"/>
-                <a:cs typeface="Tahoma" panose="020B0604030504040204" pitchFamily="34" charset="0"/>
-              </a:rPr>
-              <a:t>Với Java ta thường tạo các thẻ tag common =&gt; nhằm mục đích tái sử dụng cho nhiều nơi</a:t>
-            </a:r>
-          </a:p>
-          <a:p>
-            <a:r>
-              <a:rPr lang="en-US" dirty="0" smtClean="0">
-                <a:latin typeface="Tahoma" panose="020B0604030504040204" pitchFamily="34" charset="0"/>
-                <a:ea typeface="Tahoma" panose="020B0604030504040204" pitchFamily="34" charset="0"/>
-                <a:cs typeface="Tahoma" panose="020B0604030504040204" pitchFamily="34" charset="0"/>
-              </a:rPr>
-              <a:t>Hoặc các chức năng đặc thù hoặc để phân chia các vùng khi source code quá dài ta cũng tạo các thẻ tag riêng</a:t>
-            </a:r>
-          </a:p>
-          <a:p>
-            <a:r>
-              <a:rPr lang="en-US" dirty="0" smtClean="0">
-                <a:latin typeface="Tahoma" panose="020B0604030504040204" pitchFamily="34" charset="0"/>
-                <a:ea typeface="Tahoma" panose="020B0604030504040204" pitchFamily="34" charset="0"/>
-                <a:cs typeface="Tahoma" panose="020B0604030504040204" pitchFamily="34" charset="0"/>
-              </a:rPr>
-              <a:t>=&gt; Thì trong react ta có component</a:t>
-            </a:r>
-            <a:endParaRPr lang="vi-VN" dirty="0">
-              <a:latin typeface="Tahoma" panose="020B0604030504040204" pitchFamily="34" charset="0"/>
-              <a:ea typeface="Tahoma" panose="020B0604030504040204" pitchFamily="34" charset="0"/>
-              <a:cs typeface="Tahoma" panose="020B0604030504040204" pitchFamily="34" charset="0"/>
-            </a:endParaRPr>
-          </a:p>
-        </p:txBody>
-      </p:sp>
-    </p:spTree>
-    <p:extLst>
-      <p:ext uri="{BB962C8B-B14F-4D97-AF65-F5344CB8AC3E}">
-        <p14:creationId xmlns:p14="http://schemas.microsoft.com/office/powerpoint/2010/main" val="337495638"/>
-      </p:ext>
-    </p:extLst>
-  </p:cSld>
-  <p:clrMapOvr>
-    <a:masterClrMapping/>
-  </p:clrMapOvr>
-</p:sld>
-</file>
-
-<file path=ppt/slides/slide3.xml><?xml version="1.0" encoding="utf-8"?>
-<p:sld xmlns:a="http://schemas.openxmlformats.org/drawingml/2006/main" xmlns:r="http://schemas.openxmlformats.org/officeDocument/2006/relationships" xmlns:p="http://schemas.openxmlformats.org/presentationml/2006/main">
-  <p:cSld>
-    <p:spTree>
-      <p:nvGrpSpPr>
-        <p:cNvPr id="1" name=""/>
-        <p:cNvGrpSpPr/>
-        <p:nvPr/>
-      </p:nvGrpSpPr>
-      <p:grpSpPr>
-        <a:xfrm>
-          <a:off x="0" y="0"/>
-          <a:ext cx="0" cy="0"/>
-          <a:chOff x="0" y="0"/>
-          <a:chExt cx="0" cy="0"/>
-        </a:xfrm>
-      </p:grpSpPr>
-      <p:sp>
-        <p:nvSpPr>
-          <p:cNvPr id="2" name="Title 1"/>
-          <p:cNvSpPr>
-            <a:spLocks noGrp="1"/>
-          </p:cNvSpPr>
-          <p:nvPr>
-            <p:ph type="title"/>
-          </p:nvPr>
-        </p:nvSpPr>
-        <p:spPr/>
-        <p:txBody>
-          <a:bodyPr>
-            <a:normAutofit/>
-          </a:bodyPr>
-          <a:lstStyle/>
-          <a:p>
-            <a:r>
-              <a:rPr lang="en-US" dirty="0" smtClean="0">
-                <a:latin typeface="Tahoma" panose="020B0604030504040204" pitchFamily="34" charset="0"/>
-                <a:ea typeface="Tahoma" panose="020B0604030504040204" pitchFamily="34" charset="0"/>
-                <a:cs typeface="Tahoma" panose="020B0604030504040204" pitchFamily="34" charset="0"/>
-              </a:rPr>
-              <a:t>Component</a:t>
-            </a:r>
-            <a:endParaRPr lang="en-US" dirty="0">
-              <a:latin typeface="Tahoma" panose="020B0604030504040204" pitchFamily="34" charset="0"/>
-              <a:ea typeface="Tahoma" panose="020B0604030504040204" pitchFamily="34" charset="0"/>
-              <a:cs typeface="Tahoma" panose="020B0604030504040204" pitchFamily="34" charset="0"/>
-            </a:endParaRPr>
-          </a:p>
-        </p:txBody>
-      </p:sp>
-      <p:sp>
-        <p:nvSpPr>
-          <p:cNvPr id="3" name="Content Placeholder 2"/>
-          <p:cNvSpPr>
-            <a:spLocks noGrp="1"/>
-          </p:cNvSpPr>
-          <p:nvPr>
-            <p:ph idx="1"/>
-          </p:nvPr>
-        </p:nvSpPr>
-        <p:spPr/>
-        <p:txBody>
-          <a:bodyPr>
-            <a:normAutofit/>
-          </a:bodyPr>
-          <a:lstStyle/>
-          <a:p>
-            <a:r>
-              <a:rPr lang="en-US" dirty="0">
-                <a:latin typeface="Tahoma" panose="020B0604030504040204" pitchFamily="34" charset="0"/>
-                <a:ea typeface="Tahoma" panose="020B0604030504040204" pitchFamily="34" charset="0"/>
-                <a:cs typeface="Tahoma" panose="020B0604030504040204" pitchFamily="34" charset="0"/>
-              </a:rPr>
-              <a:t>Components cho phép bạn chia UI thành các phần độc lập, có thể tái sử dụng và </a:t>
-            </a:r>
-            <a:r>
-              <a:rPr lang="en-US" dirty="0" smtClean="0">
-                <a:latin typeface="Tahoma" panose="020B0604030504040204" pitchFamily="34" charset="0"/>
-                <a:ea typeface="Tahoma" panose="020B0604030504040204" pitchFamily="34" charset="0"/>
-                <a:cs typeface="Tahoma" panose="020B0604030504040204" pitchFamily="34" charset="0"/>
-              </a:rPr>
-              <a:t>có </a:t>
-            </a:r>
-            <a:r>
-              <a:rPr lang="en-US" dirty="0">
-                <a:latin typeface="Tahoma" panose="020B0604030504040204" pitchFamily="34" charset="0"/>
-                <a:ea typeface="Tahoma" panose="020B0604030504040204" pitchFamily="34" charset="0"/>
-                <a:cs typeface="Tahoma" panose="020B0604030504040204" pitchFamily="34" charset="0"/>
-              </a:rPr>
-              <a:t>thể sử dụng chúng 1 cách độc lập</a:t>
-            </a:r>
-            <a:r>
-              <a:rPr lang="en-US" dirty="0" smtClean="0">
-                <a:latin typeface="Tahoma" panose="020B0604030504040204" pitchFamily="34" charset="0"/>
-                <a:ea typeface="Tahoma" panose="020B0604030504040204" pitchFamily="34" charset="0"/>
-                <a:cs typeface="Tahoma" panose="020B0604030504040204" pitchFamily="34" charset="0"/>
-              </a:rPr>
-              <a:t>.</a:t>
-            </a:r>
-          </a:p>
-          <a:p>
-            <a:r>
-              <a:rPr lang="en-US" dirty="0" smtClean="0">
-                <a:ea typeface="Tahoma" panose="020B0604030504040204" pitchFamily="34" charset="0"/>
-                <a:cs typeface="Tahoma" panose="020B0604030504040204" pitchFamily="34" charset="0"/>
-              </a:rPr>
-              <a:t>C</a:t>
-            </a:r>
-            <a:r>
-              <a:rPr lang="vi-VN" dirty="0" smtClean="0">
-                <a:ea typeface="Tahoma" panose="020B0604030504040204" pitchFamily="34" charset="0"/>
-                <a:cs typeface="Tahoma" panose="020B0604030504040204" pitchFamily="34" charset="0"/>
-              </a:rPr>
-              <a:t>omponents </a:t>
-            </a:r>
-            <a:r>
-              <a:rPr lang="vi-VN" dirty="0">
-                <a:ea typeface="Tahoma" panose="020B0604030504040204" pitchFamily="34" charset="0"/>
-                <a:cs typeface="Tahoma" panose="020B0604030504040204" pitchFamily="34" charset="0"/>
-              </a:rPr>
-              <a:t>cũng giống như function JavaScript. Nó cho phép nhập vào các đầu vào tùy ý (props) và trả về những phần tử React mô tả những gì sẽ xuất hiện trên màn hình.</a:t>
-            </a:r>
-            <a:endParaRPr lang="vi-VN" dirty="0">
-              <a:latin typeface="Tahoma" panose="020B0604030504040204" pitchFamily="34" charset="0"/>
-              <a:ea typeface="Tahoma" panose="020B0604030504040204" pitchFamily="34" charset="0"/>
-              <a:cs typeface="Tahoma" panose="020B0604030504040204" pitchFamily="34" charset="0"/>
-            </a:endParaRPr>
-          </a:p>
-        </p:txBody>
-      </p:sp>
-    </p:spTree>
-    <p:extLst>
-      <p:ext uri="{BB962C8B-B14F-4D97-AF65-F5344CB8AC3E}">
-        <p14:creationId xmlns:p14="http://schemas.microsoft.com/office/powerpoint/2010/main" val="3329310278"/>
-      </p:ext>
-    </p:extLst>
-  </p:cSld>
-  <p:clrMapOvr>
-    <a:masterClrMapping/>
-  </p:clrMapOvr>
-</p:sld>
-</file>
-
-<file path=ppt/slides/slide4.xml><?xml version="1.0" encoding="utf-8"?>
-<p:sld xmlns:a="http://schemas.openxmlformats.org/drawingml/2006/main" xmlns:r="http://schemas.openxmlformats.org/officeDocument/2006/relationships" xmlns:p="http://schemas.openxmlformats.org/presentationml/2006/main">
-  <p:cSld>
-    <p:spTree>
-      <p:nvGrpSpPr>
-        <p:cNvPr id="1" name=""/>
-        <p:cNvGrpSpPr/>
-        <p:nvPr/>
-      </p:nvGrpSpPr>
-      <p:grpSpPr>
-        <a:xfrm>
-          <a:off x="0" y="0"/>
-          <a:ext cx="0" cy="0"/>
-          <a:chOff x="0" y="0"/>
-          <a:chExt cx="0" cy="0"/>
-        </a:xfrm>
-      </p:grpSpPr>
-      <p:sp>
-        <p:nvSpPr>
-          <p:cNvPr id="2" name="Title 1"/>
-          <p:cNvSpPr>
-            <a:spLocks noGrp="1"/>
-          </p:cNvSpPr>
-          <p:nvPr>
-            <p:ph type="title"/>
-          </p:nvPr>
-        </p:nvSpPr>
-        <p:spPr/>
-        <p:txBody>
-          <a:bodyPr>
-            <a:normAutofit/>
-          </a:bodyPr>
-          <a:lstStyle/>
-          <a:p>
-            <a:r>
-              <a:rPr lang="en-US" dirty="0" smtClean="0">
-                <a:latin typeface="Tahoma" panose="020B0604030504040204" pitchFamily="34" charset="0"/>
-                <a:ea typeface="Tahoma" panose="020B0604030504040204" pitchFamily="34" charset="0"/>
-                <a:cs typeface="Tahoma" panose="020B0604030504040204" pitchFamily="34" charset="0"/>
-              </a:rPr>
-              <a:t>Component</a:t>
-            </a:r>
-            <a:endParaRPr lang="en-US" dirty="0">
-              <a:latin typeface="Tahoma" panose="020B0604030504040204" pitchFamily="34" charset="0"/>
-              <a:ea typeface="Tahoma" panose="020B0604030504040204" pitchFamily="34" charset="0"/>
-              <a:cs typeface="Tahoma" panose="020B0604030504040204" pitchFamily="34" charset="0"/>
-            </a:endParaRPr>
-          </a:p>
-        </p:txBody>
-      </p:sp>
-      <p:sp>
-        <p:nvSpPr>
-          <p:cNvPr id="3" name="Content Placeholder 2"/>
-          <p:cNvSpPr>
-            <a:spLocks noGrp="1"/>
-          </p:cNvSpPr>
-          <p:nvPr>
-            <p:ph idx="1"/>
-          </p:nvPr>
-        </p:nvSpPr>
-        <p:spPr/>
-        <p:txBody>
-          <a:bodyPr>
-            <a:normAutofit/>
-          </a:bodyPr>
-          <a:lstStyle/>
-          <a:p>
-            <a:r>
-              <a:rPr lang="en-US" dirty="0" smtClean="0">
-                <a:latin typeface="Tahoma" panose="020B0604030504040204" pitchFamily="34" charset="0"/>
-                <a:ea typeface="Tahoma" panose="020B0604030504040204" pitchFamily="34" charset="0"/>
-                <a:cs typeface="Tahoma" panose="020B0604030504040204" pitchFamily="34" charset="0"/>
-              </a:rPr>
-              <a:t>Ví dụ:</a:t>
-            </a:r>
-            <a:endParaRPr lang="vi-VN" dirty="0">
-              <a:latin typeface="Tahoma" panose="020B0604030504040204" pitchFamily="34" charset="0"/>
-              <a:ea typeface="Tahoma" panose="020B0604030504040204" pitchFamily="34" charset="0"/>
-              <a:cs typeface="Tahoma" panose="020B0604030504040204" pitchFamily="34" charset="0"/>
-            </a:endParaRPr>
-          </a:p>
-        </p:txBody>
-      </p:sp>
-      <p:sp>
-        <p:nvSpPr>
-          <p:cNvPr id="4" name="Rectangle 3"/>
-          <p:cNvSpPr/>
-          <p:nvPr/>
-        </p:nvSpPr>
-        <p:spPr>
-          <a:xfrm>
-            <a:off x="3048000" y="3317657"/>
-            <a:ext cx="6096000" cy="923330"/>
-          </a:xfrm>
-          <a:prstGeom prst="rect">
-            <a:avLst/>
-          </a:prstGeom>
-          <a:solidFill>
-            <a:schemeClr val="tx1"/>
-          </a:solidFill>
-        </p:spPr>
-        <p:txBody>
-          <a:bodyPr>
-            <a:spAutoFit/>
-          </a:bodyPr>
-          <a:lstStyle/>
-          <a:p>
-            <a:r>
-              <a:rPr lang="en-US" dirty="0">
-                <a:solidFill>
-                  <a:srgbClr val="D4D4D4"/>
-                </a:solidFill>
-                <a:latin typeface="Consolas" panose="020B0609020204030204" pitchFamily="49" charset="0"/>
-              </a:rPr>
-              <a:t>        </a:t>
-            </a:r>
-            <a:r>
-              <a:rPr lang="en-US" dirty="0">
-                <a:solidFill>
-                  <a:srgbClr val="569CD6"/>
-                </a:solidFill>
-                <a:latin typeface="Consolas" panose="020B0609020204030204" pitchFamily="49" charset="0"/>
-              </a:rPr>
-              <a:t>function</a:t>
-            </a:r>
-            <a:r>
-              <a:rPr lang="en-US" dirty="0">
-                <a:solidFill>
-                  <a:srgbClr val="D4D4D4"/>
-                </a:solidFill>
-                <a:latin typeface="Consolas" panose="020B0609020204030204" pitchFamily="49" charset="0"/>
-              </a:rPr>
-              <a:t> </a:t>
-            </a:r>
-            <a:r>
-              <a:rPr lang="en-US" dirty="0">
-                <a:solidFill>
-                  <a:srgbClr val="DCDCAA"/>
-                </a:solidFill>
-                <a:latin typeface="Consolas" panose="020B0609020204030204" pitchFamily="49" charset="0"/>
-              </a:rPr>
-              <a:t>Welcome</a:t>
-            </a:r>
-            <a:r>
-              <a:rPr lang="en-US" dirty="0">
-                <a:solidFill>
-                  <a:srgbClr val="D4D4D4"/>
-                </a:solidFill>
-                <a:latin typeface="Consolas" panose="020B0609020204030204" pitchFamily="49" charset="0"/>
-              </a:rPr>
-              <a:t>() {</a:t>
-            </a:r>
-            <a:endParaRPr lang="en-US" dirty="0">
-              <a:solidFill>
-                <a:srgbClr val="CCCCCC"/>
-              </a:solidFill>
-              <a:latin typeface="Consolas" panose="020B0609020204030204" pitchFamily="49" charset="0"/>
-            </a:endParaRPr>
-          </a:p>
-          <a:p>
-            <a:r>
-              <a:rPr lang="en-US" dirty="0">
-                <a:solidFill>
-                  <a:srgbClr val="D4D4D4"/>
-                </a:solidFill>
-                <a:latin typeface="Consolas" panose="020B0609020204030204" pitchFamily="49" charset="0"/>
-              </a:rPr>
-              <a:t>            </a:t>
-            </a:r>
-            <a:r>
-              <a:rPr lang="en-US" dirty="0">
-                <a:solidFill>
-                  <a:srgbClr val="C586C0"/>
-                </a:solidFill>
-                <a:latin typeface="Consolas" panose="020B0609020204030204" pitchFamily="49" charset="0"/>
-              </a:rPr>
-              <a:t>return</a:t>
-            </a:r>
-            <a:r>
-              <a:rPr lang="en-US" dirty="0">
-                <a:solidFill>
-                  <a:srgbClr val="D4D4D4"/>
-                </a:solidFill>
-                <a:latin typeface="Consolas" panose="020B0609020204030204" pitchFamily="49" charset="0"/>
-              </a:rPr>
-              <a:t> </a:t>
-            </a:r>
-            <a:r>
-              <a:rPr lang="en-US" dirty="0">
-                <a:solidFill>
-                  <a:srgbClr val="808080"/>
-                </a:solidFill>
-                <a:latin typeface="Consolas" panose="020B0609020204030204" pitchFamily="49" charset="0"/>
-              </a:rPr>
-              <a:t>&lt;</a:t>
-            </a:r>
-            <a:r>
-              <a:rPr lang="en-US" dirty="0">
-                <a:solidFill>
-                  <a:srgbClr val="569CD6"/>
-                </a:solidFill>
-                <a:latin typeface="Consolas" panose="020B0609020204030204" pitchFamily="49" charset="0"/>
-              </a:rPr>
-              <a:t>h1</a:t>
-            </a:r>
-            <a:r>
-              <a:rPr lang="en-US" dirty="0">
-                <a:solidFill>
-                  <a:srgbClr val="808080"/>
-                </a:solidFill>
-                <a:latin typeface="Consolas" panose="020B0609020204030204" pitchFamily="49" charset="0"/>
-              </a:rPr>
-              <a:t>&gt;</a:t>
-            </a:r>
-            <a:r>
-              <a:rPr lang="en-US" dirty="0">
-                <a:solidFill>
-                  <a:srgbClr val="D4D4D4"/>
-                </a:solidFill>
-                <a:latin typeface="Consolas" panose="020B0609020204030204" pitchFamily="49" charset="0"/>
-              </a:rPr>
-              <a:t>Hello world</a:t>
-            </a:r>
-            <a:r>
-              <a:rPr lang="en-US" dirty="0">
-                <a:solidFill>
-                  <a:srgbClr val="808080"/>
-                </a:solidFill>
-                <a:latin typeface="Consolas" panose="020B0609020204030204" pitchFamily="49" charset="0"/>
-              </a:rPr>
-              <a:t>&lt;/</a:t>
-            </a:r>
-            <a:r>
-              <a:rPr lang="en-US" dirty="0">
-                <a:solidFill>
-                  <a:srgbClr val="569CD6"/>
-                </a:solidFill>
-                <a:latin typeface="Consolas" panose="020B0609020204030204" pitchFamily="49" charset="0"/>
-              </a:rPr>
-              <a:t>h1</a:t>
-            </a:r>
-            <a:r>
-              <a:rPr lang="en-US" dirty="0">
-                <a:solidFill>
-                  <a:srgbClr val="808080"/>
-                </a:solidFill>
-                <a:latin typeface="Consolas" panose="020B0609020204030204" pitchFamily="49" charset="0"/>
-              </a:rPr>
-              <a:t>&gt;</a:t>
-            </a:r>
-            <a:r>
-              <a:rPr lang="en-US" dirty="0">
-                <a:solidFill>
-                  <a:srgbClr val="D4D4D4"/>
-                </a:solidFill>
-                <a:latin typeface="Consolas" panose="020B0609020204030204" pitchFamily="49" charset="0"/>
-              </a:rPr>
-              <a:t>;</a:t>
-            </a:r>
-            <a:endParaRPr lang="en-US" dirty="0">
-              <a:solidFill>
-                <a:srgbClr val="CCCCCC"/>
-              </a:solidFill>
-              <a:latin typeface="Consolas" panose="020B0609020204030204" pitchFamily="49" charset="0"/>
-            </a:endParaRPr>
-          </a:p>
-          <a:p>
-            <a:r>
-              <a:rPr lang="en-US" dirty="0">
-                <a:solidFill>
-                  <a:srgbClr val="D4D4D4"/>
-                </a:solidFill>
-                <a:latin typeface="Consolas" panose="020B0609020204030204" pitchFamily="49" charset="0"/>
-              </a:rPr>
-              <a:t>        }</a:t>
-            </a:r>
-            <a:endParaRPr lang="en-US" b="0" dirty="0">
-              <a:solidFill>
-                <a:srgbClr val="CCCCCC"/>
-              </a:solidFill>
-              <a:effectLst/>
-              <a:latin typeface="Consolas" panose="020B0609020204030204" pitchFamily="49" charset="0"/>
-            </a:endParaRPr>
-          </a:p>
-        </p:txBody>
-      </p:sp>
-    </p:spTree>
-    <p:extLst>
-      <p:ext uri="{BB962C8B-B14F-4D97-AF65-F5344CB8AC3E}">
-        <p14:creationId xmlns:p14="http://schemas.microsoft.com/office/powerpoint/2010/main" val="2727255790"/>
-      </p:ext>
-    </p:extLst>
-  </p:cSld>
-  <p:clrMapOvr>
-    <a:masterClrMapping/>
-  </p:clrMapOvr>
-</p:sld>
-</file>
-
-<file path=ppt/slides/slide5.xml><?xml version="1.0" encoding="utf-8"?>
-<p:sld xmlns:a="http://schemas.openxmlformats.org/drawingml/2006/main" xmlns:r="http://schemas.openxmlformats.org/officeDocument/2006/relationships" xmlns:p="http://schemas.openxmlformats.org/presentationml/2006/main">
-  <p:cSld>
-    <p:spTree>
-      <p:nvGrpSpPr>
-        <p:cNvPr id="1" name=""/>
-        <p:cNvGrpSpPr/>
-        <p:nvPr/>
-      </p:nvGrpSpPr>
-      <p:grpSpPr>
-        <a:xfrm>
-          <a:off x="0" y="0"/>
-          <a:ext cx="0" cy="0"/>
-          <a:chOff x="0" y="0"/>
-          <a:chExt cx="0" cy="0"/>
-        </a:xfrm>
-      </p:grpSpPr>
-      <p:sp>
-        <p:nvSpPr>
-          <p:cNvPr id="2" name="Title 1"/>
-          <p:cNvSpPr>
-            <a:spLocks noGrp="1"/>
-          </p:cNvSpPr>
-          <p:nvPr>
-            <p:ph type="title"/>
-          </p:nvPr>
-        </p:nvSpPr>
-        <p:spPr/>
-        <p:txBody>
-          <a:bodyPr>
-            <a:normAutofit/>
-          </a:bodyPr>
-          <a:lstStyle/>
-          <a:p>
-            <a:r>
-              <a:rPr lang="en-US" dirty="0" smtClean="0">
-                <a:latin typeface="Tahoma" panose="020B0604030504040204" pitchFamily="34" charset="0"/>
-                <a:ea typeface="Tahoma" panose="020B0604030504040204" pitchFamily="34" charset="0"/>
-                <a:cs typeface="Tahoma" panose="020B0604030504040204" pitchFamily="34" charset="0"/>
-              </a:rPr>
-              <a:t>Component</a:t>
-            </a:r>
-            <a:endParaRPr lang="en-US" dirty="0">
-              <a:latin typeface="Tahoma" panose="020B0604030504040204" pitchFamily="34" charset="0"/>
-              <a:ea typeface="Tahoma" panose="020B0604030504040204" pitchFamily="34" charset="0"/>
-              <a:cs typeface="Tahoma" panose="020B0604030504040204" pitchFamily="34" charset="0"/>
-            </a:endParaRPr>
-          </a:p>
-        </p:txBody>
-      </p:sp>
-      <p:sp>
-        <p:nvSpPr>
-          <p:cNvPr id="3" name="Content Placeholder 2"/>
-          <p:cNvSpPr>
-            <a:spLocks noGrp="1"/>
-          </p:cNvSpPr>
-          <p:nvPr>
-            <p:ph idx="1"/>
-          </p:nvPr>
-        </p:nvSpPr>
-        <p:spPr/>
-        <p:txBody>
-          <a:bodyPr>
-            <a:normAutofit/>
-          </a:bodyPr>
-          <a:lstStyle/>
-          <a:p>
-            <a:r>
-              <a:rPr lang="en-US" dirty="0" smtClean="0">
-                <a:latin typeface="Tahoma" panose="020B0604030504040204" pitchFamily="34" charset="0"/>
-                <a:ea typeface="Tahoma" panose="020B0604030504040204" pitchFamily="34" charset="0"/>
-                <a:cs typeface="Tahoma" panose="020B0604030504040204" pitchFamily="34" charset="0"/>
-              </a:rPr>
-              <a:t>Ví dụ có truyền param</a:t>
-            </a:r>
-            <a:endParaRPr lang="vi-VN" dirty="0">
-              <a:latin typeface="Tahoma" panose="020B0604030504040204" pitchFamily="34" charset="0"/>
-              <a:ea typeface="Tahoma" panose="020B0604030504040204" pitchFamily="34" charset="0"/>
-              <a:cs typeface="Tahoma" panose="020B0604030504040204" pitchFamily="34" charset="0"/>
-            </a:endParaRPr>
-          </a:p>
-        </p:txBody>
-      </p:sp>
-      <p:sp>
-        <p:nvSpPr>
-          <p:cNvPr id="4" name="Rectangle 3"/>
-          <p:cNvSpPr/>
-          <p:nvPr/>
-        </p:nvSpPr>
-        <p:spPr>
-          <a:xfrm>
-            <a:off x="3048000" y="3317657"/>
-            <a:ext cx="6096000" cy="923330"/>
-          </a:xfrm>
-          <a:prstGeom prst="rect">
-            <a:avLst/>
-          </a:prstGeom>
-          <a:solidFill>
-            <a:schemeClr val="tx1"/>
-          </a:solidFill>
-        </p:spPr>
-        <p:txBody>
-          <a:bodyPr>
-            <a:spAutoFit/>
-          </a:bodyPr>
-          <a:lstStyle/>
-          <a:p>
-            <a:r>
-              <a:rPr lang="en-US" dirty="0">
-                <a:solidFill>
-                  <a:srgbClr val="D4D4D4"/>
-                </a:solidFill>
-                <a:latin typeface="Consolas" panose="020B0609020204030204" pitchFamily="49" charset="0"/>
-              </a:rPr>
-              <a:t>        </a:t>
-            </a:r>
-            <a:r>
-              <a:rPr lang="en-US" dirty="0">
-                <a:solidFill>
-                  <a:srgbClr val="569CD6"/>
-                </a:solidFill>
-                <a:latin typeface="Consolas" panose="020B0609020204030204" pitchFamily="49" charset="0"/>
-              </a:rPr>
-              <a:t>function</a:t>
-            </a:r>
-            <a:r>
-              <a:rPr lang="en-US" dirty="0">
-                <a:solidFill>
-                  <a:srgbClr val="D4D4D4"/>
-                </a:solidFill>
-                <a:latin typeface="Consolas" panose="020B0609020204030204" pitchFamily="49" charset="0"/>
-              </a:rPr>
-              <a:t> </a:t>
-            </a:r>
-            <a:r>
-              <a:rPr lang="en-US" dirty="0">
-                <a:solidFill>
-                  <a:srgbClr val="DCDCAA"/>
-                </a:solidFill>
-                <a:latin typeface="Consolas" panose="020B0609020204030204" pitchFamily="49" charset="0"/>
-              </a:rPr>
-              <a:t>Welcome</a:t>
-            </a:r>
-            <a:r>
-              <a:rPr lang="en-US" dirty="0">
-                <a:solidFill>
-                  <a:srgbClr val="D4D4D4"/>
-                </a:solidFill>
-                <a:latin typeface="Consolas" panose="020B0609020204030204" pitchFamily="49" charset="0"/>
-              </a:rPr>
-              <a:t>(</a:t>
-            </a:r>
-            <a:r>
-              <a:rPr lang="en-US" dirty="0">
-                <a:solidFill>
-                  <a:srgbClr val="9CDCFE"/>
-                </a:solidFill>
-                <a:latin typeface="Consolas" panose="020B0609020204030204" pitchFamily="49" charset="0"/>
-              </a:rPr>
               <a:t>props</a:t>
-            </a:r>
-            <a:r>
-              <a:rPr lang="en-US" dirty="0">
-                <a:solidFill>
-                  <a:srgbClr val="D4D4D4"/>
-                </a:solidFill>
-                <a:latin typeface="Consolas" panose="020B0609020204030204" pitchFamily="49" charset="0"/>
-              </a:rPr>
-              <a:t>) {</a:t>
-            </a:r>
-            <a:endParaRPr lang="en-US" dirty="0">
-              <a:solidFill>
-                <a:srgbClr val="CCCCCC"/>
-              </a:solidFill>
-              <a:latin typeface="Consolas" panose="020B0609020204030204" pitchFamily="49" charset="0"/>
-            </a:endParaRPr>
-          </a:p>
-          <a:p>
-            <a:r>
-              <a:rPr lang="en-US" dirty="0">
-                <a:solidFill>
-                  <a:srgbClr val="D4D4D4"/>
-                </a:solidFill>
-                <a:latin typeface="Consolas" panose="020B0609020204030204" pitchFamily="49" charset="0"/>
-              </a:rPr>
-              <a:t>            </a:t>
-            </a:r>
-            <a:r>
-              <a:rPr lang="en-US" dirty="0">
-                <a:solidFill>
-                  <a:srgbClr val="C586C0"/>
-                </a:solidFill>
-                <a:latin typeface="Consolas" panose="020B0609020204030204" pitchFamily="49" charset="0"/>
-              </a:rPr>
-              <a:t>return</a:t>
-            </a:r>
-            <a:r>
-              <a:rPr lang="en-US" dirty="0">
-                <a:solidFill>
-                  <a:srgbClr val="D4D4D4"/>
-                </a:solidFill>
-                <a:latin typeface="Consolas" panose="020B0609020204030204" pitchFamily="49" charset="0"/>
-              </a:rPr>
-              <a:t> </a:t>
-            </a:r>
-            <a:r>
-              <a:rPr lang="en-US" dirty="0">
-                <a:solidFill>
-                  <a:srgbClr val="808080"/>
-                </a:solidFill>
-                <a:latin typeface="Consolas" panose="020B0609020204030204" pitchFamily="49" charset="0"/>
-              </a:rPr>
-              <a:t>&lt;</a:t>
-            </a:r>
-            <a:r>
-              <a:rPr lang="en-US" dirty="0">
-                <a:solidFill>
-                  <a:srgbClr val="569CD6"/>
-                </a:solidFill>
-                <a:latin typeface="Consolas" panose="020B0609020204030204" pitchFamily="49" charset="0"/>
-              </a:rPr>
-              <a:t>h1</a:t>
-            </a:r>
-            <a:r>
-              <a:rPr lang="en-US" dirty="0">
-                <a:solidFill>
-                  <a:srgbClr val="808080"/>
-                </a:solidFill>
-                <a:latin typeface="Consolas" panose="020B0609020204030204" pitchFamily="49" charset="0"/>
-              </a:rPr>
-              <a:t>&gt;</a:t>
-            </a:r>
-            <a:r>
-              <a:rPr lang="en-US" dirty="0">
-                <a:solidFill>
-                  <a:srgbClr val="D4D4D4"/>
-                </a:solidFill>
-                <a:latin typeface="Consolas" panose="020B0609020204030204" pitchFamily="49" charset="0"/>
-              </a:rPr>
-              <a:t>Hello </a:t>
-            </a:r>
-            <a:r>
-              <a:rPr lang="en-US" dirty="0">
-                <a:solidFill>
-                  <a:srgbClr val="569CD6"/>
-                </a:solidFill>
-                <a:latin typeface="Consolas" panose="020B0609020204030204" pitchFamily="49" charset="0"/>
-              </a:rPr>
-              <a:t>{</a:t>
-            </a:r>
-            <a:r>
-              <a:rPr lang="en-US" dirty="0">
-                <a:solidFill>
-                  <a:srgbClr val="9CDCFE"/>
-                </a:solidFill>
-                <a:latin typeface="Consolas" panose="020B0609020204030204" pitchFamily="49" charset="0"/>
-              </a:rPr>
-              <a:t>props</a:t>
-            </a:r>
-            <a:r>
-              <a:rPr lang="en-US" dirty="0">
-                <a:solidFill>
-                  <a:srgbClr val="D4D4D4"/>
-                </a:solidFill>
-                <a:latin typeface="Consolas" panose="020B0609020204030204" pitchFamily="49" charset="0"/>
-              </a:rPr>
-              <a:t>.</a:t>
-            </a:r>
-            <a:r>
-              <a:rPr lang="en-US" dirty="0">
-                <a:solidFill>
-                  <a:srgbClr val="9CDCFE"/>
-                </a:solidFill>
-                <a:latin typeface="Consolas" panose="020B0609020204030204" pitchFamily="49" charset="0"/>
-              </a:rPr>
-              <a:t>name</a:t>
-            </a:r>
-            <a:r>
-              <a:rPr lang="en-US" dirty="0">
-                <a:solidFill>
-                  <a:srgbClr val="569CD6"/>
-                </a:solidFill>
-                <a:latin typeface="Consolas" panose="020B0609020204030204" pitchFamily="49" charset="0"/>
-              </a:rPr>
-              <a:t>}</a:t>
-            </a:r>
-            <a:r>
-              <a:rPr lang="en-US" dirty="0">
-                <a:solidFill>
-                  <a:srgbClr val="808080"/>
-                </a:solidFill>
-                <a:latin typeface="Consolas" panose="020B0609020204030204" pitchFamily="49" charset="0"/>
-              </a:rPr>
-              <a:t>&lt;/</a:t>
-            </a:r>
-            <a:r>
-              <a:rPr lang="en-US" dirty="0">
-                <a:solidFill>
-                  <a:srgbClr val="569CD6"/>
-                </a:solidFill>
-                <a:latin typeface="Consolas" panose="020B0609020204030204" pitchFamily="49" charset="0"/>
-              </a:rPr>
-              <a:t>h1</a:t>
-            </a:r>
-            <a:r>
-              <a:rPr lang="en-US" dirty="0">
-                <a:solidFill>
-                  <a:srgbClr val="808080"/>
-                </a:solidFill>
-                <a:latin typeface="Consolas" panose="020B0609020204030204" pitchFamily="49" charset="0"/>
-              </a:rPr>
-              <a:t>&gt;</a:t>
-            </a:r>
-            <a:r>
-              <a:rPr lang="en-US" dirty="0">
-                <a:solidFill>
-                  <a:srgbClr val="D4D4D4"/>
-                </a:solidFill>
-                <a:latin typeface="Consolas" panose="020B0609020204030204" pitchFamily="49" charset="0"/>
-              </a:rPr>
-              <a:t>;</a:t>
-            </a:r>
-            <a:endParaRPr lang="en-US" dirty="0">
-              <a:solidFill>
-                <a:srgbClr val="CCCCCC"/>
-              </a:solidFill>
-              <a:latin typeface="Consolas" panose="020B0609020204030204" pitchFamily="49" charset="0"/>
-            </a:endParaRPr>
-          </a:p>
-          <a:p>
-            <a:r>
-              <a:rPr lang="en-US" dirty="0">
-                <a:solidFill>
-                  <a:srgbClr val="D4D4D4"/>
-                </a:solidFill>
-                <a:latin typeface="Consolas" panose="020B0609020204030204" pitchFamily="49" charset="0"/>
-              </a:rPr>
-              <a:t>        }</a:t>
-            </a:r>
-            <a:endParaRPr lang="en-US" b="0" dirty="0">
-              <a:solidFill>
-                <a:srgbClr val="CCCCCC"/>
-              </a:solidFill>
-              <a:effectLst/>
-              <a:latin typeface="Consolas" panose="020B0609020204030204" pitchFamily="49" charset="0"/>
-            </a:endParaRPr>
-          </a:p>
-        </p:txBody>
-      </p:sp>
-    </p:spTree>
-    <p:extLst>
-      <p:ext uri="{BB962C8B-B14F-4D97-AF65-F5344CB8AC3E}">
-        <p14:creationId xmlns:p14="http://schemas.microsoft.com/office/powerpoint/2010/main" val="967052519"/>
-      </p:ext>
-    </p:extLst>
-  </p:cSld>
-  <p:clrMapOvr>
-    <a:masterClrMapping/>
-  </p:clrMapOvr>
-</p:sld>
-</file>
-
-<file path=ppt/slides/slide6.xml><?xml version="1.0" encoding="utf-8"?>
-<p:sld xmlns:a="http://schemas.openxmlformats.org/drawingml/2006/main" xmlns:r="http://schemas.openxmlformats.org/officeDocument/2006/relationships" xmlns:p="http://schemas.openxmlformats.org/presentationml/2006/main">
-  <p:cSld>
-    <p:spTree>
-      <p:nvGrpSpPr>
-        <p:cNvPr id="1" name=""/>
-        <p:cNvGrpSpPr/>
-        <p:nvPr/>
-      </p:nvGrpSpPr>
-      <p:grpSpPr>
-        <a:xfrm>
-          <a:off x="0" y="0"/>
-          <a:ext cx="0" cy="0"/>
-          <a:chOff x="0" y="0"/>
-          <a:chExt cx="0" cy="0"/>
-        </a:xfrm>
-      </p:grpSpPr>
-      <p:sp>
-        <p:nvSpPr>
-          <p:cNvPr id="2" name="Title 1"/>
-          <p:cNvSpPr>
-            <a:spLocks noGrp="1"/>
-          </p:cNvSpPr>
-          <p:nvPr>
-            <p:ph type="title"/>
-          </p:nvPr>
-        </p:nvSpPr>
-        <p:spPr/>
-        <p:txBody>
-          <a:bodyPr>
-            <a:normAutofit/>
-          </a:bodyPr>
-          <a:lstStyle/>
-          <a:p>
-            <a:r>
-              <a:rPr lang="en-US" dirty="0" smtClean="0">
-                <a:latin typeface="Tahoma" panose="020B0604030504040204" pitchFamily="34" charset="0"/>
-                <a:ea typeface="Tahoma" panose="020B0604030504040204" pitchFamily="34" charset="0"/>
-                <a:cs typeface="Tahoma" panose="020B0604030504040204" pitchFamily="34" charset="0"/>
-              </a:rPr>
-              <a:t>React element</a:t>
             </a:r>
             <a:endParaRPr lang="en-US" dirty="0">
               <a:latin typeface="Tahoma" panose="020B0604030504040204" pitchFamily="34" charset="0"/>
@@ -5029,7 +4002,7 @@
 </p:sld>
 </file>
 
-<file path=ppt/slides/slide7.xml><?xml version="1.0" encoding="utf-8"?>
+<file path=ppt/slides/slide11.xml><?xml version="1.0" encoding="utf-8"?>
 <p:sld xmlns:a="http://schemas.openxmlformats.org/drawingml/2006/main" xmlns:r="http://schemas.openxmlformats.org/officeDocument/2006/relationships" xmlns:p="http://schemas.openxmlformats.org/presentationml/2006/main">
   <p:cSld>
     <p:spTree>
@@ -5131,7 +4104,7 @@
 </p:sld>
 </file>
 
-<file path=ppt/slides/slide8.xml><?xml version="1.0" encoding="utf-8"?>
+<file path=ppt/slides/slide12.xml><?xml version="1.0" encoding="utf-8"?>
 <p:sld xmlns:a="http://schemas.openxmlformats.org/drawingml/2006/main" xmlns:r="http://schemas.openxmlformats.org/officeDocument/2006/relationships" xmlns:p="http://schemas.openxmlformats.org/presentationml/2006/main">
   <p:cSld>
     <p:spTree>
@@ -5171,15 +4144,7 @@
                 <a:ea typeface="Tahoma" panose="020B0604030504040204" pitchFamily="34" charset="0"/>
                 <a:cs typeface="Tahoma" panose="020B0604030504040204" pitchFamily="34" charset="0"/>
               </a:rPr>
-              <a:t>React </a:t>
-            </a:r>
-            <a:r>
-              <a:rPr lang="en-US" dirty="0" smtClean="0">
-                <a:latin typeface="Tahoma" panose="020B0604030504040204" pitchFamily="34" charset="0"/>
-                <a:ea typeface="Tahoma" panose="020B0604030504040204" pitchFamily="34" charset="0"/>
-                <a:cs typeface="Tahoma" panose="020B0604030504040204" pitchFamily="34" charset="0"/>
-              </a:rPr>
-              <a:t>component</a:t>
+              <a:t>props</a:t>
             </a:r>
             <a:endParaRPr lang="en-US" dirty="0">
               <a:latin typeface="Tahoma" panose="020B0604030504040204" pitchFamily="34" charset="0"/>
@@ -5245,7 +4210,7 @@
 </p:sld>
 </file>
 
-<file path=ppt/slides/slide9.xml><?xml version="1.0" encoding="utf-8"?>
+<file path=ppt/slides/slide13.xml><?xml version="1.0" encoding="utf-8"?>
 <p:sld xmlns:a="http://schemas.openxmlformats.org/drawingml/2006/main" xmlns:r="http://schemas.openxmlformats.org/officeDocument/2006/relationships" xmlns:p="http://schemas.openxmlformats.org/presentationml/2006/main">
   <p:cSld>
     <p:spTree>
@@ -6359,6 +5324,4204 @@
     <p:extLst>
       <p:ext uri="{BB962C8B-B14F-4D97-AF65-F5344CB8AC3E}">
         <p14:creationId xmlns:p14="http://schemas.microsoft.com/office/powerpoint/2010/main" val="3283040422"/>
+      </p:ext>
+    </p:extLst>
+  </p:cSld>
+  <p:clrMapOvr>
+    <a:masterClrMapping/>
+  </p:clrMapOvr>
+</p:sld>
+</file>
+
+<file path=ppt/slides/slide14.xml><?xml version="1.0" encoding="utf-8"?>
+<p:sld xmlns:a="http://schemas.openxmlformats.org/drawingml/2006/main" xmlns:r="http://schemas.openxmlformats.org/officeDocument/2006/relationships" xmlns:p="http://schemas.openxmlformats.org/presentationml/2006/main">
+  <p:cSld>
+    <p:spTree>
+      <p:nvGrpSpPr>
+        <p:cNvPr id="1" name=""/>
+        <p:cNvGrpSpPr/>
+        <p:nvPr/>
+      </p:nvGrpSpPr>
+      <p:grpSpPr>
+        <a:xfrm>
+          <a:off x="0" y="0"/>
+          <a:ext cx="0" cy="0"/>
+          <a:chOff x="0" y="0"/>
+          <a:chExt cx="0" cy="0"/>
+        </a:xfrm>
+      </p:grpSpPr>
+      <p:pic>
+        <p:nvPicPr>
+          <p:cNvPr id="2" name="Picture 1"/>
+          <p:cNvPicPr>
+            <a:picLocks noChangeAspect="1"/>
+          </p:cNvPicPr>
+          <p:nvPr/>
+        </p:nvPicPr>
+        <p:blipFill>
+          <a:blip r:embed="rId2"/>
+          <a:stretch>
+            <a:fillRect/>
+          </a:stretch>
+        </p:blipFill>
+        <p:spPr>
+          <a:xfrm>
+            <a:off x="2633662" y="2043112"/>
+            <a:ext cx="6924675" cy="2771775"/>
+          </a:xfrm>
+          <a:prstGeom prst="rect">
+            <a:avLst/>
+          </a:prstGeom>
+        </p:spPr>
+      </p:pic>
+      <p:sp>
+        <p:nvSpPr>
+          <p:cNvPr id="5" name="Rectangle 4"/>
+          <p:cNvSpPr/>
+          <p:nvPr/>
+        </p:nvSpPr>
+        <p:spPr>
+          <a:xfrm>
+            <a:off x="2838203" y="2683823"/>
+            <a:ext cx="2434441" cy="546265"/>
+          </a:xfrm>
+          <a:prstGeom prst="rect">
+            <a:avLst/>
+          </a:prstGeom>
+          <a:noFill/>
+          <a:ln w="9525" cap="flat" cmpd="sng" algn="ctr">
+            <a:solidFill>
+              <a:schemeClr val="accent1"/>
+            </a:solidFill>
+            <a:prstDash val="solid"/>
+            <a:round/>
+            <a:headEnd type="none" w="med" len="med"/>
+            <a:tailEnd type="none" w="med" len="med"/>
+          </a:ln>
+        </p:spPr>
+        <p:style>
+          <a:lnRef idx="0">
+            <a:scrgbClr r="0" g="0" b="0"/>
+          </a:lnRef>
+          <a:fillRef idx="0">
+            <a:scrgbClr r="0" g="0" b="0"/>
+          </a:fillRef>
+          <a:effectRef idx="0">
+            <a:scrgbClr r="0" g="0" b="0"/>
+          </a:effectRef>
+          <a:fontRef idx="minor">
+            <a:schemeClr val="accent1"/>
+          </a:fontRef>
+        </p:style>
+        <p:txBody>
+          <a:bodyPr rtlCol="0" anchor="ctr"/>
+          <a:lstStyle/>
+          <a:p>
+            <a:pPr algn="ctr"/>
+            <a:endParaRPr lang="en-US"/>
+          </a:p>
+        </p:txBody>
+      </p:sp>
+    </p:spTree>
+    <p:extLst>
+      <p:ext uri="{BB962C8B-B14F-4D97-AF65-F5344CB8AC3E}">
+        <p14:creationId xmlns:p14="http://schemas.microsoft.com/office/powerpoint/2010/main" val="540534077"/>
+      </p:ext>
+    </p:extLst>
+  </p:cSld>
+  <p:clrMapOvr>
+    <a:masterClrMapping/>
+  </p:clrMapOvr>
+</p:sld>
+</file>
+
+<file path=ppt/slides/slide15.xml><?xml version="1.0" encoding="utf-8"?>
+<p:sld xmlns:a="http://schemas.openxmlformats.org/drawingml/2006/main" xmlns:r="http://schemas.openxmlformats.org/officeDocument/2006/relationships" xmlns:p="http://schemas.openxmlformats.org/presentationml/2006/main">
+  <p:cSld>
+    <p:spTree>
+      <p:nvGrpSpPr>
+        <p:cNvPr id="1" name=""/>
+        <p:cNvGrpSpPr/>
+        <p:nvPr/>
+      </p:nvGrpSpPr>
+      <p:grpSpPr>
+        <a:xfrm>
+          <a:off x="0" y="0"/>
+          <a:ext cx="0" cy="0"/>
+          <a:chOff x="0" y="0"/>
+          <a:chExt cx="0" cy="0"/>
+        </a:xfrm>
+      </p:grpSpPr>
+      <p:sp>
+        <p:nvSpPr>
+          <p:cNvPr id="2" name="Title 1"/>
+          <p:cNvSpPr>
+            <a:spLocks noGrp="1"/>
+          </p:cNvSpPr>
+          <p:nvPr>
+            <p:ph type="title"/>
+          </p:nvPr>
+        </p:nvSpPr>
+        <p:spPr/>
+        <p:txBody>
+          <a:bodyPr>
+            <a:normAutofit/>
+          </a:bodyPr>
+          <a:lstStyle/>
+          <a:p>
+            <a:r>
+              <a:rPr lang="en-US" dirty="0" smtClean="0">
+                <a:latin typeface="Tahoma" panose="020B0604030504040204" pitchFamily="34" charset="0"/>
+                <a:ea typeface="Tahoma" panose="020B0604030504040204" pitchFamily="34" charset="0"/>
+                <a:cs typeface="Tahoma" panose="020B0604030504040204" pitchFamily="34" charset="0"/>
+              </a:rPr>
+              <a:t>Props children</a:t>
+            </a:r>
+            <a:endParaRPr lang="en-US" dirty="0">
+              <a:latin typeface="Tahoma" panose="020B0604030504040204" pitchFamily="34" charset="0"/>
+              <a:ea typeface="Tahoma" panose="020B0604030504040204" pitchFamily="34" charset="0"/>
+              <a:cs typeface="Tahoma" panose="020B0604030504040204" pitchFamily="34" charset="0"/>
+            </a:endParaRPr>
+          </a:p>
+        </p:txBody>
+      </p:sp>
+      <p:sp>
+        <p:nvSpPr>
+          <p:cNvPr id="3" name="Content Placeholder 2"/>
+          <p:cNvSpPr>
+            <a:spLocks noGrp="1"/>
+          </p:cNvSpPr>
+          <p:nvPr>
+            <p:ph idx="1"/>
+          </p:nvPr>
+        </p:nvSpPr>
+        <p:spPr/>
+        <p:txBody>
+          <a:bodyPr>
+            <a:normAutofit/>
+          </a:bodyPr>
+          <a:lstStyle/>
+          <a:p>
+            <a:r>
+              <a:rPr lang="en-US" dirty="0" smtClean="0">
+                <a:latin typeface="Tahoma" panose="020B0604030504040204" pitchFamily="34" charset="0"/>
+                <a:ea typeface="Tahoma" panose="020B0604030504040204" pitchFamily="34" charset="0"/>
+                <a:cs typeface="Tahoma" panose="020B0604030504040204" pitchFamily="34" charset="0"/>
+              </a:rPr>
+              <a:t>Khi nào thì có props children?</a:t>
+            </a:r>
+          </a:p>
+          <a:p>
+            <a:r>
+              <a:rPr lang="en-US" dirty="0" smtClean="0">
+                <a:latin typeface="Tahoma" panose="020B0604030504040204" pitchFamily="34" charset="0"/>
+                <a:ea typeface="Tahoma" panose="020B0604030504040204" pitchFamily="34" charset="0"/>
+                <a:cs typeface="Tahoma" panose="020B0604030504040204" pitchFamily="34" charset="0"/>
+              </a:rPr>
+              <a:t>Để lấy props children thì làm thế nào?</a:t>
+            </a:r>
+            <a:endParaRPr lang="vi-VN" dirty="0">
+              <a:latin typeface="Tahoma" panose="020B0604030504040204" pitchFamily="34" charset="0"/>
+              <a:ea typeface="Tahoma" panose="020B0604030504040204" pitchFamily="34" charset="0"/>
+              <a:cs typeface="Tahoma" panose="020B0604030504040204" pitchFamily="34" charset="0"/>
+            </a:endParaRPr>
+          </a:p>
+        </p:txBody>
+      </p:sp>
+    </p:spTree>
+    <p:extLst>
+      <p:ext uri="{BB962C8B-B14F-4D97-AF65-F5344CB8AC3E}">
+        <p14:creationId xmlns:p14="http://schemas.microsoft.com/office/powerpoint/2010/main" val="3193933850"/>
+      </p:ext>
+    </p:extLst>
+  </p:cSld>
+  <p:clrMapOvr>
+    <a:masterClrMapping/>
+  </p:clrMapOvr>
+</p:sld>
+</file>
+
+<file path=ppt/slides/slide2.xml><?xml version="1.0" encoding="utf-8"?>
+<p:sld xmlns:a="http://schemas.openxmlformats.org/drawingml/2006/main" xmlns:r="http://schemas.openxmlformats.org/officeDocument/2006/relationships" xmlns:p="http://schemas.openxmlformats.org/presentationml/2006/main">
+  <p:cSld>
+    <p:spTree>
+      <p:nvGrpSpPr>
+        <p:cNvPr id="1" name=""/>
+        <p:cNvGrpSpPr/>
+        <p:nvPr/>
+      </p:nvGrpSpPr>
+      <p:grpSpPr>
+        <a:xfrm>
+          <a:off x="0" y="0"/>
+          <a:ext cx="0" cy="0"/>
+          <a:chOff x="0" y="0"/>
+          <a:chExt cx="0" cy="0"/>
+        </a:xfrm>
+      </p:grpSpPr>
+      <p:sp>
+        <p:nvSpPr>
+          <p:cNvPr id="2" name="Title 1"/>
+          <p:cNvSpPr>
+            <a:spLocks noGrp="1"/>
+          </p:cNvSpPr>
+          <p:nvPr>
+            <p:ph type="title"/>
+          </p:nvPr>
+        </p:nvSpPr>
+        <p:spPr/>
+        <p:txBody>
+          <a:bodyPr>
+            <a:normAutofit/>
+          </a:bodyPr>
+          <a:lstStyle/>
+          <a:p>
+            <a:r>
+              <a:rPr lang="en-US" dirty="0" smtClean="0">
+                <a:latin typeface="Tahoma" panose="020B0604030504040204" pitchFamily="34" charset="0"/>
+                <a:ea typeface="Tahoma" panose="020B0604030504040204" pitchFamily="34" charset="0"/>
+                <a:cs typeface="Tahoma" panose="020B0604030504040204" pitchFamily="34" charset="0"/>
+              </a:rPr>
+              <a:t>Component</a:t>
+            </a:r>
+            <a:endParaRPr lang="en-US" dirty="0">
+              <a:latin typeface="Tahoma" panose="020B0604030504040204" pitchFamily="34" charset="0"/>
+              <a:ea typeface="Tahoma" panose="020B0604030504040204" pitchFamily="34" charset="0"/>
+              <a:cs typeface="Tahoma" panose="020B0604030504040204" pitchFamily="34" charset="0"/>
+            </a:endParaRPr>
+          </a:p>
+        </p:txBody>
+      </p:sp>
+      <p:sp>
+        <p:nvSpPr>
+          <p:cNvPr id="3" name="Content Placeholder 2"/>
+          <p:cNvSpPr>
+            <a:spLocks noGrp="1"/>
+          </p:cNvSpPr>
+          <p:nvPr>
+            <p:ph idx="1"/>
+          </p:nvPr>
+        </p:nvSpPr>
+        <p:spPr/>
+        <p:txBody>
+          <a:bodyPr>
+            <a:normAutofit/>
+          </a:bodyPr>
+          <a:lstStyle/>
+          <a:p>
+            <a:r>
+              <a:rPr lang="en-US" dirty="0" smtClean="0">
+                <a:latin typeface="Tahoma" panose="020B0604030504040204" pitchFamily="34" charset="0"/>
+                <a:ea typeface="Tahoma" panose="020B0604030504040204" pitchFamily="34" charset="0"/>
+                <a:cs typeface="Tahoma" panose="020B0604030504040204" pitchFamily="34" charset="0"/>
+              </a:rPr>
+              <a:t>Component nôm na là thành phần</a:t>
+            </a:r>
+          </a:p>
+          <a:p>
+            <a:r>
+              <a:rPr lang="en-US" dirty="0" smtClean="0">
+                <a:latin typeface="Tahoma" panose="020B0604030504040204" pitchFamily="34" charset="0"/>
+                <a:ea typeface="Tahoma" panose="020B0604030504040204" pitchFamily="34" charset="0"/>
+                <a:cs typeface="Tahoma" panose="020B0604030504040204" pitchFamily="34" charset="0"/>
+              </a:rPr>
+              <a:t>Với Java ta thường tạo các thẻ tag common =&gt; nhằm mục đích tái sử dụng cho nhiều nơi</a:t>
+            </a:r>
+          </a:p>
+          <a:p>
+            <a:r>
+              <a:rPr lang="en-US" dirty="0" smtClean="0">
+                <a:latin typeface="Tahoma" panose="020B0604030504040204" pitchFamily="34" charset="0"/>
+                <a:ea typeface="Tahoma" panose="020B0604030504040204" pitchFamily="34" charset="0"/>
+                <a:cs typeface="Tahoma" panose="020B0604030504040204" pitchFamily="34" charset="0"/>
+              </a:rPr>
+              <a:t>Hoặc các chức năng đặc thù hoặc để phân chia các vùng khi source code quá dài ta cũng tạo các thẻ tag riêng</a:t>
+            </a:r>
+          </a:p>
+          <a:p>
+            <a:r>
+              <a:rPr lang="en-US" dirty="0" smtClean="0">
+                <a:latin typeface="Tahoma" panose="020B0604030504040204" pitchFamily="34" charset="0"/>
+                <a:ea typeface="Tahoma" panose="020B0604030504040204" pitchFamily="34" charset="0"/>
+                <a:cs typeface="Tahoma" panose="020B0604030504040204" pitchFamily="34" charset="0"/>
+              </a:rPr>
+              <a:t>=&gt; Thì trong react ta có component</a:t>
+            </a:r>
+            <a:endParaRPr lang="vi-VN" dirty="0">
+              <a:latin typeface="Tahoma" panose="020B0604030504040204" pitchFamily="34" charset="0"/>
+              <a:ea typeface="Tahoma" panose="020B0604030504040204" pitchFamily="34" charset="0"/>
+              <a:cs typeface="Tahoma" panose="020B0604030504040204" pitchFamily="34" charset="0"/>
+            </a:endParaRPr>
+          </a:p>
+        </p:txBody>
+      </p:sp>
+    </p:spTree>
+    <p:extLst>
+      <p:ext uri="{BB962C8B-B14F-4D97-AF65-F5344CB8AC3E}">
+        <p14:creationId xmlns:p14="http://schemas.microsoft.com/office/powerpoint/2010/main" val="337495638"/>
+      </p:ext>
+    </p:extLst>
+  </p:cSld>
+  <p:clrMapOvr>
+    <a:masterClrMapping/>
+  </p:clrMapOvr>
+</p:sld>
+</file>
+
+<file path=ppt/slides/slide3.xml><?xml version="1.0" encoding="utf-8"?>
+<p:sld xmlns:a="http://schemas.openxmlformats.org/drawingml/2006/main" xmlns:r="http://schemas.openxmlformats.org/officeDocument/2006/relationships" xmlns:p="http://schemas.openxmlformats.org/presentationml/2006/main">
+  <p:cSld>
+    <p:spTree>
+      <p:nvGrpSpPr>
+        <p:cNvPr id="1" name=""/>
+        <p:cNvGrpSpPr/>
+        <p:nvPr/>
+      </p:nvGrpSpPr>
+      <p:grpSpPr>
+        <a:xfrm>
+          <a:off x="0" y="0"/>
+          <a:ext cx="0" cy="0"/>
+          <a:chOff x="0" y="0"/>
+          <a:chExt cx="0" cy="0"/>
+        </a:xfrm>
+      </p:grpSpPr>
+      <p:sp>
+        <p:nvSpPr>
+          <p:cNvPr id="2" name="Title 1"/>
+          <p:cNvSpPr>
+            <a:spLocks noGrp="1"/>
+          </p:cNvSpPr>
+          <p:nvPr>
+            <p:ph type="title"/>
+          </p:nvPr>
+        </p:nvSpPr>
+        <p:spPr/>
+        <p:txBody>
+          <a:bodyPr>
+            <a:normAutofit/>
+          </a:bodyPr>
+          <a:lstStyle/>
+          <a:p>
+            <a:r>
+              <a:rPr lang="en-US" dirty="0" smtClean="0">
+                <a:latin typeface="Tahoma" panose="020B0604030504040204" pitchFamily="34" charset="0"/>
+                <a:ea typeface="Tahoma" panose="020B0604030504040204" pitchFamily="34" charset="0"/>
+                <a:cs typeface="Tahoma" panose="020B0604030504040204" pitchFamily="34" charset="0"/>
+              </a:rPr>
+              <a:t>Component</a:t>
+            </a:r>
+            <a:endParaRPr lang="en-US" dirty="0">
+              <a:latin typeface="Tahoma" panose="020B0604030504040204" pitchFamily="34" charset="0"/>
+              <a:ea typeface="Tahoma" panose="020B0604030504040204" pitchFamily="34" charset="0"/>
+              <a:cs typeface="Tahoma" panose="020B0604030504040204" pitchFamily="34" charset="0"/>
+            </a:endParaRPr>
+          </a:p>
+        </p:txBody>
+      </p:sp>
+      <p:sp>
+        <p:nvSpPr>
+          <p:cNvPr id="3" name="Content Placeholder 2"/>
+          <p:cNvSpPr>
+            <a:spLocks noGrp="1"/>
+          </p:cNvSpPr>
+          <p:nvPr>
+            <p:ph idx="1"/>
+          </p:nvPr>
+        </p:nvSpPr>
+        <p:spPr/>
+        <p:txBody>
+          <a:bodyPr>
+            <a:normAutofit/>
+          </a:bodyPr>
+          <a:lstStyle/>
+          <a:p>
+            <a:r>
+              <a:rPr lang="en-US" dirty="0">
+                <a:latin typeface="Tahoma" panose="020B0604030504040204" pitchFamily="34" charset="0"/>
+                <a:ea typeface="Tahoma" panose="020B0604030504040204" pitchFamily="34" charset="0"/>
+                <a:cs typeface="Tahoma" panose="020B0604030504040204" pitchFamily="34" charset="0"/>
+              </a:rPr>
+              <a:t>Components cho phép bạn chia UI thành các phần độc lập, có thể tái sử dụng và </a:t>
+            </a:r>
+            <a:r>
+              <a:rPr lang="en-US" dirty="0" smtClean="0">
+                <a:latin typeface="Tahoma" panose="020B0604030504040204" pitchFamily="34" charset="0"/>
+                <a:ea typeface="Tahoma" panose="020B0604030504040204" pitchFamily="34" charset="0"/>
+                <a:cs typeface="Tahoma" panose="020B0604030504040204" pitchFamily="34" charset="0"/>
+              </a:rPr>
+              <a:t>có </a:t>
+            </a:r>
+            <a:r>
+              <a:rPr lang="en-US" dirty="0">
+                <a:latin typeface="Tahoma" panose="020B0604030504040204" pitchFamily="34" charset="0"/>
+                <a:ea typeface="Tahoma" panose="020B0604030504040204" pitchFamily="34" charset="0"/>
+                <a:cs typeface="Tahoma" panose="020B0604030504040204" pitchFamily="34" charset="0"/>
+              </a:rPr>
+              <a:t>thể sử dụng chúng 1 cách độc lập</a:t>
+            </a:r>
+            <a:r>
+              <a:rPr lang="en-US" dirty="0" smtClean="0">
+                <a:latin typeface="Tahoma" panose="020B0604030504040204" pitchFamily="34" charset="0"/>
+                <a:ea typeface="Tahoma" panose="020B0604030504040204" pitchFamily="34" charset="0"/>
+                <a:cs typeface="Tahoma" panose="020B0604030504040204" pitchFamily="34" charset="0"/>
+              </a:rPr>
+              <a:t>.</a:t>
+            </a:r>
+          </a:p>
+          <a:p>
+            <a:r>
+              <a:rPr lang="en-US" dirty="0" smtClean="0">
+                <a:ea typeface="Tahoma" panose="020B0604030504040204" pitchFamily="34" charset="0"/>
+                <a:cs typeface="Tahoma" panose="020B0604030504040204" pitchFamily="34" charset="0"/>
+              </a:rPr>
+              <a:t>C</a:t>
+            </a:r>
+            <a:r>
+              <a:rPr lang="vi-VN" dirty="0" smtClean="0">
+                <a:ea typeface="Tahoma" panose="020B0604030504040204" pitchFamily="34" charset="0"/>
+                <a:cs typeface="Tahoma" panose="020B0604030504040204" pitchFamily="34" charset="0"/>
+              </a:rPr>
+              <a:t>omponents </a:t>
+            </a:r>
+            <a:r>
+              <a:rPr lang="vi-VN" dirty="0">
+                <a:ea typeface="Tahoma" panose="020B0604030504040204" pitchFamily="34" charset="0"/>
+                <a:cs typeface="Tahoma" panose="020B0604030504040204" pitchFamily="34" charset="0"/>
+              </a:rPr>
+              <a:t>cũng giống như function JavaScript. Nó cho phép nhập vào các đầu vào tùy ý (props) và trả về những phần tử React mô tả những gì sẽ xuất hiện trên màn hình</a:t>
+            </a:r>
+            <a:r>
+              <a:rPr lang="vi-VN" dirty="0" smtClean="0">
+                <a:ea typeface="Tahoma" panose="020B0604030504040204" pitchFamily="34" charset="0"/>
+                <a:cs typeface="Tahoma" panose="020B0604030504040204" pitchFamily="34" charset="0"/>
+              </a:rPr>
+              <a:t>.</a:t>
+            </a:r>
+            <a:endParaRPr lang="en-US" dirty="0" smtClean="0">
+              <a:ea typeface="Tahoma" panose="020B0604030504040204" pitchFamily="34" charset="0"/>
+              <a:cs typeface="Tahoma" panose="020B0604030504040204" pitchFamily="34" charset="0"/>
+            </a:endParaRPr>
+          </a:p>
+          <a:p>
+            <a:r>
+              <a:rPr lang="en-US" dirty="0" smtClean="0">
+                <a:latin typeface="Tahoma" panose="020B0604030504040204" pitchFamily="34" charset="0"/>
+                <a:ea typeface="Tahoma" panose="020B0604030504040204" pitchFamily="34" charset="0"/>
+                <a:cs typeface="Tahoma" panose="020B0604030504040204" pitchFamily="34" charset="0"/>
+              </a:rPr>
+              <a:t>Component đặt tên phải viết hoa ký tự đầu tiên (Uppercase)</a:t>
+            </a:r>
+            <a:endParaRPr lang="vi-VN" dirty="0">
+              <a:latin typeface="Tahoma" panose="020B0604030504040204" pitchFamily="34" charset="0"/>
+              <a:ea typeface="Tahoma" panose="020B0604030504040204" pitchFamily="34" charset="0"/>
+              <a:cs typeface="Tahoma" panose="020B0604030504040204" pitchFamily="34" charset="0"/>
+            </a:endParaRPr>
+          </a:p>
+        </p:txBody>
+      </p:sp>
+    </p:spTree>
+    <p:extLst>
+      <p:ext uri="{BB962C8B-B14F-4D97-AF65-F5344CB8AC3E}">
+        <p14:creationId xmlns:p14="http://schemas.microsoft.com/office/powerpoint/2010/main" val="3329310278"/>
+      </p:ext>
+    </p:extLst>
+  </p:cSld>
+  <p:clrMapOvr>
+    <a:masterClrMapping/>
+  </p:clrMapOvr>
+</p:sld>
+</file>
+
+<file path=ppt/slides/slide4.xml><?xml version="1.0" encoding="utf-8"?>
+<p:sld xmlns:a="http://schemas.openxmlformats.org/drawingml/2006/main" xmlns:r="http://schemas.openxmlformats.org/officeDocument/2006/relationships" xmlns:p="http://schemas.openxmlformats.org/presentationml/2006/main">
+  <p:cSld>
+    <p:spTree>
+      <p:nvGrpSpPr>
+        <p:cNvPr id="1" name=""/>
+        <p:cNvGrpSpPr/>
+        <p:nvPr/>
+      </p:nvGrpSpPr>
+      <p:grpSpPr>
+        <a:xfrm>
+          <a:off x="0" y="0"/>
+          <a:ext cx="0" cy="0"/>
+          <a:chOff x="0" y="0"/>
+          <a:chExt cx="0" cy="0"/>
+        </a:xfrm>
+      </p:grpSpPr>
+      <p:sp>
+        <p:nvSpPr>
+          <p:cNvPr id="2" name="Title 1"/>
+          <p:cNvSpPr>
+            <a:spLocks noGrp="1"/>
+          </p:cNvSpPr>
+          <p:nvPr>
+            <p:ph type="title"/>
+          </p:nvPr>
+        </p:nvSpPr>
+        <p:spPr/>
+        <p:txBody>
+          <a:bodyPr>
+            <a:normAutofit/>
+          </a:bodyPr>
+          <a:lstStyle/>
+          <a:p>
+            <a:r>
+              <a:rPr lang="en-US" dirty="0" smtClean="0">
+                <a:latin typeface="Tahoma" panose="020B0604030504040204" pitchFamily="34" charset="0"/>
+                <a:ea typeface="Tahoma" panose="020B0604030504040204" pitchFamily="34" charset="0"/>
+                <a:cs typeface="Tahoma" panose="020B0604030504040204" pitchFamily="34" charset="0"/>
+              </a:rPr>
+              <a:t>Component</a:t>
+            </a:r>
+            <a:endParaRPr lang="en-US" dirty="0">
+              <a:latin typeface="Tahoma" panose="020B0604030504040204" pitchFamily="34" charset="0"/>
+              <a:ea typeface="Tahoma" panose="020B0604030504040204" pitchFamily="34" charset="0"/>
+              <a:cs typeface="Tahoma" panose="020B0604030504040204" pitchFamily="34" charset="0"/>
+            </a:endParaRPr>
+          </a:p>
+        </p:txBody>
+      </p:sp>
+      <p:sp>
+        <p:nvSpPr>
+          <p:cNvPr id="3" name="Content Placeholder 2"/>
+          <p:cNvSpPr>
+            <a:spLocks noGrp="1"/>
+          </p:cNvSpPr>
+          <p:nvPr>
+            <p:ph idx="1"/>
+          </p:nvPr>
+        </p:nvSpPr>
+        <p:spPr/>
+        <p:txBody>
+          <a:bodyPr>
+            <a:normAutofit/>
+          </a:bodyPr>
+          <a:lstStyle/>
+          <a:p>
+            <a:r>
+              <a:rPr lang="en-US" dirty="0" smtClean="0">
+                <a:latin typeface="Tahoma" panose="020B0604030504040204" pitchFamily="34" charset="0"/>
+                <a:ea typeface="Tahoma" panose="020B0604030504040204" pitchFamily="34" charset="0"/>
+                <a:cs typeface="Tahoma" panose="020B0604030504040204" pitchFamily="34" charset="0"/>
+              </a:rPr>
+              <a:t>Ví dụ:</a:t>
+            </a:r>
+            <a:endParaRPr lang="vi-VN" dirty="0">
+              <a:latin typeface="Tahoma" panose="020B0604030504040204" pitchFamily="34" charset="0"/>
+              <a:ea typeface="Tahoma" panose="020B0604030504040204" pitchFamily="34" charset="0"/>
+              <a:cs typeface="Tahoma" panose="020B0604030504040204" pitchFamily="34" charset="0"/>
+            </a:endParaRPr>
+          </a:p>
+        </p:txBody>
+      </p:sp>
+      <p:sp>
+        <p:nvSpPr>
+          <p:cNvPr id="4" name="Rectangle 3"/>
+          <p:cNvSpPr/>
+          <p:nvPr/>
+        </p:nvSpPr>
+        <p:spPr>
+          <a:xfrm>
+            <a:off x="3048000" y="3317657"/>
+            <a:ext cx="6096000" cy="923330"/>
+          </a:xfrm>
+          <a:prstGeom prst="rect">
+            <a:avLst/>
+          </a:prstGeom>
+          <a:solidFill>
+            <a:schemeClr val="tx1"/>
+          </a:solidFill>
+        </p:spPr>
+        <p:txBody>
+          <a:bodyPr>
+            <a:spAutoFit/>
+          </a:bodyPr>
+          <a:lstStyle/>
+          <a:p>
+            <a:r>
+              <a:rPr lang="en-US" dirty="0">
+                <a:solidFill>
+                  <a:srgbClr val="D4D4D4"/>
+                </a:solidFill>
+                <a:latin typeface="Consolas" panose="020B0609020204030204" pitchFamily="49" charset="0"/>
+              </a:rPr>
+              <a:t>        </a:t>
+            </a:r>
+            <a:r>
+              <a:rPr lang="en-US" dirty="0">
+                <a:solidFill>
+                  <a:srgbClr val="569CD6"/>
+                </a:solidFill>
+                <a:latin typeface="Consolas" panose="020B0609020204030204" pitchFamily="49" charset="0"/>
+              </a:rPr>
+              <a:t>function</a:t>
+            </a:r>
+            <a:r>
+              <a:rPr lang="en-US" dirty="0">
+                <a:solidFill>
+                  <a:srgbClr val="D4D4D4"/>
+                </a:solidFill>
+                <a:latin typeface="Consolas" panose="020B0609020204030204" pitchFamily="49" charset="0"/>
+              </a:rPr>
+              <a:t> </a:t>
+            </a:r>
+            <a:r>
+              <a:rPr lang="en-US" dirty="0">
+                <a:solidFill>
+                  <a:srgbClr val="DCDCAA"/>
+                </a:solidFill>
+                <a:latin typeface="Consolas" panose="020B0609020204030204" pitchFamily="49" charset="0"/>
+              </a:rPr>
+              <a:t>Welcome</a:t>
+            </a:r>
+            <a:r>
+              <a:rPr lang="en-US" dirty="0">
+                <a:solidFill>
+                  <a:srgbClr val="D4D4D4"/>
+                </a:solidFill>
+                <a:latin typeface="Consolas" panose="020B0609020204030204" pitchFamily="49" charset="0"/>
+              </a:rPr>
+              <a:t>() {</a:t>
+            </a:r>
+            <a:endParaRPr lang="en-US" dirty="0">
+              <a:solidFill>
+                <a:srgbClr val="CCCCCC"/>
+              </a:solidFill>
+              <a:latin typeface="Consolas" panose="020B0609020204030204" pitchFamily="49" charset="0"/>
+            </a:endParaRPr>
+          </a:p>
+          <a:p>
+            <a:r>
+              <a:rPr lang="en-US" dirty="0">
+                <a:solidFill>
+                  <a:srgbClr val="D4D4D4"/>
+                </a:solidFill>
+                <a:latin typeface="Consolas" panose="020B0609020204030204" pitchFamily="49" charset="0"/>
+              </a:rPr>
+              <a:t>            </a:t>
+            </a:r>
+            <a:r>
+              <a:rPr lang="en-US" dirty="0">
+                <a:solidFill>
+                  <a:srgbClr val="C586C0"/>
+                </a:solidFill>
+                <a:latin typeface="Consolas" panose="020B0609020204030204" pitchFamily="49" charset="0"/>
+              </a:rPr>
+              <a:t>return</a:t>
+            </a:r>
+            <a:r>
+              <a:rPr lang="en-US" dirty="0">
+                <a:solidFill>
+                  <a:srgbClr val="D4D4D4"/>
+                </a:solidFill>
+                <a:latin typeface="Consolas" panose="020B0609020204030204" pitchFamily="49" charset="0"/>
+              </a:rPr>
+              <a:t> </a:t>
+            </a:r>
+            <a:r>
+              <a:rPr lang="en-US" dirty="0">
+                <a:solidFill>
+                  <a:srgbClr val="808080"/>
+                </a:solidFill>
+                <a:latin typeface="Consolas" panose="020B0609020204030204" pitchFamily="49" charset="0"/>
+              </a:rPr>
+              <a:t>&lt;</a:t>
+            </a:r>
+            <a:r>
+              <a:rPr lang="en-US" dirty="0">
+                <a:solidFill>
+                  <a:srgbClr val="569CD6"/>
+                </a:solidFill>
+                <a:latin typeface="Consolas" panose="020B0609020204030204" pitchFamily="49" charset="0"/>
+              </a:rPr>
+              <a:t>h1</a:t>
+            </a:r>
+            <a:r>
+              <a:rPr lang="en-US" dirty="0">
+                <a:solidFill>
+                  <a:srgbClr val="808080"/>
+                </a:solidFill>
+                <a:latin typeface="Consolas" panose="020B0609020204030204" pitchFamily="49" charset="0"/>
+              </a:rPr>
+              <a:t>&gt;</a:t>
+            </a:r>
+            <a:r>
+              <a:rPr lang="en-US" dirty="0">
+                <a:solidFill>
+                  <a:srgbClr val="D4D4D4"/>
+                </a:solidFill>
+                <a:latin typeface="Consolas" panose="020B0609020204030204" pitchFamily="49" charset="0"/>
+              </a:rPr>
+              <a:t>Hello world</a:t>
+            </a:r>
+            <a:r>
+              <a:rPr lang="en-US" dirty="0">
+                <a:solidFill>
+                  <a:srgbClr val="808080"/>
+                </a:solidFill>
+                <a:latin typeface="Consolas" panose="020B0609020204030204" pitchFamily="49" charset="0"/>
+              </a:rPr>
+              <a:t>&lt;/</a:t>
+            </a:r>
+            <a:r>
+              <a:rPr lang="en-US" dirty="0">
+                <a:solidFill>
+                  <a:srgbClr val="569CD6"/>
+                </a:solidFill>
+                <a:latin typeface="Consolas" panose="020B0609020204030204" pitchFamily="49" charset="0"/>
+              </a:rPr>
+              <a:t>h1</a:t>
+            </a:r>
+            <a:r>
+              <a:rPr lang="en-US" dirty="0">
+                <a:solidFill>
+                  <a:srgbClr val="808080"/>
+                </a:solidFill>
+                <a:latin typeface="Consolas" panose="020B0609020204030204" pitchFamily="49" charset="0"/>
+              </a:rPr>
+              <a:t>&gt;</a:t>
+            </a:r>
+            <a:r>
+              <a:rPr lang="en-US" dirty="0">
+                <a:solidFill>
+                  <a:srgbClr val="D4D4D4"/>
+                </a:solidFill>
+                <a:latin typeface="Consolas" panose="020B0609020204030204" pitchFamily="49" charset="0"/>
+              </a:rPr>
+              <a:t>;</a:t>
+            </a:r>
+            <a:endParaRPr lang="en-US" dirty="0">
+              <a:solidFill>
+                <a:srgbClr val="CCCCCC"/>
+              </a:solidFill>
+              <a:latin typeface="Consolas" panose="020B0609020204030204" pitchFamily="49" charset="0"/>
+            </a:endParaRPr>
+          </a:p>
+          <a:p>
+            <a:r>
+              <a:rPr lang="en-US" dirty="0">
+                <a:solidFill>
+                  <a:srgbClr val="D4D4D4"/>
+                </a:solidFill>
+                <a:latin typeface="Consolas" panose="020B0609020204030204" pitchFamily="49" charset="0"/>
+              </a:rPr>
+              <a:t>        }</a:t>
+            </a:r>
+            <a:endParaRPr lang="en-US" b="0" dirty="0">
+              <a:solidFill>
+                <a:srgbClr val="CCCCCC"/>
+              </a:solidFill>
+              <a:effectLst/>
+              <a:latin typeface="Consolas" panose="020B0609020204030204" pitchFamily="49" charset="0"/>
+            </a:endParaRPr>
+          </a:p>
+        </p:txBody>
+      </p:sp>
+    </p:spTree>
+    <p:extLst>
+      <p:ext uri="{BB962C8B-B14F-4D97-AF65-F5344CB8AC3E}">
+        <p14:creationId xmlns:p14="http://schemas.microsoft.com/office/powerpoint/2010/main" val="2727255790"/>
+      </p:ext>
+    </p:extLst>
+  </p:cSld>
+  <p:clrMapOvr>
+    <a:masterClrMapping/>
+  </p:clrMapOvr>
+</p:sld>
+</file>
+
+<file path=ppt/slides/slide5.xml><?xml version="1.0" encoding="utf-8"?>
+<p:sld xmlns:a="http://schemas.openxmlformats.org/drawingml/2006/main" xmlns:r="http://schemas.openxmlformats.org/officeDocument/2006/relationships" xmlns:p="http://schemas.openxmlformats.org/presentationml/2006/main">
+  <p:cSld>
+    <p:spTree>
+      <p:nvGrpSpPr>
+        <p:cNvPr id="1" name=""/>
+        <p:cNvGrpSpPr/>
+        <p:nvPr/>
+      </p:nvGrpSpPr>
+      <p:grpSpPr>
+        <a:xfrm>
+          <a:off x="0" y="0"/>
+          <a:ext cx="0" cy="0"/>
+          <a:chOff x="0" y="0"/>
+          <a:chExt cx="0" cy="0"/>
+        </a:xfrm>
+      </p:grpSpPr>
+      <p:sp>
+        <p:nvSpPr>
+          <p:cNvPr id="2" name="Title 1"/>
+          <p:cNvSpPr>
+            <a:spLocks noGrp="1"/>
+          </p:cNvSpPr>
+          <p:nvPr>
+            <p:ph type="title"/>
+          </p:nvPr>
+        </p:nvSpPr>
+        <p:spPr/>
+        <p:txBody>
+          <a:bodyPr>
+            <a:normAutofit/>
+          </a:bodyPr>
+          <a:lstStyle/>
+          <a:p>
+            <a:r>
+              <a:rPr lang="en-US" dirty="0" smtClean="0">
+                <a:latin typeface="Tahoma" panose="020B0604030504040204" pitchFamily="34" charset="0"/>
+                <a:ea typeface="Tahoma" panose="020B0604030504040204" pitchFamily="34" charset="0"/>
+                <a:cs typeface="Tahoma" panose="020B0604030504040204" pitchFamily="34" charset="0"/>
+              </a:rPr>
+              <a:t>Component</a:t>
+            </a:r>
+            <a:endParaRPr lang="en-US" dirty="0">
+              <a:latin typeface="Tahoma" panose="020B0604030504040204" pitchFamily="34" charset="0"/>
+              <a:ea typeface="Tahoma" panose="020B0604030504040204" pitchFamily="34" charset="0"/>
+              <a:cs typeface="Tahoma" panose="020B0604030504040204" pitchFamily="34" charset="0"/>
+            </a:endParaRPr>
+          </a:p>
+        </p:txBody>
+      </p:sp>
+      <p:sp>
+        <p:nvSpPr>
+          <p:cNvPr id="3" name="Content Placeholder 2"/>
+          <p:cNvSpPr>
+            <a:spLocks noGrp="1"/>
+          </p:cNvSpPr>
+          <p:nvPr>
+            <p:ph idx="1"/>
+          </p:nvPr>
+        </p:nvSpPr>
+        <p:spPr/>
+        <p:txBody>
+          <a:bodyPr>
+            <a:normAutofit/>
+          </a:bodyPr>
+          <a:lstStyle/>
+          <a:p>
+            <a:r>
+              <a:rPr lang="en-US" dirty="0" smtClean="0">
+                <a:latin typeface="Tahoma" panose="020B0604030504040204" pitchFamily="34" charset="0"/>
+                <a:ea typeface="Tahoma" panose="020B0604030504040204" pitchFamily="34" charset="0"/>
+                <a:cs typeface="Tahoma" panose="020B0604030504040204" pitchFamily="34" charset="0"/>
+              </a:rPr>
+              <a:t>Ví dụ</a:t>
+            </a:r>
+            <a:r>
+              <a:rPr lang="en-US" dirty="0" smtClean="0">
+                <a:latin typeface="Tahoma" panose="020B0604030504040204" pitchFamily="34" charset="0"/>
+                <a:ea typeface="Tahoma" panose="020B0604030504040204" pitchFamily="34" charset="0"/>
+                <a:cs typeface="Tahoma" panose="020B0604030504040204" pitchFamily="34" charset="0"/>
+              </a:rPr>
+              <a:t>: Nếu không viết hoa</a:t>
+            </a:r>
+            <a:endParaRPr lang="vi-VN" dirty="0">
+              <a:latin typeface="Tahoma" panose="020B0604030504040204" pitchFamily="34" charset="0"/>
+              <a:ea typeface="Tahoma" panose="020B0604030504040204" pitchFamily="34" charset="0"/>
+              <a:cs typeface="Tahoma" panose="020B0604030504040204" pitchFamily="34" charset="0"/>
+            </a:endParaRPr>
+          </a:p>
+        </p:txBody>
+      </p:sp>
+      <p:sp>
+        <p:nvSpPr>
+          <p:cNvPr id="4" name="Rectangle 3"/>
+          <p:cNvSpPr/>
+          <p:nvPr/>
+        </p:nvSpPr>
+        <p:spPr>
+          <a:xfrm>
+            <a:off x="3048000" y="3317657"/>
+            <a:ext cx="6096000" cy="923330"/>
+          </a:xfrm>
+          <a:prstGeom prst="rect">
+            <a:avLst/>
+          </a:prstGeom>
+          <a:solidFill>
+            <a:schemeClr val="tx1"/>
+          </a:solidFill>
+        </p:spPr>
+        <p:txBody>
+          <a:bodyPr>
+            <a:spAutoFit/>
+          </a:bodyPr>
+          <a:lstStyle/>
+          <a:p>
+            <a:r>
+              <a:rPr lang="en-US" dirty="0">
+                <a:solidFill>
+                  <a:srgbClr val="D4D4D4"/>
+                </a:solidFill>
+                <a:latin typeface="Consolas" panose="020B0609020204030204" pitchFamily="49" charset="0"/>
+              </a:rPr>
+              <a:t>        </a:t>
+            </a:r>
+            <a:r>
+              <a:rPr lang="en-US" dirty="0">
+                <a:solidFill>
+                  <a:srgbClr val="569CD6"/>
+                </a:solidFill>
+                <a:latin typeface="Consolas" panose="020B0609020204030204" pitchFamily="49" charset="0"/>
+              </a:rPr>
+              <a:t>function</a:t>
+            </a:r>
+            <a:r>
+              <a:rPr lang="en-US" dirty="0">
+                <a:solidFill>
+                  <a:srgbClr val="D4D4D4"/>
+                </a:solidFill>
+                <a:latin typeface="Consolas" panose="020B0609020204030204" pitchFamily="49" charset="0"/>
+              </a:rPr>
+              <a:t> </a:t>
+            </a:r>
+            <a:r>
+              <a:rPr lang="en-US" dirty="0">
+                <a:solidFill>
+                  <a:srgbClr val="DCDCAA"/>
+                </a:solidFill>
+                <a:latin typeface="Consolas" panose="020B0609020204030204" pitchFamily="49" charset="0"/>
+              </a:rPr>
+              <a:t>w</a:t>
+            </a:r>
+            <a:r>
+              <a:rPr lang="en-US" dirty="0" smtClean="0">
+                <a:solidFill>
+                  <a:srgbClr val="DCDCAA"/>
+                </a:solidFill>
+                <a:latin typeface="Consolas" panose="020B0609020204030204" pitchFamily="49" charset="0"/>
+              </a:rPr>
+              <a:t>elcome</a:t>
+            </a:r>
+            <a:r>
+              <a:rPr lang="en-US" dirty="0">
+                <a:solidFill>
+                  <a:srgbClr val="D4D4D4"/>
+                </a:solidFill>
+                <a:latin typeface="Consolas" panose="020B0609020204030204" pitchFamily="49" charset="0"/>
+              </a:rPr>
+              <a:t>() {</a:t>
+            </a:r>
+            <a:endParaRPr lang="en-US" dirty="0">
+              <a:solidFill>
+                <a:srgbClr val="CCCCCC"/>
+              </a:solidFill>
+              <a:latin typeface="Consolas" panose="020B0609020204030204" pitchFamily="49" charset="0"/>
+            </a:endParaRPr>
+          </a:p>
+          <a:p>
+            <a:r>
+              <a:rPr lang="en-US" dirty="0">
+                <a:solidFill>
+                  <a:srgbClr val="D4D4D4"/>
+                </a:solidFill>
+                <a:latin typeface="Consolas" panose="020B0609020204030204" pitchFamily="49" charset="0"/>
+              </a:rPr>
+              <a:t>            </a:t>
+            </a:r>
+            <a:r>
+              <a:rPr lang="en-US" dirty="0">
+                <a:solidFill>
+                  <a:srgbClr val="C586C0"/>
+                </a:solidFill>
+                <a:latin typeface="Consolas" panose="020B0609020204030204" pitchFamily="49" charset="0"/>
+              </a:rPr>
+              <a:t>return</a:t>
+            </a:r>
+            <a:r>
+              <a:rPr lang="en-US" dirty="0">
+                <a:solidFill>
+                  <a:srgbClr val="D4D4D4"/>
+                </a:solidFill>
+                <a:latin typeface="Consolas" panose="020B0609020204030204" pitchFamily="49" charset="0"/>
+              </a:rPr>
+              <a:t> </a:t>
+            </a:r>
+            <a:r>
+              <a:rPr lang="en-US" dirty="0">
+                <a:solidFill>
+                  <a:srgbClr val="808080"/>
+                </a:solidFill>
+                <a:latin typeface="Consolas" panose="020B0609020204030204" pitchFamily="49" charset="0"/>
+              </a:rPr>
+              <a:t>&lt;</a:t>
+            </a:r>
+            <a:r>
+              <a:rPr lang="en-US" dirty="0">
+                <a:solidFill>
+                  <a:srgbClr val="569CD6"/>
+                </a:solidFill>
+                <a:latin typeface="Consolas" panose="020B0609020204030204" pitchFamily="49" charset="0"/>
+              </a:rPr>
+              <a:t>h1</a:t>
+            </a:r>
+            <a:r>
+              <a:rPr lang="en-US" dirty="0">
+                <a:solidFill>
+                  <a:srgbClr val="808080"/>
+                </a:solidFill>
+                <a:latin typeface="Consolas" panose="020B0609020204030204" pitchFamily="49" charset="0"/>
+              </a:rPr>
+              <a:t>&gt;</a:t>
+            </a:r>
+            <a:r>
+              <a:rPr lang="en-US" dirty="0">
+                <a:solidFill>
+                  <a:srgbClr val="D4D4D4"/>
+                </a:solidFill>
+                <a:latin typeface="Consolas" panose="020B0609020204030204" pitchFamily="49" charset="0"/>
+              </a:rPr>
+              <a:t>Hello world</a:t>
+            </a:r>
+            <a:r>
+              <a:rPr lang="en-US" dirty="0">
+                <a:solidFill>
+                  <a:srgbClr val="808080"/>
+                </a:solidFill>
+                <a:latin typeface="Consolas" panose="020B0609020204030204" pitchFamily="49" charset="0"/>
+              </a:rPr>
+              <a:t>&lt;/</a:t>
+            </a:r>
+            <a:r>
+              <a:rPr lang="en-US" dirty="0">
+                <a:solidFill>
+                  <a:srgbClr val="569CD6"/>
+                </a:solidFill>
+                <a:latin typeface="Consolas" panose="020B0609020204030204" pitchFamily="49" charset="0"/>
+              </a:rPr>
+              <a:t>h1</a:t>
+            </a:r>
+            <a:r>
+              <a:rPr lang="en-US" dirty="0">
+                <a:solidFill>
+                  <a:srgbClr val="808080"/>
+                </a:solidFill>
+                <a:latin typeface="Consolas" panose="020B0609020204030204" pitchFamily="49" charset="0"/>
+              </a:rPr>
+              <a:t>&gt;</a:t>
+            </a:r>
+            <a:r>
+              <a:rPr lang="en-US" dirty="0">
+                <a:solidFill>
+                  <a:srgbClr val="D4D4D4"/>
+                </a:solidFill>
+                <a:latin typeface="Consolas" panose="020B0609020204030204" pitchFamily="49" charset="0"/>
+              </a:rPr>
+              <a:t>;</a:t>
+            </a:r>
+            <a:endParaRPr lang="en-US" dirty="0">
+              <a:solidFill>
+                <a:srgbClr val="CCCCCC"/>
+              </a:solidFill>
+              <a:latin typeface="Consolas" panose="020B0609020204030204" pitchFamily="49" charset="0"/>
+            </a:endParaRPr>
+          </a:p>
+          <a:p>
+            <a:r>
+              <a:rPr lang="en-US" dirty="0">
+                <a:solidFill>
+                  <a:srgbClr val="D4D4D4"/>
+                </a:solidFill>
+                <a:latin typeface="Consolas" panose="020B0609020204030204" pitchFamily="49" charset="0"/>
+              </a:rPr>
+              <a:t>        }</a:t>
+            </a:r>
+            <a:endParaRPr lang="en-US" b="0" dirty="0">
+              <a:solidFill>
+                <a:srgbClr val="CCCCCC"/>
+              </a:solidFill>
+              <a:effectLst/>
+              <a:latin typeface="Consolas" panose="020B0609020204030204" pitchFamily="49" charset="0"/>
+            </a:endParaRPr>
+          </a:p>
+        </p:txBody>
+      </p:sp>
+      <p:pic>
+        <p:nvPicPr>
+          <p:cNvPr id="6" name="Picture 5"/>
+          <p:cNvPicPr>
+            <a:picLocks noChangeAspect="1"/>
+          </p:cNvPicPr>
+          <p:nvPr/>
+        </p:nvPicPr>
+        <p:blipFill>
+          <a:blip r:embed="rId2"/>
+          <a:stretch>
+            <a:fillRect/>
+          </a:stretch>
+        </p:blipFill>
+        <p:spPr>
+          <a:xfrm>
+            <a:off x="2695575" y="4520550"/>
+            <a:ext cx="6800850" cy="800100"/>
+          </a:xfrm>
+          <a:prstGeom prst="rect">
+            <a:avLst/>
+          </a:prstGeom>
+        </p:spPr>
+      </p:pic>
+    </p:spTree>
+    <p:extLst>
+      <p:ext uri="{BB962C8B-B14F-4D97-AF65-F5344CB8AC3E}">
+        <p14:creationId xmlns:p14="http://schemas.microsoft.com/office/powerpoint/2010/main" val="1379447205"/>
+      </p:ext>
+    </p:extLst>
+  </p:cSld>
+  <p:clrMapOvr>
+    <a:masterClrMapping/>
+  </p:clrMapOvr>
+</p:sld>
+</file>
+
+<file path=ppt/slides/slide6.xml><?xml version="1.0" encoding="utf-8"?>
+<p:sld xmlns:a="http://schemas.openxmlformats.org/drawingml/2006/main" xmlns:r="http://schemas.openxmlformats.org/officeDocument/2006/relationships" xmlns:p="http://schemas.openxmlformats.org/presentationml/2006/main">
+  <p:cSld>
+    <p:spTree>
+      <p:nvGrpSpPr>
+        <p:cNvPr id="1" name=""/>
+        <p:cNvGrpSpPr/>
+        <p:nvPr/>
+      </p:nvGrpSpPr>
+      <p:grpSpPr>
+        <a:xfrm>
+          <a:off x="0" y="0"/>
+          <a:ext cx="0" cy="0"/>
+          <a:chOff x="0" y="0"/>
+          <a:chExt cx="0" cy="0"/>
+        </a:xfrm>
+      </p:grpSpPr>
+      <p:sp>
+        <p:nvSpPr>
+          <p:cNvPr id="2" name="Title 1"/>
+          <p:cNvSpPr>
+            <a:spLocks noGrp="1"/>
+          </p:cNvSpPr>
+          <p:nvPr>
+            <p:ph type="title"/>
+          </p:nvPr>
+        </p:nvSpPr>
+        <p:spPr/>
+        <p:txBody>
+          <a:bodyPr>
+            <a:normAutofit/>
+          </a:bodyPr>
+          <a:lstStyle/>
+          <a:p>
+            <a:r>
+              <a:rPr lang="en-US" dirty="0" smtClean="0">
+                <a:latin typeface="Tahoma" panose="020B0604030504040204" pitchFamily="34" charset="0"/>
+                <a:ea typeface="Tahoma" panose="020B0604030504040204" pitchFamily="34" charset="0"/>
+                <a:cs typeface="Tahoma" panose="020B0604030504040204" pitchFamily="34" charset="0"/>
+              </a:rPr>
+              <a:t>Component</a:t>
+            </a:r>
+            <a:endParaRPr lang="en-US" dirty="0">
+              <a:latin typeface="Tahoma" panose="020B0604030504040204" pitchFamily="34" charset="0"/>
+              <a:ea typeface="Tahoma" panose="020B0604030504040204" pitchFamily="34" charset="0"/>
+              <a:cs typeface="Tahoma" panose="020B0604030504040204" pitchFamily="34" charset="0"/>
+            </a:endParaRPr>
+          </a:p>
+        </p:txBody>
+      </p:sp>
+      <p:sp>
+        <p:nvSpPr>
+          <p:cNvPr id="3" name="Content Placeholder 2"/>
+          <p:cNvSpPr>
+            <a:spLocks noGrp="1"/>
+          </p:cNvSpPr>
+          <p:nvPr>
+            <p:ph idx="1"/>
+          </p:nvPr>
+        </p:nvSpPr>
+        <p:spPr/>
+        <p:txBody>
+          <a:bodyPr>
+            <a:normAutofit/>
+          </a:bodyPr>
+          <a:lstStyle/>
+          <a:p>
+            <a:r>
+              <a:rPr lang="en-US" dirty="0" smtClean="0">
+                <a:latin typeface="Tahoma" panose="020B0604030504040204" pitchFamily="34" charset="0"/>
+                <a:ea typeface="Tahoma" panose="020B0604030504040204" pitchFamily="34" charset="0"/>
+                <a:cs typeface="Tahoma" panose="020B0604030504040204" pitchFamily="34" charset="0"/>
+              </a:rPr>
+              <a:t>Ví dụ có truyền param</a:t>
+            </a:r>
+            <a:endParaRPr lang="vi-VN" dirty="0">
+              <a:latin typeface="Tahoma" panose="020B0604030504040204" pitchFamily="34" charset="0"/>
+              <a:ea typeface="Tahoma" panose="020B0604030504040204" pitchFamily="34" charset="0"/>
+              <a:cs typeface="Tahoma" panose="020B0604030504040204" pitchFamily="34" charset="0"/>
+            </a:endParaRPr>
+          </a:p>
+        </p:txBody>
+      </p:sp>
+      <p:sp>
+        <p:nvSpPr>
+          <p:cNvPr id="4" name="Rectangle 3"/>
+          <p:cNvSpPr/>
+          <p:nvPr/>
+        </p:nvSpPr>
+        <p:spPr>
+          <a:xfrm>
+            <a:off x="3048000" y="3317657"/>
+            <a:ext cx="6096000" cy="923330"/>
+          </a:xfrm>
+          <a:prstGeom prst="rect">
+            <a:avLst/>
+          </a:prstGeom>
+          <a:solidFill>
+            <a:schemeClr val="tx1"/>
+          </a:solidFill>
+        </p:spPr>
+        <p:txBody>
+          <a:bodyPr>
+            <a:spAutoFit/>
+          </a:bodyPr>
+          <a:lstStyle/>
+          <a:p>
+            <a:r>
+              <a:rPr lang="en-US" dirty="0">
+                <a:solidFill>
+                  <a:srgbClr val="D4D4D4"/>
+                </a:solidFill>
+                <a:latin typeface="Consolas" panose="020B0609020204030204" pitchFamily="49" charset="0"/>
+              </a:rPr>
+              <a:t>        </a:t>
+            </a:r>
+            <a:r>
+              <a:rPr lang="en-US" dirty="0">
+                <a:solidFill>
+                  <a:srgbClr val="569CD6"/>
+                </a:solidFill>
+                <a:latin typeface="Consolas" panose="020B0609020204030204" pitchFamily="49" charset="0"/>
+              </a:rPr>
+              <a:t>function</a:t>
+            </a:r>
+            <a:r>
+              <a:rPr lang="en-US" dirty="0">
+                <a:solidFill>
+                  <a:srgbClr val="D4D4D4"/>
+                </a:solidFill>
+                <a:latin typeface="Consolas" panose="020B0609020204030204" pitchFamily="49" charset="0"/>
+              </a:rPr>
+              <a:t> </a:t>
+            </a:r>
+            <a:r>
+              <a:rPr lang="en-US" dirty="0">
+                <a:solidFill>
+                  <a:srgbClr val="DCDCAA"/>
+                </a:solidFill>
+                <a:latin typeface="Consolas" panose="020B0609020204030204" pitchFamily="49" charset="0"/>
+              </a:rPr>
+              <a:t>Welcome</a:t>
+            </a:r>
+            <a:r>
+              <a:rPr lang="en-US" dirty="0">
+                <a:solidFill>
+                  <a:srgbClr val="D4D4D4"/>
+                </a:solidFill>
+                <a:latin typeface="Consolas" panose="020B0609020204030204" pitchFamily="49" charset="0"/>
+              </a:rPr>
+              <a:t>(</a:t>
+            </a:r>
+            <a:r>
+              <a:rPr lang="en-US" dirty="0">
+                <a:solidFill>
+                  <a:srgbClr val="9CDCFE"/>
+                </a:solidFill>
+                <a:latin typeface="Consolas" panose="020B0609020204030204" pitchFamily="49" charset="0"/>
+              </a:rPr>
+              <a:t>props</a:t>
+            </a:r>
+            <a:r>
+              <a:rPr lang="en-US" dirty="0">
+                <a:solidFill>
+                  <a:srgbClr val="D4D4D4"/>
+                </a:solidFill>
+                <a:latin typeface="Consolas" panose="020B0609020204030204" pitchFamily="49" charset="0"/>
+              </a:rPr>
+              <a:t>) {</a:t>
+            </a:r>
+            <a:endParaRPr lang="en-US" dirty="0">
+              <a:solidFill>
+                <a:srgbClr val="CCCCCC"/>
+              </a:solidFill>
+              <a:latin typeface="Consolas" panose="020B0609020204030204" pitchFamily="49" charset="0"/>
+            </a:endParaRPr>
+          </a:p>
+          <a:p>
+            <a:r>
+              <a:rPr lang="en-US" dirty="0">
+                <a:solidFill>
+                  <a:srgbClr val="D4D4D4"/>
+                </a:solidFill>
+                <a:latin typeface="Consolas" panose="020B0609020204030204" pitchFamily="49" charset="0"/>
+              </a:rPr>
+              <a:t>            </a:t>
+            </a:r>
+            <a:r>
+              <a:rPr lang="en-US" dirty="0">
+                <a:solidFill>
+                  <a:srgbClr val="C586C0"/>
+                </a:solidFill>
+                <a:latin typeface="Consolas" panose="020B0609020204030204" pitchFamily="49" charset="0"/>
+              </a:rPr>
+              <a:t>return</a:t>
+            </a:r>
+            <a:r>
+              <a:rPr lang="en-US" dirty="0">
+                <a:solidFill>
+                  <a:srgbClr val="D4D4D4"/>
+                </a:solidFill>
+                <a:latin typeface="Consolas" panose="020B0609020204030204" pitchFamily="49" charset="0"/>
+              </a:rPr>
+              <a:t> </a:t>
+            </a:r>
+            <a:r>
+              <a:rPr lang="en-US" dirty="0">
+                <a:solidFill>
+                  <a:srgbClr val="808080"/>
+                </a:solidFill>
+                <a:latin typeface="Consolas" panose="020B0609020204030204" pitchFamily="49" charset="0"/>
+              </a:rPr>
+              <a:t>&lt;</a:t>
+            </a:r>
+            <a:r>
+              <a:rPr lang="en-US" dirty="0">
+                <a:solidFill>
+                  <a:srgbClr val="569CD6"/>
+                </a:solidFill>
+                <a:latin typeface="Consolas" panose="020B0609020204030204" pitchFamily="49" charset="0"/>
+              </a:rPr>
+              <a:t>h1</a:t>
+            </a:r>
+            <a:r>
+              <a:rPr lang="en-US" dirty="0">
+                <a:solidFill>
+                  <a:srgbClr val="808080"/>
+                </a:solidFill>
+                <a:latin typeface="Consolas" panose="020B0609020204030204" pitchFamily="49" charset="0"/>
+              </a:rPr>
+              <a:t>&gt;</a:t>
+            </a:r>
+            <a:r>
+              <a:rPr lang="en-US" dirty="0">
+                <a:solidFill>
+                  <a:srgbClr val="D4D4D4"/>
+                </a:solidFill>
+                <a:latin typeface="Consolas" panose="020B0609020204030204" pitchFamily="49" charset="0"/>
+              </a:rPr>
+              <a:t>Hello </a:t>
+            </a:r>
+            <a:r>
+              <a:rPr lang="en-US" dirty="0">
+                <a:solidFill>
+                  <a:srgbClr val="569CD6"/>
+                </a:solidFill>
+                <a:latin typeface="Consolas" panose="020B0609020204030204" pitchFamily="49" charset="0"/>
+              </a:rPr>
+              <a:t>{</a:t>
+            </a:r>
+            <a:r>
+              <a:rPr lang="en-US" dirty="0">
+                <a:solidFill>
+                  <a:srgbClr val="9CDCFE"/>
+                </a:solidFill>
+                <a:latin typeface="Consolas" panose="020B0609020204030204" pitchFamily="49" charset="0"/>
+              </a:rPr>
+              <a:t>props</a:t>
+            </a:r>
+            <a:r>
+              <a:rPr lang="en-US" dirty="0">
+                <a:solidFill>
+                  <a:srgbClr val="D4D4D4"/>
+                </a:solidFill>
+                <a:latin typeface="Consolas" panose="020B0609020204030204" pitchFamily="49" charset="0"/>
+              </a:rPr>
+              <a:t>.</a:t>
+            </a:r>
+            <a:r>
+              <a:rPr lang="en-US" dirty="0">
+                <a:solidFill>
+                  <a:srgbClr val="9CDCFE"/>
+                </a:solidFill>
+                <a:latin typeface="Consolas" panose="020B0609020204030204" pitchFamily="49" charset="0"/>
+              </a:rPr>
+              <a:t>name</a:t>
+            </a:r>
+            <a:r>
+              <a:rPr lang="en-US" dirty="0">
+                <a:solidFill>
+                  <a:srgbClr val="569CD6"/>
+                </a:solidFill>
+                <a:latin typeface="Consolas" panose="020B0609020204030204" pitchFamily="49" charset="0"/>
+              </a:rPr>
+              <a:t>}</a:t>
+            </a:r>
+            <a:r>
+              <a:rPr lang="en-US" dirty="0">
+                <a:solidFill>
+                  <a:srgbClr val="808080"/>
+                </a:solidFill>
+                <a:latin typeface="Consolas" panose="020B0609020204030204" pitchFamily="49" charset="0"/>
+              </a:rPr>
+              <a:t>&lt;/</a:t>
+            </a:r>
+            <a:r>
+              <a:rPr lang="en-US" dirty="0">
+                <a:solidFill>
+                  <a:srgbClr val="569CD6"/>
+                </a:solidFill>
+                <a:latin typeface="Consolas" panose="020B0609020204030204" pitchFamily="49" charset="0"/>
+              </a:rPr>
+              <a:t>h1</a:t>
+            </a:r>
+            <a:r>
+              <a:rPr lang="en-US" dirty="0">
+                <a:solidFill>
+                  <a:srgbClr val="808080"/>
+                </a:solidFill>
+                <a:latin typeface="Consolas" panose="020B0609020204030204" pitchFamily="49" charset="0"/>
+              </a:rPr>
+              <a:t>&gt;</a:t>
+            </a:r>
+            <a:r>
+              <a:rPr lang="en-US" dirty="0">
+                <a:solidFill>
+                  <a:srgbClr val="D4D4D4"/>
+                </a:solidFill>
+                <a:latin typeface="Consolas" panose="020B0609020204030204" pitchFamily="49" charset="0"/>
+              </a:rPr>
+              <a:t>;</a:t>
+            </a:r>
+            <a:endParaRPr lang="en-US" dirty="0">
+              <a:solidFill>
+                <a:srgbClr val="CCCCCC"/>
+              </a:solidFill>
+              <a:latin typeface="Consolas" panose="020B0609020204030204" pitchFamily="49" charset="0"/>
+            </a:endParaRPr>
+          </a:p>
+          <a:p>
+            <a:r>
+              <a:rPr lang="en-US" dirty="0">
+                <a:solidFill>
+                  <a:srgbClr val="D4D4D4"/>
+                </a:solidFill>
+                <a:latin typeface="Consolas" panose="020B0609020204030204" pitchFamily="49" charset="0"/>
+              </a:rPr>
+              <a:t>        }</a:t>
+            </a:r>
+            <a:endParaRPr lang="en-US" b="0" dirty="0">
+              <a:solidFill>
+                <a:srgbClr val="CCCCCC"/>
+              </a:solidFill>
+              <a:effectLst/>
+              <a:latin typeface="Consolas" panose="020B0609020204030204" pitchFamily="49" charset="0"/>
+            </a:endParaRPr>
+          </a:p>
+        </p:txBody>
+      </p:sp>
+    </p:spTree>
+    <p:extLst>
+      <p:ext uri="{BB962C8B-B14F-4D97-AF65-F5344CB8AC3E}">
+        <p14:creationId xmlns:p14="http://schemas.microsoft.com/office/powerpoint/2010/main" val="967052519"/>
+      </p:ext>
+    </p:extLst>
+  </p:cSld>
+  <p:clrMapOvr>
+    <a:masterClrMapping/>
+  </p:clrMapOvr>
+</p:sld>
+</file>
+
+<file path=ppt/slides/slide7.xml><?xml version="1.0" encoding="utf-8"?>
+<p:sld xmlns:a="http://schemas.openxmlformats.org/drawingml/2006/main" xmlns:r="http://schemas.openxmlformats.org/officeDocument/2006/relationships" xmlns:p="http://schemas.openxmlformats.org/presentationml/2006/main">
+  <p:cSld>
+    <p:spTree>
+      <p:nvGrpSpPr>
+        <p:cNvPr id="1" name=""/>
+        <p:cNvGrpSpPr/>
+        <p:nvPr/>
+      </p:nvGrpSpPr>
+      <p:grpSpPr>
+        <a:xfrm>
+          <a:off x="0" y="0"/>
+          <a:ext cx="0" cy="0"/>
+          <a:chOff x="0" y="0"/>
+          <a:chExt cx="0" cy="0"/>
+        </a:xfrm>
+      </p:grpSpPr>
+      <p:sp>
+        <p:nvSpPr>
+          <p:cNvPr id="2" name="Title 1"/>
+          <p:cNvSpPr>
+            <a:spLocks noGrp="1"/>
+          </p:cNvSpPr>
+          <p:nvPr>
+            <p:ph type="title"/>
+          </p:nvPr>
+        </p:nvSpPr>
+        <p:spPr/>
+        <p:txBody>
+          <a:bodyPr>
+            <a:normAutofit/>
+          </a:bodyPr>
+          <a:lstStyle/>
+          <a:p>
+            <a:r>
+              <a:rPr lang="en-US" dirty="0" smtClean="0">
+                <a:latin typeface="Tahoma" panose="020B0604030504040204" pitchFamily="34" charset="0"/>
+                <a:ea typeface="Tahoma" panose="020B0604030504040204" pitchFamily="34" charset="0"/>
+                <a:cs typeface="Tahoma" panose="020B0604030504040204" pitchFamily="34" charset="0"/>
+              </a:rPr>
+              <a:t>Component</a:t>
+            </a:r>
+            <a:endParaRPr lang="en-US" dirty="0">
+              <a:latin typeface="Tahoma" panose="020B0604030504040204" pitchFamily="34" charset="0"/>
+              <a:ea typeface="Tahoma" panose="020B0604030504040204" pitchFamily="34" charset="0"/>
+              <a:cs typeface="Tahoma" panose="020B0604030504040204" pitchFamily="34" charset="0"/>
+            </a:endParaRPr>
+          </a:p>
+        </p:txBody>
+      </p:sp>
+      <p:sp>
+        <p:nvSpPr>
+          <p:cNvPr id="3" name="Content Placeholder 2"/>
+          <p:cNvSpPr>
+            <a:spLocks noGrp="1"/>
+          </p:cNvSpPr>
+          <p:nvPr>
+            <p:ph idx="1"/>
+          </p:nvPr>
+        </p:nvSpPr>
+        <p:spPr/>
+        <p:txBody>
+          <a:bodyPr>
+            <a:normAutofit/>
+          </a:bodyPr>
+          <a:lstStyle/>
+          <a:p>
+            <a:r>
+              <a:rPr lang="en-US" dirty="0" smtClean="0">
+                <a:latin typeface="Tahoma" panose="020B0604030504040204" pitchFamily="34" charset="0"/>
+                <a:ea typeface="Tahoma" panose="020B0604030504040204" pitchFamily="34" charset="0"/>
+                <a:cs typeface="Tahoma" panose="020B0604030504040204" pitchFamily="34" charset="0"/>
+              </a:rPr>
+              <a:t>Ví </a:t>
+            </a:r>
+            <a:r>
+              <a:rPr lang="en-US" dirty="0" smtClean="0">
+                <a:latin typeface="Tahoma" panose="020B0604030504040204" pitchFamily="34" charset="0"/>
+                <a:ea typeface="Tahoma" panose="020B0604030504040204" pitchFamily="34" charset="0"/>
+                <a:cs typeface="Tahoma" panose="020B0604030504040204" pitchFamily="34" charset="0"/>
+              </a:rPr>
+              <a:t>dụ:</a:t>
+            </a:r>
+            <a:endParaRPr lang="vi-VN" dirty="0">
+              <a:latin typeface="Tahoma" panose="020B0604030504040204" pitchFamily="34" charset="0"/>
+              <a:ea typeface="Tahoma" panose="020B0604030504040204" pitchFamily="34" charset="0"/>
+              <a:cs typeface="Tahoma" panose="020B0604030504040204" pitchFamily="34" charset="0"/>
+            </a:endParaRPr>
+          </a:p>
+        </p:txBody>
+      </p:sp>
+      <p:sp>
+        <p:nvSpPr>
+          <p:cNvPr id="4" name="Rectangle 3"/>
+          <p:cNvSpPr/>
+          <p:nvPr/>
+        </p:nvSpPr>
+        <p:spPr>
+          <a:xfrm>
+            <a:off x="2407920" y="3317657"/>
+            <a:ext cx="7376160" cy="1815882"/>
+          </a:xfrm>
+          <a:prstGeom prst="rect">
+            <a:avLst/>
+          </a:prstGeom>
+          <a:solidFill>
+            <a:schemeClr val="tx1"/>
+          </a:solidFill>
+        </p:spPr>
+        <p:txBody>
+          <a:bodyPr>
+            <a:spAutoFit/>
+          </a:bodyPr>
+          <a:lstStyle/>
+          <a:p>
+            <a:r>
+              <a:rPr lang="en-US" sz="1400" dirty="0">
+                <a:solidFill>
+                  <a:srgbClr val="CCCCCC"/>
+                </a:solidFill>
+                <a:latin typeface="Consolas" panose="020B0609020204030204" pitchFamily="49" charset="0"/>
+              </a:rPr>
+              <a:t>    </a:t>
+            </a:r>
+            <a:r>
+              <a:rPr lang="en-US" sz="1400" dirty="0">
+                <a:solidFill>
+                  <a:srgbClr val="808080"/>
+                </a:solidFill>
+                <a:latin typeface="Consolas" panose="020B0609020204030204" pitchFamily="49" charset="0"/>
+              </a:rPr>
+              <a:t>&lt;</a:t>
+            </a:r>
+            <a:r>
+              <a:rPr lang="en-US" sz="1400" dirty="0">
+                <a:solidFill>
+                  <a:srgbClr val="569CD6"/>
+                </a:solidFill>
+                <a:latin typeface="Consolas" panose="020B0609020204030204" pitchFamily="49" charset="0"/>
+              </a:rPr>
+              <a:t>script</a:t>
+            </a:r>
+            <a:r>
+              <a:rPr lang="en-US" sz="1400" dirty="0">
+                <a:solidFill>
+                  <a:srgbClr val="D4D4D4"/>
+                </a:solidFill>
+                <a:latin typeface="Consolas" panose="020B0609020204030204" pitchFamily="49" charset="0"/>
+              </a:rPr>
+              <a:t> </a:t>
+            </a:r>
+            <a:r>
+              <a:rPr lang="en-US" sz="1400" dirty="0">
+                <a:solidFill>
+                  <a:srgbClr val="9CDCFE"/>
+                </a:solidFill>
+                <a:latin typeface="Consolas" panose="020B0609020204030204" pitchFamily="49" charset="0"/>
+              </a:rPr>
+              <a:t>type</a:t>
+            </a:r>
+            <a:r>
+              <a:rPr lang="en-US" sz="1400" dirty="0">
+                <a:solidFill>
+                  <a:srgbClr val="D4D4D4"/>
+                </a:solidFill>
+                <a:latin typeface="Consolas" panose="020B0609020204030204" pitchFamily="49" charset="0"/>
+              </a:rPr>
+              <a:t>=</a:t>
+            </a:r>
+            <a:r>
+              <a:rPr lang="en-US" sz="1400" dirty="0">
+                <a:solidFill>
+                  <a:srgbClr val="CE9178"/>
+                </a:solidFill>
+                <a:latin typeface="Consolas" panose="020B0609020204030204" pitchFamily="49" charset="0"/>
+              </a:rPr>
+              <a:t>"text/babel"</a:t>
+            </a:r>
+            <a:r>
+              <a:rPr lang="en-US" sz="1400" dirty="0">
+                <a:solidFill>
+                  <a:srgbClr val="808080"/>
+                </a:solidFill>
+                <a:latin typeface="Consolas" panose="020B0609020204030204" pitchFamily="49" charset="0"/>
+              </a:rPr>
+              <a:t>&gt;</a:t>
+            </a:r>
+            <a:endParaRPr lang="en-US" sz="1400" dirty="0">
+              <a:solidFill>
+                <a:srgbClr val="CCCCCC"/>
+              </a:solidFill>
+              <a:latin typeface="Consolas" panose="020B0609020204030204" pitchFamily="49" charset="0"/>
+            </a:endParaRPr>
+          </a:p>
+          <a:p>
+            <a:r>
+              <a:rPr lang="en-US" sz="1400" dirty="0">
+                <a:solidFill>
+                  <a:srgbClr val="D4D4D4"/>
+                </a:solidFill>
+                <a:latin typeface="Consolas" panose="020B0609020204030204" pitchFamily="49" charset="0"/>
+              </a:rPr>
+              <a:t>        </a:t>
+            </a:r>
+            <a:r>
+              <a:rPr lang="en-US" sz="1400" dirty="0">
+                <a:solidFill>
+                  <a:srgbClr val="569CD6"/>
+                </a:solidFill>
+                <a:latin typeface="Consolas" panose="020B0609020204030204" pitchFamily="49" charset="0"/>
+              </a:rPr>
+              <a:t>const</a:t>
+            </a:r>
+            <a:r>
+              <a:rPr lang="en-US" sz="1400" dirty="0">
+                <a:solidFill>
+                  <a:srgbClr val="D4D4D4"/>
+                </a:solidFill>
+                <a:latin typeface="Consolas" panose="020B0609020204030204" pitchFamily="49" charset="0"/>
+              </a:rPr>
+              <a:t> </a:t>
+            </a:r>
+            <a:r>
+              <a:rPr lang="en-US" sz="1400" dirty="0">
+                <a:solidFill>
+                  <a:srgbClr val="4FC1FF"/>
+                </a:solidFill>
+                <a:latin typeface="Consolas" panose="020B0609020204030204" pitchFamily="49" charset="0"/>
+              </a:rPr>
+              <a:t>Form</a:t>
+            </a:r>
+            <a:r>
+              <a:rPr lang="en-US" sz="1400" dirty="0">
+                <a:solidFill>
+                  <a:srgbClr val="D4D4D4"/>
+                </a:solidFill>
+                <a:latin typeface="Consolas" panose="020B0609020204030204" pitchFamily="49" charset="0"/>
+              </a:rPr>
+              <a:t> = {</a:t>
+            </a:r>
+            <a:endParaRPr lang="en-US" sz="1400" dirty="0">
+              <a:solidFill>
+                <a:srgbClr val="CCCCCC"/>
+              </a:solidFill>
+              <a:latin typeface="Consolas" panose="020B0609020204030204" pitchFamily="49" charset="0"/>
+            </a:endParaRPr>
+          </a:p>
+          <a:p>
+            <a:r>
+              <a:rPr lang="en-US" sz="1400" dirty="0">
+                <a:solidFill>
+                  <a:srgbClr val="D4D4D4"/>
+                </a:solidFill>
+                <a:latin typeface="Consolas" panose="020B0609020204030204" pitchFamily="49" charset="0"/>
+              </a:rPr>
+              <a:t>            </a:t>
+            </a:r>
+            <a:r>
+              <a:rPr lang="en-US" sz="1400" dirty="0">
+                <a:solidFill>
+                  <a:srgbClr val="DCDCAA"/>
+                </a:solidFill>
+                <a:latin typeface="Consolas" panose="020B0609020204030204" pitchFamily="49" charset="0"/>
+              </a:rPr>
+              <a:t>Text</a:t>
+            </a:r>
+            <a:r>
+              <a:rPr lang="en-US" sz="1400" dirty="0">
+                <a:solidFill>
+                  <a:srgbClr val="D4D4D4"/>
+                </a:solidFill>
+                <a:latin typeface="Consolas" panose="020B0609020204030204" pitchFamily="49" charset="0"/>
+              </a:rPr>
+              <a:t>() { </a:t>
+            </a:r>
+            <a:r>
+              <a:rPr lang="en-US" sz="1400" dirty="0">
+                <a:solidFill>
+                  <a:srgbClr val="C586C0"/>
+                </a:solidFill>
+                <a:latin typeface="Consolas" panose="020B0609020204030204" pitchFamily="49" charset="0"/>
+              </a:rPr>
+              <a:t>return</a:t>
+            </a:r>
+            <a:r>
+              <a:rPr lang="en-US" sz="1400" dirty="0">
+                <a:solidFill>
+                  <a:srgbClr val="D4D4D4"/>
+                </a:solidFill>
+                <a:latin typeface="Consolas" panose="020B0609020204030204" pitchFamily="49" charset="0"/>
+              </a:rPr>
+              <a:t> </a:t>
+            </a:r>
+            <a:r>
+              <a:rPr lang="en-US" sz="1400" dirty="0">
+                <a:solidFill>
+                  <a:srgbClr val="808080"/>
+                </a:solidFill>
+                <a:latin typeface="Consolas" panose="020B0609020204030204" pitchFamily="49" charset="0"/>
+              </a:rPr>
+              <a:t>&lt;</a:t>
+            </a:r>
+            <a:r>
+              <a:rPr lang="en-US" sz="1400" dirty="0">
+                <a:solidFill>
+                  <a:srgbClr val="569CD6"/>
+                </a:solidFill>
+                <a:latin typeface="Consolas" panose="020B0609020204030204" pitchFamily="49" charset="0"/>
+              </a:rPr>
+              <a:t>input</a:t>
+            </a:r>
+            <a:r>
+              <a:rPr lang="en-US" sz="1400" dirty="0">
+                <a:solidFill>
+                  <a:srgbClr val="D4D4D4"/>
+                </a:solidFill>
+                <a:latin typeface="Consolas" panose="020B0609020204030204" pitchFamily="49" charset="0"/>
+              </a:rPr>
+              <a:t> </a:t>
+            </a:r>
+            <a:r>
+              <a:rPr lang="en-US" sz="1400" dirty="0">
+                <a:solidFill>
+                  <a:srgbClr val="808080"/>
+                </a:solidFill>
+                <a:latin typeface="Consolas" panose="020B0609020204030204" pitchFamily="49" charset="0"/>
+              </a:rPr>
+              <a:t>/&gt;</a:t>
+            </a:r>
+            <a:r>
+              <a:rPr lang="en-US" sz="1400" dirty="0">
+                <a:solidFill>
+                  <a:srgbClr val="D4D4D4"/>
+                </a:solidFill>
+                <a:latin typeface="Consolas" panose="020B0609020204030204" pitchFamily="49" charset="0"/>
+              </a:rPr>
+              <a:t>},</a:t>
+            </a:r>
+            <a:endParaRPr lang="en-US" sz="1400" dirty="0">
+              <a:solidFill>
+                <a:srgbClr val="CCCCCC"/>
+              </a:solidFill>
+              <a:latin typeface="Consolas" panose="020B0609020204030204" pitchFamily="49" charset="0"/>
+            </a:endParaRPr>
+          </a:p>
+          <a:p>
+            <a:r>
+              <a:rPr lang="en-US" sz="1400" dirty="0">
+                <a:solidFill>
+                  <a:srgbClr val="D4D4D4"/>
+                </a:solidFill>
+                <a:latin typeface="Consolas" panose="020B0609020204030204" pitchFamily="49" charset="0"/>
+              </a:rPr>
+              <a:t>            </a:t>
+            </a:r>
+            <a:r>
+              <a:rPr lang="en-US" sz="1400" dirty="0">
+                <a:solidFill>
+                  <a:srgbClr val="DCDCAA"/>
+                </a:solidFill>
+                <a:latin typeface="Consolas" panose="020B0609020204030204" pitchFamily="49" charset="0"/>
+              </a:rPr>
+              <a:t>Checkbox</a:t>
+            </a:r>
+            <a:r>
+              <a:rPr lang="en-US" sz="1400" dirty="0">
+                <a:solidFill>
+                  <a:srgbClr val="D4D4D4"/>
+                </a:solidFill>
+                <a:latin typeface="Consolas" panose="020B0609020204030204" pitchFamily="49" charset="0"/>
+              </a:rPr>
+              <a:t>() { </a:t>
+            </a:r>
+            <a:r>
+              <a:rPr lang="en-US" sz="1400" dirty="0">
+                <a:solidFill>
+                  <a:srgbClr val="C586C0"/>
+                </a:solidFill>
+                <a:latin typeface="Consolas" panose="020B0609020204030204" pitchFamily="49" charset="0"/>
+              </a:rPr>
+              <a:t>return</a:t>
+            </a:r>
+            <a:r>
+              <a:rPr lang="en-US" sz="1400" dirty="0">
+                <a:solidFill>
+                  <a:srgbClr val="D4D4D4"/>
+                </a:solidFill>
+                <a:latin typeface="Consolas" panose="020B0609020204030204" pitchFamily="49" charset="0"/>
+              </a:rPr>
+              <a:t> </a:t>
+            </a:r>
+            <a:r>
+              <a:rPr lang="en-US" sz="1400" dirty="0">
+                <a:solidFill>
+                  <a:srgbClr val="808080"/>
+                </a:solidFill>
+                <a:latin typeface="Consolas" panose="020B0609020204030204" pitchFamily="49" charset="0"/>
+              </a:rPr>
+              <a:t>&lt;</a:t>
+            </a:r>
+            <a:r>
+              <a:rPr lang="en-US" sz="1400" dirty="0">
+                <a:solidFill>
+                  <a:srgbClr val="569CD6"/>
+                </a:solidFill>
+                <a:latin typeface="Consolas" panose="020B0609020204030204" pitchFamily="49" charset="0"/>
+              </a:rPr>
+              <a:t>input</a:t>
+            </a:r>
+            <a:r>
+              <a:rPr lang="en-US" sz="1400" dirty="0">
+                <a:solidFill>
+                  <a:srgbClr val="D4D4D4"/>
+                </a:solidFill>
+                <a:latin typeface="Consolas" panose="020B0609020204030204" pitchFamily="49" charset="0"/>
+              </a:rPr>
+              <a:t> </a:t>
+            </a:r>
+            <a:r>
+              <a:rPr lang="en-US" sz="1400" dirty="0">
+                <a:solidFill>
+                  <a:srgbClr val="9CDCFE"/>
+                </a:solidFill>
+                <a:latin typeface="Consolas" panose="020B0609020204030204" pitchFamily="49" charset="0"/>
+              </a:rPr>
+              <a:t>type</a:t>
+            </a:r>
+            <a:r>
+              <a:rPr lang="en-US" sz="1400" dirty="0">
+                <a:solidFill>
+                  <a:srgbClr val="D4D4D4"/>
+                </a:solidFill>
+                <a:latin typeface="Consolas" panose="020B0609020204030204" pitchFamily="49" charset="0"/>
+              </a:rPr>
+              <a:t>=</a:t>
+            </a:r>
+            <a:r>
+              <a:rPr lang="en-US" sz="1400" dirty="0">
+                <a:solidFill>
+                  <a:srgbClr val="CE9178"/>
+                </a:solidFill>
+                <a:latin typeface="Consolas" panose="020B0609020204030204" pitchFamily="49" charset="0"/>
+              </a:rPr>
+              <a:t>"checkbox"</a:t>
+            </a:r>
+            <a:r>
+              <a:rPr lang="en-US" sz="1400" dirty="0">
+                <a:solidFill>
+                  <a:srgbClr val="D4D4D4"/>
+                </a:solidFill>
+                <a:latin typeface="Consolas" panose="020B0609020204030204" pitchFamily="49" charset="0"/>
+              </a:rPr>
+              <a:t> </a:t>
+            </a:r>
+            <a:r>
+              <a:rPr lang="en-US" sz="1400" dirty="0">
+                <a:solidFill>
+                  <a:srgbClr val="808080"/>
+                </a:solidFill>
+                <a:latin typeface="Consolas" panose="020B0609020204030204" pitchFamily="49" charset="0"/>
+              </a:rPr>
+              <a:t>/&gt;</a:t>
+            </a:r>
+            <a:r>
+              <a:rPr lang="en-US" sz="1400" dirty="0">
+                <a:solidFill>
+                  <a:srgbClr val="D4D4D4"/>
+                </a:solidFill>
+                <a:latin typeface="Consolas" panose="020B0609020204030204" pitchFamily="49" charset="0"/>
+              </a:rPr>
+              <a:t>; },</a:t>
+            </a:r>
+            <a:endParaRPr lang="en-US" sz="1400" dirty="0">
+              <a:solidFill>
+                <a:srgbClr val="CCCCCC"/>
+              </a:solidFill>
+              <a:latin typeface="Consolas" panose="020B0609020204030204" pitchFamily="49" charset="0"/>
+            </a:endParaRPr>
+          </a:p>
+          <a:p>
+            <a:r>
+              <a:rPr lang="en-US" sz="1400" dirty="0">
+                <a:solidFill>
+                  <a:srgbClr val="D4D4D4"/>
+                </a:solidFill>
+                <a:latin typeface="Consolas" panose="020B0609020204030204" pitchFamily="49" charset="0"/>
+              </a:rPr>
+              <a:t>            </a:t>
+            </a:r>
+            <a:r>
+              <a:rPr lang="en-US" sz="1400" dirty="0">
+                <a:solidFill>
+                  <a:srgbClr val="DCDCAA"/>
+                </a:solidFill>
+                <a:latin typeface="Consolas" panose="020B0609020204030204" pitchFamily="49" charset="0"/>
+              </a:rPr>
+              <a:t>Button</a:t>
+            </a:r>
+            <a:r>
+              <a:rPr lang="en-US" sz="1400" dirty="0">
+                <a:solidFill>
+                  <a:srgbClr val="D4D4D4"/>
+                </a:solidFill>
+                <a:latin typeface="Consolas" panose="020B0609020204030204" pitchFamily="49" charset="0"/>
+              </a:rPr>
+              <a:t>({</a:t>
+            </a:r>
+            <a:r>
+              <a:rPr lang="en-US" sz="1400" dirty="0">
+                <a:solidFill>
+                  <a:srgbClr val="9CDCFE"/>
+                </a:solidFill>
+                <a:latin typeface="Consolas" panose="020B0609020204030204" pitchFamily="49" charset="0"/>
+              </a:rPr>
+              <a:t>text</a:t>
+            </a:r>
+            <a:r>
+              <a:rPr lang="en-US" sz="1400" dirty="0">
+                <a:solidFill>
+                  <a:srgbClr val="D4D4D4"/>
+                </a:solidFill>
+                <a:latin typeface="Consolas" panose="020B0609020204030204" pitchFamily="49" charset="0"/>
+              </a:rPr>
+              <a:t> = </a:t>
+            </a:r>
+            <a:r>
+              <a:rPr lang="en-US" sz="1400" dirty="0">
+                <a:solidFill>
+                  <a:srgbClr val="CE9178"/>
+                </a:solidFill>
+                <a:latin typeface="Consolas" panose="020B0609020204030204" pitchFamily="49" charset="0"/>
+              </a:rPr>
+              <a:t>"Button"</a:t>
+            </a:r>
+            <a:r>
+              <a:rPr lang="en-US" sz="1400" dirty="0">
+                <a:solidFill>
+                  <a:srgbClr val="D4D4D4"/>
+                </a:solidFill>
+                <a:latin typeface="Consolas" panose="020B0609020204030204" pitchFamily="49" charset="0"/>
+              </a:rPr>
+              <a:t>}) { </a:t>
+            </a:r>
+            <a:r>
+              <a:rPr lang="en-US" sz="1400" dirty="0">
+                <a:solidFill>
+                  <a:srgbClr val="C586C0"/>
+                </a:solidFill>
+                <a:latin typeface="Consolas" panose="020B0609020204030204" pitchFamily="49" charset="0"/>
+              </a:rPr>
+              <a:t>return</a:t>
+            </a:r>
+            <a:r>
+              <a:rPr lang="en-US" sz="1400" dirty="0">
+                <a:solidFill>
+                  <a:srgbClr val="D4D4D4"/>
+                </a:solidFill>
+                <a:latin typeface="Consolas" panose="020B0609020204030204" pitchFamily="49" charset="0"/>
+              </a:rPr>
+              <a:t> </a:t>
+            </a:r>
+            <a:r>
+              <a:rPr lang="en-US" sz="1400" dirty="0">
+                <a:solidFill>
+                  <a:srgbClr val="808080"/>
+                </a:solidFill>
+                <a:latin typeface="Consolas" panose="020B0609020204030204" pitchFamily="49" charset="0"/>
+              </a:rPr>
+              <a:t>&lt;</a:t>
+            </a:r>
+            <a:r>
+              <a:rPr lang="en-US" sz="1400" dirty="0">
+                <a:solidFill>
+                  <a:srgbClr val="569CD6"/>
+                </a:solidFill>
+                <a:latin typeface="Consolas" panose="020B0609020204030204" pitchFamily="49" charset="0"/>
+              </a:rPr>
+              <a:t>button</a:t>
+            </a:r>
+            <a:r>
+              <a:rPr lang="en-US" sz="1400" dirty="0">
+                <a:solidFill>
+                  <a:srgbClr val="808080"/>
+                </a:solidFill>
+                <a:latin typeface="Consolas" panose="020B0609020204030204" pitchFamily="49" charset="0"/>
+              </a:rPr>
+              <a:t>&gt;</a:t>
+            </a:r>
+            <a:r>
+              <a:rPr lang="en-US" sz="1400" dirty="0">
+                <a:solidFill>
+                  <a:srgbClr val="569CD6"/>
+                </a:solidFill>
+                <a:latin typeface="Consolas" panose="020B0609020204030204" pitchFamily="49" charset="0"/>
+              </a:rPr>
+              <a:t>{</a:t>
+            </a:r>
+            <a:r>
+              <a:rPr lang="en-US" sz="1400" dirty="0">
+                <a:solidFill>
+                  <a:srgbClr val="9CDCFE"/>
+                </a:solidFill>
+                <a:latin typeface="Consolas" panose="020B0609020204030204" pitchFamily="49" charset="0"/>
+              </a:rPr>
+              <a:t>text</a:t>
+            </a:r>
+            <a:r>
+              <a:rPr lang="en-US" sz="1400" dirty="0">
+                <a:solidFill>
+                  <a:srgbClr val="569CD6"/>
+                </a:solidFill>
+                <a:latin typeface="Consolas" panose="020B0609020204030204" pitchFamily="49" charset="0"/>
+              </a:rPr>
+              <a:t>}</a:t>
+            </a:r>
+            <a:r>
+              <a:rPr lang="en-US" sz="1400" dirty="0">
+                <a:solidFill>
+                  <a:srgbClr val="808080"/>
+                </a:solidFill>
+                <a:latin typeface="Consolas" panose="020B0609020204030204" pitchFamily="49" charset="0"/>
+              </a:rPr>
+              <a:t>&lt;/</a:t>
+            </a:r>
+            <a:r>
+              <a:rPr lang="en-US" sz="1400" dirty="0">
+                <a:solidFill>
+                  <a:srgbClr val="569CD6"/>
+                </a:solidFill>
+                <a:latin typeface="Consolas" panose="020B0609020204030204" pitchFamily="49" charset="0"/>
+              </a:rPr>
+              <a:t>button</a:t>
+            </a:r>
+            <a:r>
+              <a:rPr lang="en-US" sz="1400" dirty="0">
+                <a:solidFill>
+                  <a:srgbClr val="808080"/>
+                </a:solidFill>
+                <a:latin typeface="Consolas" panose="020B0609020204030204" pitchFamily="49" charset="0"/>
+              </a:rPr>
+              <a:t>&gt;</a:t>
+            </a:r>
+            <a:r>
+              <a:rPr lang="en-US" sz="1400" dirty="0">
+                <a:solidFill>
+                  <a:srgbClr val="D4D4D4"/>
+                </a:solidFill>
+                <a:latin typeface="Consolas" panose="020B0609020204030204" pitchFamily="49" charset="0"/>
+              </a:rPr>
+              <a:t>}</a:t>
+            </a:r>
+            <a:endParaRPr lang="en-US" sz="1400" dirty="0">
+              <a:solidFill>
+                <a:srgbClr val="CCCCCC"/>
+              </a:solidFill>
+              <a:latin typeface="Consolas" panose="020B0609020204030204" pitchFamily="49" charset="0"/>
+            </a:endParaRPr>
+          </a:p>
+          <a:p>
+            <a:r>
+              <a:rPr lang="en-US" sz="1400" dirty="0">
+                <a:solidFill>
+                  <a:srgbClr val="D4D4D4"/>
+                </a:solidFill>
+                <a:latin typeface="Consolas" panose="020B0609020204030204" pitchFamily="49" charset="0"/>
+              </a:rPr>
+              <a:t>        }</a:t>
+            </a:r>
+            <a:endParaRPr lang="en-US" sz="1400" dirty="0">
+              <a:solidFill>
+                <a:srgbClr val="CCCCCC"/>
+              </a:solidFill>
+              <a:latin typeface="Consolas" panose="020B0609020204030204" pitchFamily="49" charset="0"/>
+            </a:endParaRPr>
+          </a:p>
+          <a:p>
+            <a:r>
+              <a:rPr lang="en-US" sz="1400" dirty="0">
+                <a:solidFill>
+                  <a:srgbClr val="D4D4D4"/>
+                </a:solidFill>
+                <a:latin typeface="Consolas" panose="020B0609020204030204" pitchFamily="49" charset="0"/>
+              </a:rPr>
+              <a:t>        </a:t>
+            </a:r>
+            <a:r>
+              <a:rPr lang="en-US" sz="1400" dirty="0">
+                <a:solidFill>
+                  <a:srgbClr val="9CDCFE"/>
+                </a:solidFill>
+                <a:latin typeface="Consolas" panose="020B0609020204030204" pitchFamily="49" charset="0"/>
+              </a:rPr>
+              <a:t>ReactDOM</a:t>
+            </a:r>
+            <a:r>
+              <a:rPr lang="en-US" sz="1400" dirty="0">
+                <a:solidFill>
+                  <a:srgbClr val="D4D4D4"/>
+                </a:solidFill>
+                <a:latin typeface="Consolas" panose="020B0609020204030204" pitchFamily="49" charset="0"/>
+              </a:rPr>
+              <a:t>.</a:t>
+            </a:r>
+            <a:r>
+              <a:rPr lang="en-US" sz="1400" dirty="0">
+                <a:solidFill>
+                  <a:srgbClr val="DCDCAA"/>
+                </a:solidFill>
+                <a:latin typeface="Consolas" panose="020B0609020204030204" pitchFamily="49" charset="0"/>
+              </a:rPr>
+              <a:t>createRoot</a:t>
+            </a:r>
+            <a:r>
+              <a:rPr lang="en-US" sz="1400" dirty="0">
+                <a:solidFill>
+                  <a:srgbClr val="D4D4D4"/>
+                </a:solidFill>
+                <a:latin typeface="Consolas" panose="020B0609020204030204" pitchFamily="49" charset="0"/>
+              </a:rPr>
+              <a:t>(</a:t>
+            </a:r>
+            <a:r>
+              <a:rPr lang="en-US" sz="1400" dirty="0">
+                <a:solidFill>
+                  <a:srgbClr val="9CDCFE"/>
+                </a:solidFill>
+                <a:latin typeface="Consolas" panose="020B0609020204030204" pitchFamily="49" charset="0"/>
+              </a:rPr>
+              <a:t>main</a:t>
+            </a:r>
+            <a:r>
+              <a:rPr lang="en-US" sz="1400" dirty="0">
+                <a:solidFill>
+                  <a:srgbClr val="D4D4D4"/>
+                </a:solidFill>
+                <a:latin typeface="Consolas" panose="020B0609020204030204" pitchFamily="49" charset="0"/>
+              </a:rPr>
+              <a:t>).</a:t>
+            </a:r>
+            <a:r>
+              <a:rPr lang="en-US" sz="1400" dirty="0">
+                <a:solidFill>
+                  <a:srgbClr val="DCDCAA"/>
+                </a:solidFill>
+                <a:latin typeface="Consolas" panose="020B0609020204030204" pitchFamily="49" charset="0"/>
+              </a:rPr>
+              <a:t>render</a:t>
+            </a:r>
+            <a:r>
+              <a:rPr lang="en-US" sz="1400" dirty="0">
+                <a:solidFill>
+                  <a:srgbClr val="D4D4D4"/>
+                </a:solidFill>
+                <a:latin typeface="Consolas" panose="020B0609020204030204" pitchFamily="49" charset="0"/>
+              </a:rPr>
+              <a:t>(</a:t>
+            </a:r>
+            <a:r>
+              <a:rPr lang="en-US" sz="1400" dirty="0">
+                <a:solidFill>
+                  <a:srgbClr val="808080"/>
+                </a:solidFill>
+                <a:latin typeface="Consolas" panose="020B0609020204030204" pitchFamily="49" charset="0"/>
+              </a:rPr>
+              <a:t>&lt;</a:t>
+            </a:r>
+            <a:r>
+              <a:rPr lang="en-US" sz="1400" dirty="0">
+                <a:solidFill>
+                  <a:srgbClr val="4EC9B0"/>
+                </a:solidFill>
+                <a:latin typeface="Consolas" panose="020B0609020204030204" pitchFamily="49" charset="0"/>
+              </a:rPr>
+              <a:t>Form.Checkbox</a:t>
+            </a:r>
+            <a:r>
+              <a:rPr lang="en-US" sz="1400" dirty="0">
+                <a:solidFill>
+                  <a:srgbClr val="D4D4D4"/>
+                </a:solidFill>
+                <a:latin typeface="Consolas" panose="020B0609020204030204" pitchFamily="49" charset="0"/>
+              </a:rPr>
+              <a:t> </a:t>
+            </a:r>
+            <a:r>
+              <a:rPr lang="en-US" sz="1400" dirty="0">
+                <a:solidFill>
+                  <a:srgbClr val="808080"/>
+                </a:solidFill>
+                <a:latin typeface="Consolas" panose="020B0609020204030204" pitchFamily="49" charset="0"/>
+              </a:rPr>
+              <a:t>/&gt;</a:t>
+            </a:r>
+            <a:r>
+              <a:rPr lang="en-US" sz="1400" dirty="0">
+                <a:solidFill>
+                  <a:srgbClr val="D4D4D4"/>
+                </a:solidFill>
+                <a:latin typeface="Consolas" panose="020B0609020204030204" pitchFamily="49" charset="0"/>
+              </a:rPr>
+              <a:t>);</a:t>
+            </a:r>
+            <a:endParaRPr lang="en-US" sz="1400" dirty="0">
+              <a:solidFill>
+                <a:srgbClr val="CCCCCC"/>
+              </a:solidFill>
+              <a:latin typeface="Consolas" panose="020B0609020204030204" pitchFamily="49" charset="0"/>
+            </a:endParaRPr>
+          </a:p>
+          <a:p>
+            <a:r>
+              <a:rPr lang="en-US" sz="1400" dirty="0">
+                <a:solidFill>
+                  <a:srgbClr val="D4D4D4"/>
+                </a:solidFill>
+                <a:latin typeface="Consolas" panose="020B0609020204030204" pitchFamily="49" charset="0"/>
+              </a:rPr>
+              <a:t>    </a:t>
+            </a:r>
+            <a:r>
+              <a:rPr lang="en-US" sz="1400" dirty="0">
+                <a:solidFill>
+                  <a:srgbClr val="808080"/>
+                </a:solidFill>
+                <a:latin typeface="Consolas" panose="020B0609020204030204" pitchFamily="49" charset="0"/>
+              </a:rPr>
+              <a:t>&lt;/</a:t>
+            </a:r>
+            <a:r>
+              <a:rPr lang="en-US" sz="1400" dirty="0">
+                <a:solidFill>
+                  <a:srgbClr val="569CD6"/>
+                </a:solidFill>
+                <a:latin typeface="Consolas" panose="020B0609020204030204" pitchFamily="49" charset="0"/>
+              </a:rPr>
+              <a:t>script</a:t>
+            </a:r>
+            <a:r>
+              <a:rPr lang="en-US" sz="1400" dirty="0">
+                <a:solidFill>
+                  <a:srgbClr val="808080"/>
+                </a:solidFill>
+                <a:latin typeface="Consolas" panose="020B0609020204030204" pitchFamily="49" charset="0"/>
+              </a:rPr>
+              <a:t>&gt;</a:t>
+            </a:r>
+            <a:endParaRPr lang="en-US" sz="1400" b="0" dirty="0">
+              <a:solidFill>
+                <a:srgbClr val="CCCCCC"/>
+              </a:solidFill>
+              <a:effectLst/>
+              <a:latin typeface="Consolas" panose="020B0609020204030204" pitchFamily="49" charset="0"/>
+            </a:endParaRPr>
+          </a:p>
+        </p:txBody>
+      </p:sp>
+      <p:pic>
+        <p:nvPicPr>
+          <p:cNvPr id="5" name="Picture 4"/>
+          <p:cNvPicPr>
+            <a:picLocks noChangeAspect="1"/>
+          </p:cNvPicPr>
+          <p:nvPr/>
+        </p:nvPicPr>
+        <p:blipFill>
+          <a:blip r:embed="rId2"/>
+          <a:stretch>
+            <a:fillRect/>
+          </a:stretch>
+        </p:blipFill>
+        <p:spPr>
+          <a:xfrm>
+            <a:off x="4772025" y="5258109"/>
+            <a:ext cx="2647950" cy="676275"/>
+          </a:xfrm>
+          <a:prstGeom prst="rect">
+            <a:avLst/>
+          </a:prstGeom>
+        </p:spPr>
+      </p:pic>
+    </p:spTree>
+    <p:extLst>
+      <p:ext uri="{BB962C8B-B14F-4D97-AF65-F5344CB8AC3E}">
+        <p14:creationId xmlns:p14="http://schemas.microsoft.com/office/powerpoint/2010/main" val="2474292831"/>
+      </p:ext>
+    </p:extLst>
+  </p:cSld>
+  <p:clrMapOvr>
+    <a:masterClrMapping/>
+  </p:clrMapOvr>
+</p:sld>
+</file>
+
+<file path=ppt/slides/slide8.xml><?xml version="1.0" encoding="utf-8"?>
+<p:sld xmlns:a="http://schemas.openxmlformats.org/drawingml/2006/main" xmlns:r="http://schemas.openxmlformats.org/officeDocument/2006/relationships" xmlns:p="http://schemas.openxmlformats.org/presentationml/2006/main">
+  <p:cSld>
+    <p:spTree>
+      <p:nvGrpSpPr>
+        <p:cNvPr id="1" name=""/>
+        <p:cNvGrpSpPr/>
+        <p:nvPr/>
+      </p:nvGrpSpPr>
+      <p:grpSpPr>
+        <a:xfrm>
+          <a:off x="0" y="0"/>
+          <a:ext cx="0" cy="0"/>
+          <a:chOff x="0" y="0"/>
+          <a:chExt cx="0" cy="0"/>
+        </a:xfrm>
+      </p:grpSpPr>
+      <p:sp>
+        <p:nvSpPr>
+          <p:cNvPr id="2" name="Title 1"/>
+          <p:cNvSpPr>
+            <a:spLocks noGrp="1"/>
+          </p:cNvSpPr>
+          <p:nvPr>
+            <p:ph type="title"/>
+          </p:nvPr>
+        </p:nvSpPr>
+        <p:spPr/>
+        <p:txBody>
+          <a:bodyPr>
+            <a:normAutofit/>
+          </a:bodyPr>
+          <a:lstStyle/>
+          <a:p>
+            <a:r>
+              <a:rPr lang="en-US" dirty="0" smtClean="0">
+                <a:latin typeface="Tahoma" panose="020B0604030504040204" pitchFamily="34" charset="0"/>
+                <a:ea typeface="Tahoma" panose="020B0604030504040204" pitchFamily="34" charset="0"/>
+                <a:cs typeface="Tahoma" panose="020B0604030504040204" pitchFamily="34" charset="0"/>
+              </a:rPr>
+              <a:t>Component</a:t>
+            </a:r>
+            <a:endParaRPr lang="en-US" dirty="0">
+              <a:latin typeface="Tahoma" panose="020B0604030504040204" pitchFamily="34" charset="0"/>
+              <a:ea typeface="Tahoma" panose="020B0604030504040204" pitchFamily="34" charset="0"/>
+              <a:cs typeface="Tahoma" panose="020B0604030504040204" pitchFamily="34" charset="0"/>
+            </a:endParaRPr>
+          </a:p>
+        </p:txBody>
+      </p:sp>
+      <p:sp>
+        <p:nvSpPr>
+          <p:cNvPr id="3" name="Content Placeholder 2"/>
+          <p:cNvSpPr>
+            <a:spLocks noGrp="1"/>
+          </p:cNvSpPr>
+          <p:nvPr>
+            <p:ph idx="1"/>
+          </p:nvPr>
+        </p:nvSpPr>
+        <p:spPr/>
+        <p:txBody>
+          <a:bodyPr>
+            <a:normAutofit/>
+          </a:bodyPr>
+          <a:lstStyle/>
+          <a:p>
+            <a:r>
+              <a:rPr lang="en-US" dirty="0" smtClean="0">
+                <a:latin typeface="Tahoma" panose="020B0604030504040204" pitchFamily="34" charset="0"/>
+                <a:ea typeface="Tahoma" panose="020B0604030504040204" pitchFamily="34" charset="0"/>
+                <a:cs typeface="Tahoma" panose="020B0604030504040204" pitchFamily="34" charset="0"/>
+              </a:rPr>
+              <a:t>Ví </a:t>
+            </a:r>
+            <a:r>
+              <a:rPr lang="en-US" dirty="0" smtClean="0">
+                <a:latin typeface="Tahoma" panose="020B0604030504040204" pitchFamily="34" charset="0"/>
+                <a:ea typeface="Tahoma" panose="020B0604030504040204" pitchFamily="34" charset="0"/>
+                <a:cs typeface="Tahoma" panose="020B0604030504040204" pitchFamily="34" charset="0"/>
+              </a:rPr>
+              <a:t>dụ:</a:t>
+            </a:r>
+            <a:endParaRPr lang="vi-VN" dirty="0">
+              <a:latin typeface="Tahoma" panose="020B0604030504040204" pitchFamily="34" charset="0"/>
+              <a:ea typeface="Tahoma" panose="020B0604030504040204" pitchFamily="34" charset="0"/>
+              <a:cs typeface="Tahoma" panose="020B0604030504040204" pitchFamily="34" charset="0"/>
+            </a:endParaRPr>
+          </a:p>
+        </p:txBody>
+      </p:sp>
+      <p:sp>
+        <p:nvSpPr>
+          <p:cNvPr id="4" name="Rectangle 3"/>
+          <p:cNvSpPr/>
+          <p:nvPr/>
+        </p:nvSpPr>
+        <p:spPr>
+          <a:xfrm>
+            <a:off x="2407920" y="3317657"/>
+            <a:ext cx="7376160" cy="1815882"/>
+          </a:xfrm>
+          <a:prstGeom prst="rect">
+            <a:avLst/>
+          </a:prstGeom>
+          <a:solidFill>
+            <a:schemeClr val="tx1"/>
+          </a:solidFill>
+        </p:spPr>
+        <p:txBody>
+          <a:bodyPr>
+            <a:spAutoFit/>
+          </a:bodyPr>
+          <a:lstStyle/>
+          <a:p>
+            <a:r>
+              <a:rPr lang="en-US" sz="1400" dirty="0">
+                <a:solidFill>
+                  <a:srgbClr val="CCCCCC"/>
+                </a:solidFill>
+                <a:latin typeface="Consolas" panose="020B0609020204030204" pitchFamily="49" charset="0"/>
+              </a:rPr>
+              <a:t>    </a:t>
+            </a:r>
+            <a:r>
+              <a:rPr lang="en-US" sz="1400" dirty="0">
+                <a:solidFill>
+                  <a:srgbClr val="808080"/>
+                </a:solidFill>
+                <a:latin typeface="Consolas" panose="020B0609020204030204" pitchFamily="49" charset="0"/>
+              </a:rPr>
+              <a:t>&lt;</a:t>
+            </a:r>
+            <a:r>
+              <a:rPr lang="en-US" sz="1400" dirty="0">
+                <a:solidFill>
+                  <a:srgbClr val="569CD6"/>
+                </a:solidFill>
+                <a:latin typeface="Consolas" panose="020B0609020204030204" pitchFamily="49" charset="0"/>
+              </a:rPr>
+              <a:t>script</a:t>
+            </a:r>
+            <a:r>
+              <a:rPr lang="en-US" sz="1400" dirty="0">
+                <a:solidFill>
+                  <a:srgbClr val="D4D4D4"/>
+                </a:solidFill>
+                <a:latin typeface="Consolas" panose="020B0609020204030204" pitchFamily="49" charset="0"/>
+              </a:rPr>
+              <a:t> </a:t>
+            </a:r>
+            <a:r>
+              <a:rPr lang="en-US" sz="1400" dirty="0">
+                <a:solidFill>
+                  <a:srgbClr val="9CDCFE"/>
+                </a:solidFill>
+                <a:latin typeface="Consolas" panose="020B0609020204030204" pitchFamily="49" charset="0"/>
+              </a:rPr>
+              <a:t>type</a:t>
+            </a:r>
+            <a:r>
+              <a:rPr lang="en-US" sz="1400" dirty="0">
+                <a:solidFill>
+                  <a:srgbClr val="D4D4D4"/>
+                </a:solidFill>
+                <a:latin typeface="Consolas" panose="020B0609020204030204" pitchFamily="49" charset="0"/>
+              </a:rPr>
+              <a:t>=</a:t>
+            </a:r>
+            <a:r>
+              <a:rPr lang="en-US" sz="1400" dirty="0">
+                <a:solidFill>
+                  <a:srgbClr val="CE9178"/>
+                </a:solidFill>
+                <a:latin typeface="Consolas" panose="020B0609020204030204" pitchFamily="49" charset="0"/>
+              </a:rPr>
+              <a:t>"text/babel"</a:t>
+            </a:r>
+            <a:r>
+              <a:rPr lang="en-US" sz="1400" dirty="0">
+                <a:solidFill>
+                  <a:srgbClr val="808080"/>
+                </a:solidFill>
+                <a:latin typeface="Consolas" panose="020B0609020204030204" pitchFamily="49" charset="0"/>
+              </a:rPr>
+              <a:t>&gt;</a:t>
+            </a:r>
+            <a:endParaRPr lang="en-US" sz="1400" dirty="0">
+              <a:solidFill>
+                <a:srgbClr val="CCCCCC"/>
+              </a:solidFill>
+              <a:latin typeface="Consolas" panose="020B0609020204030204" pitchFamily="49" charset="0"/>
+            </a:endParaRPr>
+          </a:p>
+          <a:p>
+            <a:r>
+              <a:rPr lang="en-US" sz="1400" dirty="0">
+                <a:solidFill>
+                  <a:srgbClr val="D4D4D4"/>
+                </a:solidFill>
+                <a:latin typeface="Consolas" panose="020B0609020204030204" pitchFamily="49" charset="0"/>
+              </a:rPr>
+              <a:t>        </a:t>
+            </a:r>
+            <a:r>
+              <a:rPr lang="en-US" sz="1400" dirty="0">
+                <a:solidFill>
+                  <a:srgbClr val="569CD6"/>
+                </a:solidFill>
+                <a:latin typeface="Consolas" panose="020B0609020204030204" pitchFamily="49" charset="0"/>
+              </a:rPr>
+              <a:t>const</a:t>
+            </a:r>
+            <a:r>
+              <a:rPr lang="en-US" sz="1400" dirty="0">
+                <a:solidFill>
+                  <a:srgbClr val="D4D4D4"/>
+                </a:solidFill>
+                <a:latin typeface="Consolas" panose="020B0609020204030204" pitchFamily="49" charset="0"/>
+              </a:rPr>
+              <a:t> </a:t>
+            </a:r>
+            <a:r>
+              <a:rPr lang="en-US" sz="1400" dirty="0">
+                <a:solidFill>
+                  <a:srgbClr val="4FC1FF"/>
+                </a:solidFill>
+                <a:latin typeface="Consolas" panose="020B0609020204030204" pitchFamily="49" charset="0"/>
+              </a:rPr>
+              <a:t>Form</a:t>
+            </a:r>
+            <a:r>
+              <a:rPr lang="en-US" sz="1400" dirty="0">
+                <a:solidFill>
+                  <a:srgbClr val="D4D4D4"/>
+                </a:solidFill>
+                <a:latin typeface="Consolas" panose="020B0609020204030204" pitchFamily="49" charset="0"/>
+              </a:rPr>
+              <a:t> = {</a:t>
+            </a:r>
+            <a:endParaRPr lang="en-US" sz="1400" dirty="0">
+              <a:solidFill>
+                <a:srgbClr val="CCCCCC"/>
+              </a:solidFill>
+              <a:latin typeface="Consolas" panose="020B0609020204030204" pitchFamily="49" charset="0"/>
+            </a:endParaRPr>
+          </a:p>
+          <a:p>
+            <a:r>
+              <a:rPr lang="en-US" sz="1400" dirty="0">
+                <a:solidFill>
+                  <a:srgbClr val="D4D4D4"/>
+                </a:solidFill>
+                <a:latin typeface="Consolas" panose="020B0609020204030204" pitchFamily="49" charset="0"/>
+              </a:rPr>
+              <a:t>            </a:t>
+            </a:r>
+            <a:r>
+              <a:rPr lang="en-US" sz="1400" dirty="0">
+                <a:solidFill>
+                  <a:srgbClr val="DCDCAA"/>
+                </a:solidFill>
+                <a:latin typeface="Consolas" panose="020B0609020204030204" pitchFamily="49" charset="0"/>
+              </a:rPr>
+              <a:t>Text</a:t>
+            </a:r>
+            <a:r>
+              <a:rPr lang="en-US" sz="1400" dirty="0">
+                <a:solidFill>
+                  <a:srgbClr val="D4D4D4"/>
+                </a:solidFill>
+                <a:latin typeface="Consolas" panose="020B0609020204030204" pitchFamily="49" charset="0"/>
+              </a:rPr>
+              <a:t>() { </a:t>
+            </a:r>
+            <a:r>
+              <a:rPr lang="en-US" sz="1400" dirty="0">
+                <a:solidFill>
+                  <a:srgbClr val="C586C0"/>
+                </a:solidFill>
+                <a:latin typeface="Consolas" panose="020B0609020204030204" pitchFamily="49" charset="0"/>
+              </a:rPr>
+              <a:t>return</a:t>
+            </a:r>
+            <a:r>
+              <a:rPr lang="en-US" sz="1400" dirty="0">
+                <a:solidFill>
+                  <a:srgbClr val="D4D4D4"/>
+                </a:solidFill>
+                <a:latin typeface="Consolas" panose="020B0609020204030204" pitchFamily="49" charset="0"/>
+              </a:rPr>
+              <a:t> </a:t>
+            </a:r>
+            <a:r>
+              <a:rPr lang="en-US" sz="1400" dirty="0">
+                <a:solidFill>
+                  <a:srgbClr val="808080"/>
+                </a:solidFill>
+                <a:latin typeface="Consolas" panose="020B0609020204030204" pitchFamily="49" charset="0"/>
+              </a:rPr>
+              <a:t>&lt;</a:t>
+            </a:r>
+            <a:r>
+              <a:rPr lang="en-US" sz="1400" dirty="0">
+                <a:solidFill>
+                  <a:srgbClr val="569CD6"/>
+                </a:solidFill>
+                <a:latin typeface="Consolas" panose="020B0609020204030204" pitchFamily="49" charset="0"/>
+              </a:rPr>
+              <a:t>input</a:t>
+            </a:r>
+            <a:r>
+              <a:rPr lang="en-US" sz="1400" dirty="0">
+                <a:solidFill>
+                  <a:srgbClr val="D4D4D4"/>
+                </a:solidFill>
+                <a:latin typeface="Consolas" panose="020B0609020204030204" pitchFamily="49" charset="0"/>
+              </a:rPr>
+              <a:t> </a:t>
+            </a:r>
+            <a:r>
+              <a:rPr lang="en-US" sz="1400" dirty="0">
+                <a:solidFill>
+                  <a:srgbClr val="808080"/>
+                </a:solidFill>
+                <a:latin typeface="Consolas" panose="020B0609020204030204" pitchFamily="49" charset="0"/>
+              </a:rPr>
+              <a:t>/&gt;</a:t>
+            </a:r>
+            <a:r>
+              <a:rPr lang="en-US" sz="1400" dirty="0">
+                <a:solidFill>
+                  <a:srgbClr val="D4D4D4"/>
+                </a:solidFill>
+                <a:latin typeface="Consolas" panose="020B0609020204030204" pitchFamily="49" charset="0"/>
+              </a:rPr>
+              <a:t>},</a:t>
+            </a:r>
+            <a:endParaRPr lang="en-US" sz="1400" dirty="0">
+              <a:solidFill>
+                <a:srgbClr val="CCCCCC"/>
+              </a:solidFill>
+              <a:latin typeface="Consolas" panose="020B0609020204030204" pitchFamily="49" charset="0"/>
+            </a:endParaRPr>
+          </a:p>
+          <a:p>
+            <a:r>
+              <a:rPr lang="en-US" sz="1400" dirty="0">
+                <a:solidFill>
+                  <a:srgbClr val="D4D4D4"/>
+                </a:solidFill>
+                <a:latin typeface="Consolas" panose="020B0609020204030204" pitchFamily="49" charset="0"/>
+              </a:rPr>
+              <a:t>            </a:t>
+            </a:r>
+            <a:r>
+              <a:rPr lang="en-US" sz="1400" dirty="0">
+                <a:solidFill>
+                  <a:srgbClr val="DCDCAA"/>
+                </a:solidFill>
+                <a:latin typeface="Consolas" panose="020B0609020204030204" pitchFamily="49" charset="0"/>
+              </a:rPr>
+              <a:t>Checkbox</a:t>
+            </a:r>
+            <a:r>
+              <a:rPr lang="en-US" sz="1400" dirty="0">
+                <a:solidFill>
+                  <a:srgbClr val="D4D4D4"/>
+                </a:solidFill>
+                <a:latin typeface="Consolas" panose="020B0609020204030204" pitchFamily="49" charset="0"/>
+              </a:rPr>
+              <a:t>() { </a:t>
+            </a:r>
+            <a:r>
+              <a:rPr lang="en-US" sz="1400" dirty="0">
+                <a:solidFill>
+                  <a:srgbClr val="C586C0"/>
+                </a:solidFill>
+                <a:latin typeface="Consolas" panose="020B0609020204030204" pitchFamily="49" charset="0"/>
+              </a:rPr>
+              <a:t>return</a:t>
+            </a:r>
+            <a:r>
+              <a:rPr lang="en-US" sz="1400" dirty="0">
+                <a:solidFill>
+                  <a:srgbClr val="D4D4D4"/>
+                </a:solidFill>
+                <a:latin typeface="Consolas" panose="020B0609020204030204" pitchFamily="49" charset="0"/>
+              </a:rPr>
+              <a:t> </a:t>
+            </a:r>
+            <a:r>
+              <a:rPr lang="en-US" sz="1400" dirty="0">
+                <a:solidFill>
+                  <a:srgbClr val="808080"/>
+                </a:solidFill>
+                <a:latin typeface="Consolas" panose="020B0609020204030204" pitchFamily="49" charset="0"/>
+              </a:rPr>
+              <a:t>&lt;</a:t>
+            </a:r>
+            <a:r>
+              <a:rPr lang="en-US" sz="1400" dirty="0">
+                <a:solidFill>
+                  <a:srgbClr val="569CD6"/>
+                </a:solidFill>
+                <a:latin typeface="Consolas" panose="020B0609020204030204" pitchFamily="49" charset="0"/>
+              </a:rPr>
+              <a:t>input</a:t>
+            </a:r>
+            <a:r>
+              <a:rPr lang="en-US" sz="1400" dirty="0">
+                <a:solidFill>
+                  <a:srgbClr val="D4D4D4"/>
+                </a:solidFill>
+                <a:latin typeface="Consolas" panose="020B0609020204030204" pitchFamily="49" charset="0"/>
+              </a:rPr>
+              <a:t> </a:t>
+            </a:r>
+            <a:r>
+              <a:rPr lang="en-US" sz="1400" dirty="0">
+                <a:solidFill>
+                  <a:srgbClr val="9CDCFE"/>
+                </a:solidFill>
+                <a:latin typeface="Consolas" panose="020B0609020204030204" pitchFamily="49" charset="0"/>
+              </a:rPr>
+              <a:t>type</a:t>
+            </a:r>
+            <a:r>
+              <a:rPr lang="en-US" sz="1400" dirty="0">
+                <a:solidFill>
+                  <a:srgbClr val="D4D4D4"/>
+                </a:solidFill>
+                <a:latin typeface="Consolas" panose="020B0609020204030204" pitchFamily="49" charset="0"/>
+              </a:rPr>
+              <a:t>=</a:t>
+            </a:r>
+            <a:r>
+              <a:rPr lang="en-US" sz="1400" dirty="0">
+                <a:solidFill>
+                  <a:srgbClr val="CE9178"/>
+                </a:solidFill>
+                <a:latin typeface="Consolas" panose="020B0609020204030204" pitchFamily="49" charset="0"/>
+              </a:rPr>
+              <a:t>"checkbox"</a:t>
+            </a:r>
+            <a:r>
+              <a:rPr lang="en-US" sz="1400" dirty="0">
+                <a:solidFill>
+                  <a:srgbClr val="D4D4D4"/>
+                </a:solidFill>
+                <a:latin typeface="Consolas" panose="020B0609020204030204" pitchFamily="49" charset="0"/>
+              </a:rPr>
+              <a:t> </a:t>
+            </a:r>
+            <a:r>
+              <a:rPr lang="en-US" sz="1400" dirty="0">
+                <a:solidFill>
+                  <a:srgbClr val="808080"/>
+                </a:solidFill>
+                <a:latin typeface="Consolas" panose="020B0609020204030204" pitchFamily="49" charset="0"/>
+              </a:rPr>
+              <a:t>/&gt;</a:t>
+            </a:r>
+            <a:r>
+              <a:rPr lang="en-US" sz="1400" dirty="0">
+                <a:solidFill>
+                  <a:srgbClr val="D4D4D4"/>
+                </a:solidFill>
+                <a:latin typeface="Consolas" panose="020B0609020204030204" pitchFamily="49" charset="0"/>
+              </a:rPr>
+              <a:t>; },</a:t>
+            </a:r>
+            <a:endParaRPr lang="en-US" sz="1400" dirty="0">
+              <a:solidFill>
+                <a:srgbClr val="CCCCCC"/>
+              </a:solidFill>
+              <a:latin typeface="Consolas" panose="020B0609020204030204" pitchFamily="49" charset="0"/>
+            </a:endParaRPr>
+          </a:p>
+          <a:p>
+            <a:r>
+              <a:rPr lang="en-US" sz="1400" dirty="0">
+                <a:solidFill>
+                  <a:srgbClr val="D4D4D4"/>
+                </a:solidFill>
+                <a:latin typeface="Consolas" panose="020B0609020204030204" pitchFamily="49" charset="0"/>
+              </a:rPr>
+              <a:t>            </a:t>
+            </a:r>
+            <a:r>
+              <a:rPr lang="en-US" sz="1400" dirty="0">
+                <a:solidFill>
+                  <a:srgbClr val="DCDCAA"/>
+                </a:solidFill>
+                <a:latin typeface="Consolas" panose="020B0609020204030204" pitchFamily="49" charset="0"/>
+              </a:rPr>
+              <a:t>Button</a:t>
+            </a:r>
+            <a:r>
+              <a:rPr lang="en-US" sz="1400" dirty="0">
+                <a:solidFill>
+                  <a:srgbClr val="D4D4D4"/>
+                </a:solidFill>
+                <a:latin typeface="Consolas" panose="020B0609020204030204" pitchFamily="49" charset="0"/>
+              </a:rPr>
+              <a:t>({</a:t>
+            </a:r>
+            <a:r>
+              <a:rPr lang="en-US" sz="1400" dirty="0">
+                <a:solidFill>
+                  <a:srgbClr val="9CDCFE"/>
+                </a:solidFill>
+                <a:latin typeface="Consolas" panose="020B0609020204030204" pitchFamily="49" charset="0"/>
+              </a:rPr>
+              <a:t>text</a:t>
+            </a:r>
+            <a:r>
+              <a:rPr lang="en-US" sz="1400" dirty="0">
+                <a:solidFill>
+                  <a:srgbClr val="D4D4D4"/>
+                </a:solidFill>
+                <a:latin typeface="Consolas" panose="020B0609020204030204" pitchFamily="49" charset="0"/>
+              </a:rPr>
+              <a:t> = </a:t>
+            </a:r>
+            <a:r>
+              <a:rPr lang="en-US" sz="1400" dirty="0">
+                <a:solidFill>
+                  <a:srgbClr val="CE9178"/>
+                </a:solidFill>
+                <a:latin typeface="Consolas" panose="020B0609020204030204" pitchFamily="49" charset="0"/>
+              </a:rPr>
+              <a:t>"Button"</a:t>
+            </a:r>
+            <a:r>
+              <a:rPr lang="en-US" sz="1400" dirty="0">
+                <a:solidFill>
+                  <a:srgbClr val="D4D4D4"/>
+                </a:solidFill>
+                <a:latin typeface="Consolas" panose="020B0609020204030204" pitchFamily="49" charset="0"/>
+              </a:rPr>
+              <a:t>}) { </a:t>
+            </a:r>
+            <a:r>
+              <a:rPr lang="en-US" sz="1400" dirty="0">
+                <a:solidFill>
+                  <a:srgbClr val="C586C0"/>
+                </a:solidFill>
+                <a:latin typeface="Consolas" panose="020B0609020204030204" pitchFamily="49" charset="0"/>
+              </a:rPr>
+              <a:t>return</a:t>
+            </a:r>
+            <a:r>
+              <a:rPr lang="en-US" sz="1400" dirty="0">
+                <a:solidFill>
+                  <a:srgbClr val="D4D4D4"/>
+                </a:solidFill>
+                <a:latin typeface="Consolas" panose="020B0609020204030204" pitchFamily="49" charset="0"/>
+              </a:rPr>
+              <a:t> </a:t>
+            </a:r>
+            <a:r>
+              <a:rPr lang="en-US" sz="1400" dirty="0">
+                <a:solidFill>
+                  <a:srgbClr val="808080"/>
+                </a:solidFill>
+                <a:latin typeface="Consolas" panose="020B0609020204030204" pitchFamily="49" charset="0"/>
+              </a:rPr>
+              <a:t>&lt;</a:t>
+            </a:r>
+            <a:r>
+              <a:rPr lang="en-US" sz="1400" dirty="0">
+                <a:solidFill>
+                  <a:srgbClr val="569CD6"/>
+                </a:solidFill>
+                <a:latin typeface="Consolas" panose="020B0609020204030204" pitchFamily="49" charset="0"/>
+              </a:rPr>
+              <a:t>button</a:t>
+            </a:r>
+            <a:r>
+              <a:rPr lang="en-US" sz="1400" dirty="0">
+                <a:solidFill>
+                  <a:srgbClr val="808080"/>
+                </a:solidFill>
+                <a:latin typeface="Consolas" panose="020B0609020204030204" pitchFamily="49" charset="0"/>
+              </a:rPr>
+              <a:t>&gt;</a:t>
+            </a:r>
+            <a:r>
+              <a:rPr lang="en-US" sz="1400" dirty="0">
+                <a:solidFill>
+                  <a:srgbClr val="569CD6"/>
+                </a:solidFill>
+                <a:latin typeface="Consolas" panose="020B0609020204030204" pitchFamily="49" charset="0"/>
+              </a:rPr>
+              <a:t>{</a:t>
+            </a:r>
+            <a:r>
+              <a:rPr lang="en-US" sz="1400" dirty="0">
+                <a:solidFill>
+                  <a:srgbClr val="9CDCFE"/>
+                </a:solidFill>
+                <a:latin typeface="Consolas" panose="020B0609020204030204" pitchFamily="49" charset="0"/>
+              </a:rPr>
+              <a:t>text</a:t>
+            </a:r>
+            <a:r>
+              <a:rPr lang="en-US" sz="1400" dirty="0">
+                <a:solidFill>
+                  <a:srgbClr val="569CD6"/>
+                </a:solidFill>
+                <a:latin typeface="Consolas" panose="020B0609020204030204" pitchFamily="49" charset="0"/>
+              </a:rPr>
+              <a:t>}</a:t>
+            </a:r>
+            <a:r>
+              <a:rPr lang="en-US" sz="1400" dirty="0">
+                <a:solidFill>
+                  <a:srgbClr val="808080"/>
+                </a:solidFill>
+                <a:latin typeface="Consolas" panose="020B0609020204030204" pitchFamily="49" charset="0"/>
+              </a:rPr>
+              <a:t>&lt;/</a:t>
+            </a:r>
+            <a:r>
+              <a:rPr lang="en-US" sz="1400" dirty="0">
+                <a:solidFill>
+                  <a:srgbClr val="569CD6"/>
+                </a:solidFill>
+                <a:latin typeface="Consolas" panose="020B0609020204030204" pitchFamily="49" charset="0"/>
+              </a:rPr>
+              <a:t>button</a:t>
+            </a:r>
+            <a:r>
+              <a:rPr lang="en-US" sz="1400" dirty="0">
+                <a:solidFill>
+                  <a:srgbClr val="808080"/>
+                </a:solidFill>
+                <a:latin typeface="Consolas" panose="020B0609020204030204" pitchFamily="49" charset="0"/>
+              </a:rPr>
+              <a:t>&gt;</a:t>
+            </a:r>
+            <a:r>
+              <a:rPr lang="en-US" sz="1400" dirty="0">
+                <a:solidFill>
+                  <a:srgbClr val="D4D4D4"/>
+                </a:solidFill>
+                <a:latin typeface="Consolas" panose="020B0609020204030204" pitchFamily="49" charset="0"/>
+              </a:rPr>
+              <a:t>}</a:t>
+            </a:r>
+            <a:endParaRPr lang="en-US" sz="1400" dirty="0">
+              <a:solidFill>
+                <a:srgbClr val="CCCCCC"/>
+              </a:solidFill>
+              <a:latin typeface="Consolas" panose="020B0609020204030204" pitchFamily="49" charset="0"/>
+            </a:endParaRPr>
+          </a:p>
+          <a:p>
+            <a:r>
+              <a:rPr lang="en-US" sz="1400" dirty="0">
+                <a:solidFill>
+                  <a:srgbClr val="D4D4D4"/>
+                </a:solidFill>
+                <a:latin typeface="Consolas" panose="020B0609020204030204" pitchFamily="49" charset="0"/>
+              </a:rPr>
+              <a:t>        }</a:t>
+            </a:r>
+            <a:endParaRPr lang="en-US" sz="1400" dirty="0">
+              <a:solidFill>
+                <a:srgbClr val="CCCCCC"/>
+              </a:solidFill>
+              <a:latin typeface="Consolas" panose="020B0609020204030204" pitchFamily="49" charset="0"/>
+            </a:endParaRPr>
+          </a:p>
+          <a:p>
+            <a:r>
+              <a:rPr lang="en-US" sz="1400" dirty="0">
+                <a:solidFill>
+                  <a:srgbClr val="D4D4D4"/>
+                </a:solidFill>
+                <a:latin typeface="Consolas" panose="020B0609020204030204" pitchFamily="49" charset="0"/>
+              </a:rPr>
+              <a:t>        </a:t>
+            </a:r>
+            <a:r>
+              <a:rPr lang="en-US" sz="1400" dirty="0">
+                <a:solidFill>
+                  <a:srgbClr val="9CDCFE"/>
+                </a:solidFill>
+                <a:latin typeface="Consolas" panose="020B0609020204030204" pitchFamily="49" charset="0"/>
+              </a:rPr>
+              <a:t>ReactDOM</a:t>
+            </a:r>
+            <a:r>
+              <a:rPr lang="en-US" sz="1400" dirty="0">
+                <a:solidFill>
+                  <a:srgbClr val="D4D4D4"/>
+                </a:solidFill>
+                <a:latin typeface="Consolas" panose="020B0609020204030204" pitchFamily="49" charset="0"/>
+              </a:rPr>
+              <a:t>.</a:t>
+            </a:r>
+            <a:r>
+              <a:rPr lang="en-US" sz="1400" dirty="0">
+                <a:solidFill>
+                  <a:srgbClr val="DCDCAA"/>
+                </a:solidFill>
+                <a:latin typeface="Consolas" panose="020B0609020204030204" pitchFamily="49" charset="0"/>
+              </a:rPr>
+              <a:t>createRoot</a:t>
+            </a:r>
+            <a:r>
+              <a:rPr lang="en-US" sz="1400" dirty="0">
+                <a:solidFill>
+                  <a:srgbClr val="D4D4D4"/>
+                </a:solidFill>
+                <a:latin typeface="Consolas" panose="020B0609020204030204" pitchFamily="49" charset="0"/>
+              </a:rPr>
+              <a:t>(</a:t>
+            </a:r>
+            <a:r>
+              <a:rPr lang="en-US" sz="1400" dirty="0">
+                <a:solidFill>
+                  <a:srgbClr val="9CDCFE"/>
+                </a:solidFill>
+                <a:latin typeface="Consolas" panose="020B0609020204030204" pitchFamily="49" charset="0"/>
+              </a:rPr>
+              <a:t>main</a:t>
+            </a:r>
+            <a:r>
+              <a:rPr lang="en-US" sz="1400" dirty="0">
+                <a:solidFill>
+                  <a:srgbClr val="D4D4D4"/>
+                </a:solidFill>
+                <a:latin typeface="Consolas" panose="020B0609020204030204" pitchFamily="49" charset="0"/>
+              </a:rPr>
+              <a:t>).</a:t>
+            </a:r>
+            <a:r>
+              <a:rPr lang="en-US" sz="1400" dirty="0">
+                <a:solidFill>
+                  <a:srgbClr val="DCDCAA"/>
+                </a:solidFill>
+                <a:latin typeface="Consolas" panose="020B0609020204030204" pitchFamily="49" charset="0"/>
+              </a:rPr>
+              <a:t>render</a:t>
+            </a:r>
+            <a:r>
+              <a:rPr lang="en-US" sz="1400" dirty="0">
+                <a:solidFill>
+                  <a:srgbClr val="D4D4D4"/>
+                </a:solidFill>
+                <a:latin typeface="Consolas" panose="020B0609020204030204" pitchFamily="49" charset="0"/>
+              </a:rPr>
+              <a:t>(</a:t>
+            </a:r>
+            <a:r>
+              <a:rPr lang="en-US" sz="1400" dirty="0">
+                <a:solidFill>
+                  <a:srgbClr val="808080"/>
+                </a:solidFill>
+                <a:latin typeface="Consolas" panose="020B0609020204030204" pitchFamily="49" charset="0"/>
+              </a:rPr>
+              <a:t>&lt;</a:t>
+            </a:r>
+            <a:r>
+              <a:rPr lang="en-US" sz="1400" dirty="0">
+                <a:solidFill>
+                  <a:srgbClr val="4EC9B0"/>
+                </a:solidFill>
+                <a:latin typeface="Consolas" panose="020B0609020204030204" pitchFamily="49" charset="0"/>
+              </a:rPr>
+              <a:t>Form.Button</a:t>
+            </a:r>
+            <a:r>
+              <a:rPr lang="en-US" sz="1400" dirty="0">
+                <a:solidFill>
+                  <a:srgbClr val="D4D4D4"/>
+                </a:solidFill>
+                <a:latin typeface="Consolas" panose="020B0609020204030204" pitchFamily="49" charset="0"/>
+              </a:rPr>
+              <a:t> </a:t>
+            </a:r>
+            <a:r>
+              <a:rPr lang="en-US" sz="1400" dirty="0">
+                <a:solidFill>
+                  <a:srgbClr val="808080"/>
+                </a:solidFill>
+                <a:latin typeface="Consolas" panose="020B0609020204030204" pitchFamily="49" charset="0"/>
+              </a:rPr>
+              <a:t>/&gt;</a:t>
+            </a:r>
+            <a:r>
+              <a:rPr lang="en-US" sz="1400" dirty="0">
+                <a:solidFill>
+                  <a:srgbClr val="D4D4D4"/>
+                </a:solidFill>
+                <a:latin typeface="Consolas" panose="020B0609020204030204" pitchFamily="49" charset="0"/>
+              </a:rPr>
+              <a:t>);</a:t>
+            </a:r>
+            <a:endParaRPr lang="en-US" sz="1400" dirty="0">
+              <a:solidFill>
+                <a:srgbClr val="CCCCCC"/>
+              </a:solidFill>
+              <a:latin typeface="Consolas" panose="020B0609020204030204" pitchFamily="49" charset="0"/>
+            </a:endParaRPr>
+          </a:p>
+          <a:p>
+            <a:r>
+              <a:rPr lang="en-US" sz="1400" dirty="0">
+                <a:solidFill>
+                  <a:srgbClr val="D4D4D4"/>
+                </a:solidFill>
+                <a:latin typeface="Consolas" panose="020B0609020204030204" pitchFamily="49" charset="0"/>
+              </a:rPr>
+              <a:t>    </a:t>
+            </a:r>
+            <a:r>
+              <a:rPr lang="en-US" sz="1400" dirty="0">
+                <a:solidFill>
+                  <a:srgbClr val="808080"/>
+                </a:solidFill>
+                <a:latin typeface="Consolas" panose="020B0609020204030204" pitchFamily="49" charset="0"/>
+              </a:rPr>
+              <a:t>&lt;/</a:t>
+            </a:r>
+            <a:r>
+              <a:rPr lang="en-US" sz="1400" dirty="0">
+                <a:solidFill>
+                  <a:srgbClr val="569CD6"/>
+                </a:solidFill>
+                <a:latin typeface="Consolas" panose="020B0609020204030204" pitchFamily="49" charset="0"/>
+              </a:rPr>
+              <a:t>script</a:t>
+            </a:r>
+            <a:r>
+              <a:rPr lang="en-US" sz="1400" dirty="0" smtClean="0">
+                <a:solidFill>
+                  <a:srgbClr val="808080"/>
+                </a:solidFill>
+                <a:latin typeface="Consolas" panose="020B0609020204030204" pitchFamily="49" charset="0"/>
+              </a:rPr>
+              <a:t>&gt;</a:t>
+            </a:r>
+          </a:p>
+        </p:txBody>
+      </p:sp>
+      <p:pic>
+        <p:nvPicPr>
+          <p:cNvPr id="5" name="Picture 4"/>
+          <p:cNvPicPr>
+            <a:picLocks noChangeAspect="1"/>
+          </p:cNvPicPr>
+          <p:nvPr/>
+        </p:nvPicPr>
+        <p:blipFill>
+          <a:blip r:embed="rId2"/>
+          <a:stretch>
+            <a:fillRect/>
+          </a:stretch>
+        </p:blipFill>
+        <p:spPr>
+          <a:xfrm>
+            <a:off x="4967287" y="5283097"/>
+            <a:ext cx="2257425" cy="638175"/>
+          </a:xfrm>
+          <a:prstGeom prst="rect">
+            <a:avLst/>
+          </a:prstGeom>
+        </p:spPr>
+      </p:pic>
+    </p:spTree>
+    <p:extLst>
+      <p:ext uri="{BB962C8B-B14F-4D97-AF65-F5344CB8AC3E}">
+        <p14:creationId xmlns:p14="http://schemas.microsoft.com/office/powerpoint/2010/main" val="2038584237"/>
+      </p:ext>
+    </p:extLst>
+  </p:cSld>
+  <p:clrMapOvr>
+    <a:masterClrMapping/>
+  </p:clrMapOvr>
+</p:sld>
+</file>
+
+<file path=ppt/slides/slide9.xml><?xml version="1.0" encoding="utf-8"?>
+<p:sld xmlns:a="http://schemas.openxmlformats.org/drawingml/2006/main" xmlns:r="http://schemas.openxmlformats.org/officeDocument/2006/relationships" xmlns:p="http://schemas.openxmlformats.org/presentationml/2006/main">
+  <p:cSld>
+    <p:spTree>
+      <p:nvGrpSpPr>
+        <p:cNvPr id="1" name=""/>
+        <p:cNvGrpSpPr/>
+        <p:nvPr/>
+      </p:nvGrpSpPr>
+      <p:grpSpPr>
+        <a:xfrm>
+          <a:off x="0" y="0"/>
+          <a:ext cx="0" cy="0"/>
+          <a:chOff x="0" y="0"/>
+          <a:chExt cx="0" cy="0"/>
+        </a:xfrm>
+      </p:grpSpPr>
+      <p:sp>
+        <p:nvSpPr>
+          <p:cNvPr id="2" name="Title 1"/>
+          <p:cNvSpPr>
+            <a:spLocks noGrp="1"/>
+          </p:cNvSpPr>
+          <p:nvPr>
+            <p:ph type="title"/>
+          </p:nvPr>
+        </p:nvSpPr>
+        <p:spPr/>
+        <p:txBody>
+          <a:bodyPr>
+            <a:normAutofit/>
+          </a:bodyPr>
+          <a:lstStyle/>
+          <a:p>
+            <a:r>
+              <a:rPr lang="en-US" dirty="0" smtClean="0">
+                <a:latin typeface="Tahoma" panose="020B0604030504040204" pitchFamily="34" charset="0"/>
+                <a:ea typeface="Tahoma" panose="020B0604030504040204" pitchFamily="34" charset="0"/>
+                <a:cs typeface="Tahoma" panose="020B0604030504040204" pitchFamily="34" charset="0"/>
+              </a:rPr>
+              <a:t>Component</a:t>
+            </a:r>
+            <a:endParaRPr lang="en-US" dirty="0">
+              <a:latin typeface="Tahoma" panose="020B0604030504040204" pitchFamily="34" charset="0"/>
+              <a:ea typeface="Tahoma" panose="020B0604030504040204" pitchFamily="34" charset="0"/>
+              <a:cs typeface="Tahoma" panose="020B0604030504040204" pitchFamily="34" charset="0"/>
+            </a:endParaRPr>
+          </a:p>
+        </p:txBody>
+      </p:sp>
+      <p:sp>
+        <p:nvSpPr>
+          <p:cNvPr id="3" name="Content Placeholder 2"/>
+          <p:cNvSpPr>
+            <a:spLocks noGrp="1"/>
+          </p:cNvSpPr>
+          <p:nvPr>
+            <p:ph idx="1"/>
+          </p:nvPr>
+        </p:nvSpPr>
+        <p:spPr/>
+        <p:txBody>
+          <a:bodyPr>
+            <a:normAutofit/>
+          </a:bodyPr>
+          <a:lstStyle/>
+          <a:p>
+            <a:r>
+              <a:rPr lang="en-US" dirty="0" smtClean="0">
+                <a:latin typeface="Tahoma" panose="020B0604030504040204" pitchFamily="34" charset="0"/>
+                <a:ea typeface="Tahoma" panose="020B0604030504040204" pitchFamily="34" charset="0"/>
+                <a:cs typeface="Tahoma" panose="020B0604030504040204" pitchFamily="34" charset="0"/>
+              </a:rPr>
+              <a:t>Ví </a:t>
+            </a:r>
+            <a:r>
+              <a:rPr lang="en-US" dirty="0" smtClean="0">
+                <a:latin typeface="Tahoma" panose="020B0604030504040204" pitchFamily="34" charset="0"/>
+                <a:ea typeface="Tahoma" panose="020B0604030504040204" pitchFamily="34" charset="0"/>
+                <a:cs typeface="Tahoma" panose="020B0604030504040204" pitchFamily="34" charset="0"/>
+              </a:rPr>
+              <a:t>dụ:</a:t>
+            </a:r>
+            <a:endParaRPr lang="vi-VN" dirty="0">
+              <a:latin typeface="Tahoma" panose="020B0604030504040204" pitchFamily="34" charset="0"/>
+              <a:ea typeface="Tahoma" panose="020B0604030504040204" pitchFamily="34" charset="0"/>
+              <a:cs typeface="Tahoma" panose="020B0604030504040204" pitchFamily="34" charset="0"/>
+            </a:endParaRPr>
+          </a:p>
+        </p:txBody>
+      </p:sp>
+      <p:sp>
+        <p:nvSpPr>
+          <p:cNvPr id="4" name="Rectangle 3"/>
+          <p:cNvSpPr/>
+          <p:nvPr/>
+        </p:nvSpPr>
+        <p:spPr>
+          <a:xfrm>
+            <a:off x="2407920" y="3317657"/>
+            <a:ext cx="7376160" cy="1815882"/>
+          </a:xfrm>
+          <a:prstGeom prst="rect">
+            <a:avLst/>
+          </a:prstGeom>
+          <a:solidFill>
+            <a:schemeClr val="tx1"/>
+          </a:solidFill>
+        </p:spPr>
+        <p:txBody>
+          <a:bodyPr>
+            <a:spAutoFit/>
+          </a:bodyPr>
+          <a:lstStyle/>
+          <a:p>
+            <a:r>
+              <a:rPr lang="en-US" sz="1400" dirty="0">
+                <a:solidFill>
+                  <a:srgbClr val="CCCCCC"/>
+                </a:solidFill>
+                <a:latin typeface="Consolas" panose="020B0609020204030204" pitchFamily="49" charset="0"/>
+              </a:rPr>
+              <a:t>    </a:t>
+            </a:r>
+            <a:r>
+              <a:rPr lang="en-US" sz="1400" dirty="0">
+                <a:solidFill>
+                  <a:srgbClr val="808080"/>
+                </a:solidFill>
+                <a:latin typeface="Consolas" panose="020B0609020204030204" pitchFamily="49" charset="0"/>
+              </a:rPr>
+              <a:t>&lt;</a:t>
+            </a:r>
+            <a:r>
+              <a:rPr lang="en-US" sz="1400" dirty="0">
+                <a:solidFill>
+                  <a:srgbClr val="569CD6"/>
+                </a:solidFill>
+                <a:latin typeface="Consolas" panose="020B0609020204030204" pitchFamily="49" charset="0"/>
+              </a:rPr>
+              <a:t>script</a:t>
+            </a:r>
+            <a:r>
+              <a:rPr lang="en-US" sz="1400" dirty="0">
+                <a:solidFill>
+                  <a:srgbClr val="D4D4D4"/>
+                </a:solidFill>
+                <a:latin typeface="Consolas" panose="020B0609020204030204" pitchFamily="49" charset="0"/>
+              </a:rPr>
+              <a:t> </a:t>
+            </a:r>
+            <a:r>
+              <a:rPr lang="en-US" sz="1400" dirty="0">
+                <a:solidFill>
+                  <a:srgbClr val="9CDCFE"/>
+                </a:solidFill>
+                <a:latin typeface="Consolas" panose="020B0609020204030204" pitchFamily="49" charset="0"/>
+              </a:rPr>
+              <a:t>type</a:t>
+            </a:r>
+            <a:r>
+              <a:rPr lang="en-US" sz="1400" dirty="0">
+                <a:solidFill>
+                  <a:srgbClr val="D4D4D4"/>
+                </a:solidFill>
+                <a:latin typeface="Consolas" panose="020B0609020204030204" pitchFamily="49" charset="0"/>
+              </a:rPr>
+              <a:t>=</a:t>
+            </a:r>
+            <a:r>
+              <a:rPr lang="en-US" sz="1400" dirty="0">
+                <a:solidFill>
+                  <a:srgbClr val="CE9178"/>
+                </a:solidFill>
+                <a:latin typeface="Consolas" panose="020B0609020204030204" pitchFamily="49" charset="0"/>
+              </a:rPr>
+              <a:t>"text/babel"</a:t>
+            </a:r>
+            <a:r>
+              <a:rPr lang="en-US" sz="1400" dirty="0">
+                <a:solidFill>
+                  <a:srgbClr val="808080"/>
+                </a:solidFill>
+                <a:latin typeface="Consolas" panose="020B0609020204030204" pitchFamily="49" charset="0"/>
+              </a:rPr>
+              <a:t>&gt;</a:t>
+            </a:r>
+            <a:endParaRPr lang="en-US" sz="1400" dirty="0">
+              <a:solidFill>
+                <a:srgbClr val="CCCCCC"/>
+              </a:solidFill>
+              <a:latin typeface="Consolas" panose="020B0609020204030204" pitchFamily="49" charset="0"/>
+            </a:endParaRPr>
+          </a:p>
+          <a:p>
+            <a:r>
+              <a:rPr lang="en-US" sz="1400" dirty="0">
+                <a:solidFill>
+                  <a:srgbClr val="D4D4D4"/>
+                </a:solidFill>
+                <a:latin typeface="Consolas" panose="020B0609020204030204" pitchFamily="49" charset="0"/>
+              </a:rPr>
+              <a:t>        </a:t>
+            </a:r>
+            <a:r>
+              <a:rPr lang="en-US" sz="1400" dirty="0">
+                <a:solidFill>
+                  <a:srgbClr val="569CD6"/>
+                </a:solidFill>
+                <a:latin typeface="Consolas" panose="020B0609020204030204" pitchFamily="49" charset="0"/>
+              </a:rPr>
+              <a:t>const</a:t>
+            </a:r>
+            <a:r>
+              <a:rPr lang="en-US" sz="1400" dirty="0">
+                <a:solidFill>
+                  <a:srgbClr val="D4D4D4"/>
+                </a:solidFill>
+                <a:latin typeface="Consolas" panose="020B0609020204030204" pitchFamily="49" charset="0"/>
+              </a:rPr>
+              <a:t> </a:t>
+            </a:r>
+            <a:r>
+              <a:rPr lang="en-US" sz="1400" dirty="0">
+                <a:solidFill>
+                  <a:srgbClr val="4FC1FF"/>
+                </a:solidFill>
+                <a:latin typeface="Consolas" panose="020B0609020204030204" pitchFamily="49" charset="0"/>
+              </a:rPr>
+              <a:t>Form</a:t>
+            </a:r>
+            <a:r>
+              <a:rPr lang="en-US" sz="1400" dirty="0">
+                <a:solidFill>
+                  <a:srgbClr val="D4D4D4"/>
+                </a:solidFill>
+                <a:latin typeface="Consolas" panose="020B0609020204030204" pitchFamily="49" charset="0"/>
+              </a:rPr>
+              <a:t> = {</a:t>
+            </a:r>
+            <a:endParaRPr lang="en-US" sz="1400" dirty="0">
+              <a:solidFill>
+                <a:srgbClr val="CCCCCC"/>
+              </a:solidFill>
+              <a:latin typeface="Consolas" panose="020B0609020204030204" pitchFamily="49" charset="0"/>
+            </a:endParaRPr>
+          </a:p>
+          <a:p>
+            <a:r>
+              <a:rPr lang="en-US" sz="1400" dirty="0">
+                <a:solidFill>
+                  <a:srgbClr val="D4D4D4"/>
+                </a:solidFill>
+                <a:latin typeface="Consolas" panose="020B0609020204030204" pitchFamily="49" charset="0"/>
+              </a:rPr>
+              <a:t>            </a:t>
+            </a:r>
+            <a:r>
+              <a:rPr lang="en-US" sz="1400" dirty="0">
+                <a:solidFill>
+                  <a:srgbClr val="DCDCAA"/>
+                </a:solidFill>
+                <a:latin typeface="Consolas" panose="020B0609020204030204" pitchFamily="49" charset="0"/>
+              </a:rPr>
+              <a:t>Text</a:t>
+            </a:r>
+            <a:r>
+              <a:rPr lang="en-US" sz="1400" dirty="0">
+                <a:solidFill>
+                  <a:srgbClr val="D4D4D4"/>
+                </a:solidFill>
+                <a:latin typeface="Consolas" panose="020B0609020204030204" pitchFamily="49" charset="0"/>
+              </a:rPr>
+              <a:t>() { </a:t>
+            </a:r>
+            <a:r>
+              <a:rPr lang="en-US" sz="1400" dirty="0">
+                <a:solidFill>
+                  <a:srgbClr val="C586C0"/>
+                </a:solidFill>
+                <a:latin typeface="Consolas" panose="020B0609020204030204" pitchFamily="49" charset="0"/>
+              </a:rPr>
+              <a:t>return</a:t>
+            </a:r>
+            <a:r>
+              <a:rPr lang="en-US" sz="1400" dirty="0">
+                <a:solidFill>
+                  <a:srgbClr val="D4D4D4"/>
+                </a:solidFill>
+                <a:latin typeface="Consolas" panose="020B0609020204030204" pitchFamily="49" charset="0"/>
+              </a:rPr>
+              <a:t> </a:t>
+            </a:r>
+            <a:r>
+              <a:rPr lang="en-US" sz="1400" dirty="0">
+                <a:solidFill>
+                  <a:srgbClr val="808080"/>
+                </a:solidFill>
+                <a:latin typeface="Consolas" panose="020B0609020204030204" pitchFamily="49" charset="0"/>
+              </a:rPr>
+              <a:t>&lt;</a:t>
+            </a:r>
+            <a:r>
+              <a:rPr lang="en-US" sz="1400" dirty="0">
+                <a:solidFill>
+                  <a:srgbClr val="569CD6"/>
+                </a:solidFill>
+                <a:latin typeface="Consolas" panose="020B0609020204030204" pitchFamily="49" charset="0"/>
+              </a:rPr>
+              <a:t>input</a:t>
+            </a:r>
+            <a:r>
+              <a:rPr lang="en-US" sz="1400" dirty="0">
+                <a:solidFill>
+                  <a:srgbClr val="D4D4D4"/>
+                </a:solidFill>
+                <a:latin typeface="Consolas" panose="020B0609020204030204" pitchFamily="49" charset="0"/>
+              </a:rPr>
+              <a:t> </a:t>
+            </a:r>
+            <a:r>
+              <a:rPr lang="en-US" sz="1400" dirty="0">
+                <a:solidFill>
+                  <a:srgbClr val="808080"/>
+                </a:solidFill>
+                <a:latin typeface="Consolas" panose="020B0609020204030204" pitchFamily="49" charset="0"/>
+              </a:rPr>
+              <a:t>/&gt;</a:t>
+            </a:r>
+            <a:r>
+              <a:rPr lang="en-US" sz="1400" dirty="0">
+                <a:solidFill>
+                  <a:srgbClr val="D4D4D4"/>
+                </a:solidFill>
+                <a:latin typeface="Consolas" panose="020B0609020204030204" pitchFamily="49" charset="0"/>
+              </a:rPr>
+              <a:t>},</a:t>
+            </a:r>
+            <a:endParaRPr lang="en-US" sz="1400" dirty="0">
+              <a:solidFill>
+                <a:srgbClr val="CCCCCC"/>
+              </a:solidFill>
+              <a:latin typeface="Consolas" panose="020B0609020204030204" pitchFamily="49" charset="0"/>
+            </a:endParaRPr>
+          </a:p>
+          <a:p>
+            <a:r>
+              <a:rPr lang="en-US" sz="1400" dirty="0">
+                <a:solidFill>
+                  <a:srgbClr val="D4D4D4"/>
+                </a:solidFill>
+                <a:latin typeface="Consolas" panose="020B0609020204030204" pitchFamily="49" charset="0"/>
+              </a:rPr>
+              <a:t>            </a:t>
+            </a:r>
+            <a:r>
+              <a:rPr lang="en-US" sz="1400" dirty="0">
+                <a:solidFill>
+                  <a:srgbClr val="DCDCAA"/>
+                </a:solidFill>
+                <a:latin typeface="Consolas" panose="020B0609020204030204" pitchFamily="49" charset="0"/>
+              </a:rPr>
+              <a:t>Checkbox</a:t>
+            </a:r>
+            <a:r>
+              <a:rPr lang="en-US" sz="1400" dirty="0">
+                <a:solidFill>
+                  <a:srgbClr val="D4D4D4"/>
+                </a:solidFill>
+                <a:latin typeface="Consolas" panose="020B0609020204030204" pitchFamily="49" charset="0"/>
+              </a:rPr>
+              <a:t>() { </a:t>
+            </a:r>
+            <a:r>
+              <a:rPr lang="en-US" sz="1400" dirty="0">
+                <a:solidFill>
+                  <a:srgbClr val="C586C0"/>
+                </a:solidFill>
+                <a:latin typeface="Consolas" panose="020B0609020204030204" pitchFamily="49" charset="0"/>
+              </a:rPr>
+              <a:t>return</a:t>
+            </a:r>
+            <a:r>
+              <a:rPr lang="en-US" sz="1400" dirty="0">
+                <a:solidFill>
+                  <a:srgbClr val="D4D4D4"/>
+                </a:solidFill>
+                <a:latin typeface="Consolas" panose="020B0609020204030204" pitchFamily="49" charset="0"/>
+              </a:rPr>
+              <a:t> </a:t>
+            </a:r>
+            <a:r>
+              <a:rPr lang="en-US" sz="1400" dirty="0">
+                <a:solidFill>
+                  <a:srgbClr val="808080"/>
+                </a:solidFill>
+                <a:latin typeface="Consolas" panose="020B0609020204030204" pitchFamily="49" charset="0"/>
+              </a:rPr>
+              <a:t>&lt;</a:t>
+            </a:r>
+            <a:r>
+              <a:rPr lang="en-US" sz="1400" dirty="0">
+                <a:solidFill>
+                  <a:srgbClr val="569CD6"/>
+                </a:solidFill>
+                <a:latin typeface="Consolas" panose="020B0609020204030204" pitchFamily="49" charset="0"/>
+              </a:rPr>
+              <a:t>input</a:t>
+            </a:r>
+            <a:r>
+              <a:rPr lang="en-US" sz="1400" dirty="0">
+                <a:solidFill>
+                  <a:srgbClr val="D4D4D4"/>
+                </a:solidFill>
+                <a:latin typeface="Consolas" panose="020B0609020204030204" pitchFamily="49" charset="0"/>
+              </a:rPr>
+              <a:t> </a:t>
+            </a:r>
+            <a:r>
+              <a:rPr lang="en-US" sz="1400" dirty="0">
+                <a:solidFill>
+                  <a:srgbClr val="9CDCFE"/>
+                </a:solidFill>
+                <a:latin typeface="Consolas" panose="020B0609020204030204" pitchFamily="49" charset="0"/>
+              </a:rPr>
+              <a:t>type</a:t>
+            </a:r>
+            <a:r>
+              <a:rPr lang="en-US" sz="1400" dirty="0">
+                <a:solidFill>
+                  <a:srgbClr val="D4D4D4"/>
+                </a:solidFill>
+                <a:latin typeface="Consolas" panose="020B0609020204030204" pitchFamily="49" charset="0"/>
+              </a:rPr>
+              <a:t>=</a:t>
+            </a:r>
+            <a:r>
+              <a:rPr lang="en-US" sz="1400" dirty="0">
+                <a:solidFill>
+                  <a:srgbClr val="CE9178"/>
+                </a:solidFill>
+                <a:latin typeface="Consolas" panose="020B0609020204030204" pitchFamily="49" charset="0"/>
+              </a:rPr>
+              <a:t>"checkbox"</a:t>
+            </a:r>
+            <a:r>
+              <a:rPr lang="en-US" sz="1400" dirty="0">
+                <a:solidFill>
+                  <a:srgbClr val="D4D4D4"/>
+                </a:solidFill>
+                <a:latin typeface="Consolas" panose="020B0609020204030204" pitchFamily="49" charset="0"/>
+              </a:rPr>
+              <a:t> </a:t>
+            </a:r>
+            <a:r>
+              <a:rPr lang="en-US" sz="1400" dirty="0">
+                <a:solidFill>
+                  <a:srgbClr val="808080"/>
+                </a:solidFill>
+                <a:latin typeface="Consolas" panose="020B0609020204030204" pitchFamily="49" charset="0"/>
+              </a:rPr>
+              <a:t>/&gt;</a:t>
+            </a:r>
+            <a:r>
+              <a:rPr lang="en-US" sz="1400" dirty="0">
+                <a:solidFill>
+                  <a:srgbClr val="D4D4D4"/>
+                </a:solidFill>
+                <a:latin typeface="Consolas" panose="020B0609020204030204" pitchFamily="49" charset="0"/>
+              </a:rPr>
+              <a:t>; },</a:t>
+            </a:r>
+            <a:endParaRPr lang="en-US" sz="1400" dirty="0">
+              <a:solidFill>
+                <a:srgbClr val="CCCCCC"/>
+              </a:solidFill>
+              <a:latin typeface="Consolas" panose="020B0609020204030204" pitchFamily="49" charset="0"/>
+            </a:endParaRPr>
+          </a:p>
+          <a:p>
+            <a:r>
+              <a:rPr lang="en-US" sz="1400" dirty="0">
+                <a:solidFill>
+                  <a:srgbClr val="D4D4D4"/>
+                </a:solidFill>
+                <a:latin typeface="Consolas" panose="020B0609020204030204" pitchFamily="49" charset="0"/>
+              </a:rPr>
+              <a:t>            </a:t>
+            </a:r>
+            <a:r>
+              <a:rPr lang="en-US" sz="1400" dirty="0">
+                <a:solidFill>
+                  <a:srgbClr val="DCDCAA"/>
+                </a:solidFill>
+                <a:latin typeface="Consolas" panose="020B0609020204030204" pitchFamily="49" charset="0"/>
+              </a:rPr>
+              <a:t>Button</a:t>
+            </a:r>
+            <a:r>
+              <a:rPr lang="en-US" sz="1400" dirty="0">
+                <a:solidFill>
+                  <a:srgbClr val="D4D4D4"/>
+                </a:solidFill>
+                <a:latin typeface="Consolas" panose="020B0609020204030204" pitchFamily="49" charset="0"/>
+              </a:rPr>
+              <a:t>({</a:t>
+            </a:r>
+            <a:r>
+              <a:rPr lang="en-US" sz="1400" dirty="0">
+                <a:solidFill>
+                  <a:srgbClr val="9CDCFE"/>
+                </a:solidFill>
+                <a:latin typeface="Consolas" panose="020B0609020204030204" pitchFamily="49" charset="0"/>
+              </a:rPr>
+              <a:t>text</a:t>
+            </a:r>
+            <a:r>
+              <a:rPr lang="en-US" sz="1400" dirty="0">
+                <a:solidFill>
+                  <a:srgbClr val="D4D4D4"/>
+                </a:solidFill>
+                <a:latin typeface="Consolas" panose="020B0609020204030204" pitchFamily="49" charset="0"/>
+              </a:rPr>
+              <a:t> = </a:t>
+            </a:r>
+            <a:r>
+              <a:rPr lang="en-US" sz="1400" dirty="0">
+                <a:solidFill>
+                  <a:srgbClr val="CE9178"/>
+                </a:solidFill>
+                <a:latin typeface="Consolas" panose="020B0609020204030204" pitchFamily="49" charset="0"/>
+              </a:rPr>
+              <a:t>"Button"</a:t>
+            </a:r>
+            <a:r>
+              <a:rPr lang="en-US" sz="1400" dirty="0">
+                <a:solidFill>
+                  <a:srgbClr val="D4D4D4"/>
+                </a:solidFill>
+                <a:latin typeface="Consolas" panose="020B0609020204030204" pitchFamily="49" charset="0"/>
+              </a:rPr>
+              <a:t>}) { </a:t>
+            </a:r>
+            <a:r>
+              <a:rPr lang="en-US" sz="1400" dirty="0">
+                <a:solidFill>
+                  <a:srgbClr val="C586C0"/>
+                </a:solidFill>
+                <a:latin typeface="Consolas" panose="020B0609020204030204" pitchFamily="49" charset="0"/>
+              </a:rPr>
+              <a:t>return</a:t>
+            </a:r>
+            <a:r>
+              <a:rPr lang="en-US" sz="1400" dirty="0">
+                <a:solidFill>
+                  <a:srgbClr val="D4D4D4"/>
+                </a:solidFill>
+                <a:latin typeface="Consolas" panose="020B0609020204030204" pitchFamily="49" charset="0"/>
+              </a:rPr>
+              <a:t> </a:t>
+            </a:r>
+            <a:r>
+              <a:rPr lang="en-US" sz="1400" dirty="0">
+                <a:solidFill>
+                  <a:srgbClr val="808080"/>
+                </a:solidFill>
+                <a:latin typeface="Consolas" panose="020B0609020204030204" pitchFamily="49" charset="0"/>
+              </a:rPr>
+              <a:t>&lt;</a:t>
+            </a:r>
+            <a:r>
+              <a:rPr lang="en-US" sz="1400" dirty="0">
+                <a:solidFill>
+                  <a:srgbClr val="569CD6"/>
+                </a:solidFill>
+                <a:latin typeface="Consolas" panose="020B0609020204030204" pitchFamily="49" charset="0"/>
+              </a:rPr>
+              <a:t>button</a:t>
+            </a:r>
+            <a:r>
+              <a:rPr lang="en-US" sz="1400" dirty="0">
+                <a:solidFill>
+                  <a:srgbClr val="808080"/>
+                </a:solidFill>
+                <a:latin typeface="Consolas" panose="020B0609020204030204" pitchFamily="49" charset="0"/>
+              </a:rPr>
+              <a:t>&gt;</a:t>
+            </a:r>
+            <a:r>
+              <a:rPr lang="en-US" sz="1400" dirty="0">
+                <a:solidFill>
+                  <a:srgbClr val="569CD6"/>
+                </a:solidFill>
+                <a:latin typeface="Consolas" panose="020B0609020204030204" pitchFamily="49" charset="0"/>
+              </a:rPr>
+              <a:t>{</a:t>
+            </a:r>
+            <a:r>
+              <a:rPr lang="en-US" sz="1400" dirty="0">
+                <a:solidFill>
+                  <a:srgbClr val="9CDCFE"/>
+                </a:solidFill>
+                <a:latin typeface="Consolas" panose="020B0609020204030204" pitchFamily="49" charset="0"/>
+              </a:rPr>
+              <a:t>text</a:t>
+            </a:r>
+            <a:r>
+              <a:rPr lang="en-US" sz="1400" dirty="0">
+                <a:solidFill>
+                  <a:srgbClr val="569CD6"/>
+                </a:solidFill>
+                <a:latin typeface="Consolas" panose="020B0609020204030204" pitchFamily="49" charset="0"/>
+              </a:rPr>
+              <a:t>}</a:t>
+            </a:r>
+            <a:r>
+              <a:rPr lang="en-US" sz="1400" dirty="0">
+                <a:solidFill>
+                  <a:srgbClr val="808080"/>
+                </a:solidFill>
+                <a:latin typeface="Consolas" panose="020B0609020204030204" pitchFamily="49" charset="0"/>
+              </a:rPr>
+              <a:t>&lt;/</a:t>
+            </a:r>
+            <a:r>
+              <a:rPr lang="en-US" sz="1400" dirty="0">
+                <a:solidFill>
+                  <a:srgbClr val="569CD6"/>
+                </a:solidFill>
+                <a:latin typeface="Consolas" panose="020B0609020204030204" pitchFamily="49" charset="0"/>
+              </a:rPr>
+              <a:t>button</a:t>
+            </a:r>
+            <a:r>
+              <a:rPr lang="en-US" sz="1400" dirty="0">
+                <a:solidFill>
+                  <a:srgbClr val="808080"/>
+                </a:solidFill>
+                <a:latin typeface="Consolas" panose="020B0609020204030204" pitchFamily="49" charset="0"/>
+              </a:rPr>
+              <a:t>&gt;</a:t>
+            </a:r>
+            <a:r>
+              <a:rPr lang="en-US" sz="1400" dirty="0">
+                <a:solidFill>
+                  <a:srgbClr val="D4D4D4"/>
+                </a:solidFill>
+                <a:latin typeface="Consolas" panose="020B0609020204030204" pitchFamily="49" charset="0"/>
+              </a:rPr>
+              <a:t>}</a:t>
+            </a:r>
+            <a:endParaRPr lang="en-US" sz="1400" dirty="0">
+              <a:solidFill>
+                <a:srgbClr val="CCCCCC"/>
+              </a:solidFill>
+              <a:latin typeface="Consolas" panose="020B0609020204030204" pitchFamily="49" charset="0"/>
+            </a:endParaRPr>
+          </a:p>
+          <a:p>
+            <a:r>
+              <a:rPr lang="en-US" sz="1400" dirty="0">
+                <a:solidFill>
+                  <a:srgbClr val="D4D4D4"/>
+                </a:solidFill>
+                <a:latin typeface="Consolas" panose="020B0609020204030204" pitchFamily="49" charset="0"/>
+              </a:rPr>
+              <a:t>        }</a:t>
+            </a:r>
+            <a:endParaRPr lang="en-US" sz="1400" dirty="0">
+              <a:solidFill>
+                <a:srgbClr val="CCCCCC"/>
+              </a:solidFill>
+              <a:latin typeface="Consolas" panose="020B0609020204030204" pitchFamily="49" charset="0"/>
+            </a:endParaRPr>
+          </a:p>
+          <a:p>
+            <a:r>
+              <a:rPr lang="en-US" sz="1400" dirty="0">
+                <a:solidFill>
+                  <a:srgbClr val="D4D4D4"/>
+                </a:solidFill>
+                <a:latin typeface="Consolas" panose="020B0609020204030204" pitchFamily="49" charset="0"/>
+              </a:rPr>
+              <a:t>        </a:t>
+            </a:r>
+            <a:r>
+              <a:rPr lang="en-US" sz="1400" dirty="0">
+                <a:solidFill>
+                  <a:srgbClr val="9CDCFE"/>
+                </a:solidFill>
+                <a:latin typeface="Consolas" panose="020B0609020204030204" pitchFamily="49" charset="0"/>
+              </a:rPr>
+              <a:t>ReactDOM</a:t>
+            </a:r>
+            <a:r>
+              <a:rPr lang="en-US" sz="1400" dirty="0">
+                <a:solidFill>
+                  <a:srgbClr val="D4D4D4"/>
+                </a:solidFill>
+                <a:latin typeface="Consolas" panose="020B0609020204030204" pitchFamily="49" charset="0"/>
+              </a:rPr>
+              <a:t>.</a:t>
+            </a:r>
+            <a:r>
+              <a:rPr lang="en-US" sz="1400" dirty="0">
+                <a:solidFill>
+                  <a:srgbClr val="DCDCAA"/>
+                </a:solidFill>
+                <a:latin typeface="Consolas" panose="020B0609020204030204" pitchFamily="49" charset="0"/>
+              </a:rPr>
+              <a:t>createRoot</a:t>
+            </a:r>
+            <a:r>
+              <a:rPr lang="en-US" sz="1400" dirty="0">
+                <a:solidFill>
+                  <a:srgbClr val="D4D4D4"/>
+                </a:solidFill>
+                <a:latin typeface="Consolas" panose="020B0609020204030204" pitchFamily="49" charset="0"/>
+              </a:rPr>
+              <a:t>(</a:t>
+            </a:r>
+            <a:r>
+              <a:rPr lang="en-US" sz="1400" dirty="0">
+                <a:solidFill>
+                  <a:srgbClr val="9CDCFE"/>
+                </a:solidFill>
+                <a:latin typeface="Consolas" panose="020B0609020204030204" pitchFamily="49" charset="0"/>
+              </a:rPr>
+              <a:t>main</a:t>
+            </a:r>
+            <a:r>
+              <a:rPr lang="en-US" sz="1400" dirty="0">
+                <a:solidFill>
+                  <a:srgbClr val="D4D4D4"/>
+                </a:solidFill>
+                <a:latin typeface="Consolas" panose="020B0609020204030204" pitchFamily="49" charset="0"/>
+              </a:rPr>
+              <a:t>).</a:t>
+            </a:r>
+            <a:r>
+              <a:rPr lang="en-US" sz="1400" dirty="0">
+                <a:solidFill>
+                  <a:srgbClr val="DCDCAA"/>
+                </a:solidFill>
+                <a:latin typeface="Consolas" panose="020B0609020204030204" pitchFamily="49" charset="0"/>
+              </a:rPr>
+              <a:t>render</a:t>
+            </a:r>
+            <a:r>
+              <a:rPr lang="en-US" sz="1400" dirty="0">
+                <a:solidFill>
+                  <a:srgbClr val="D4D4D4"/>
+                </a:solidFill>
+                <a:latin typeface="Consolas" panose="020B0609020204030204" pitchFamily="49" charset="0"/>
+              </a:rPr>
+              <a:t>(</a:t>
+            </a:r>
+            <a:r>
+              <a:rPr lang="en-US" sz="1400" dirty="0">
+                <a:solidFill>
+                  <a:srgbClr val="808080"/>
+                </a:solidFill>
+                <a:latin typeface="Consolas" panose="020B0609020204030204" pitchFamily="49" charset="0"/>
+              </a:rPr>
+              <a:t>&lt;</a:t>
+            </a:r>
+            <a:r>
+              <a:rPr lang="en-US" sz="1400" dirty="0">
+                <a:solidFill>
+                  <a:srgbClr val="4EC9B0"/>
+                </a:solidFill>
+                <a:latin typeface="Consolas" panose="020B0609020204030204" pitchFamily="49" charset="0"/>
+              </a:rPr>
+              <a:t>Form.Button</a:t>
+            </a:r>
+            <a:r>
+              <a:rPr lang="en-US" sz="1400" dirty="0">
+                <a:solidFill>
+                  <a:srgbClr val="D4D4D4"/>
+                </a:solidFill>
+                <a:latin typeface="Consolas" panose="020B0609020204030204" pitchFamily="49" charset="0"/>
+              </a:rPr>
+              <a:t> </a:t>
+            </a:r>
+            <a:r>
+              <a:rPr lang="en-US" sz="1400" dirty="0">
+                <a:solidFill>
+                  <a:srgbClr val="9CDCFE"/>
+                </a:solidFill>
+                <a:latin typeface="Consolas" panose="020B0609020204030204" pitchFamily="49" charset="0"/>
+              </a:rPr>
+              <a:t>text</a:t>
+            </a:r>
+            <a:r>
+              <a:rPr lang="en-US" sz="1400" dirty="0">
+                <a:solidFill>
+                  <a:srgbClr val="D4D4D4"/>
+                </a:solidFill>
+                <a:latin typeface="Consolas" panose="020B0609020204030204" pitchFamily="49" charset="0"/>
+              </a:rPr>
+              <a:t>=</a:t>
+            </a:r>
+            <a:r>
+              <a:rPr lang="en-US" sz="1400" dirty="0">
+                <a:solidFill>
+                  <a:srgbClr val="CE9178"/>
+                </a:solidFill>
+                <a:latin typeface="Consolas" panose="020B0609020204030204" pitchFamily="49" charset="0"/>
+              </a:rPr>
+              <a:t>"Submit"</a:t>
+            </a:r>
+            <a:r>
+              <a:rPr lang="en-US" sz="1400" dirty="0">
+                <a:solidFill>
+                  <a:srgbClr val="808080"/>
+                </a:solidFill>
+                <a:latin typeface="Consolas" panose="020B0609020204030204" pitchFamily="49" charset="0"/>
+              </a:rPr>
+              <a:t>/&gt;</a:t>
+            </a:r>
+            <a:r>
+              <a:rPr lang="en-US" sz="1400" dirty="0">
+                <a:solidFill>
+                  <a:srgbClr val="D4D4D4"/>
+                </a:solidFill>
+                <a:latin typeface="Consolas" panose="020B0609020204030204" pitchFamily="49" charset="0"/>
+              </a:rPr>
+              <a:t>);</a:t>
+            </a:r>
+            <a:endParaRPr lang="en-US" sz="1400" dirty="0">
+              <a:solidFill>
+                <a:srgbClr val="CCCCCC"/>
+              </a:solidFill>
+              <a:latin typeface="Consolas" panose="020B0609020204030204" pitchFamily="49" charset="0"/>
+            </a:endParaRPr>
+          </a:p>
+          <a:p>
+            <a:r>
+              <a:rPr lang="en-US" sz="1400" dirty="0">
+                <a:solidFill>
+                  <a:srgbClr val="D4D4D4"/>
+                </a:solidFill>
+                <a:latin typeface="Consolas" panose="020B0609020204030204" pitchFamily="49" charset="0"/>
+              </a:rPr>
+              <a:t>    </a:t>
+            </a:r>
+            <a:r>
+              <a:rPr lang="en-US" sz="1400" dirty="0">
+                <a:solidFill>
+                  <a:srgbClr val="808080"/>
+                </a:solidFill>
+                <a:latin typeface="Consolas" panose="020B0609020204030204" pitchFamily="49" charset="0"/>
+              </a:rPr>
+              <a:t>&lt;/</a:t>
+            </a:r>
+            <a:r>
+              <a:rPr lang="en-US" sz="1400" dirty="0">
+                <a:solidFill>
+                  <a:srgbClr val="569CD6"/>
+                </a:solidFill>
+                <a:latin typeface="Consolas" panose="020B0609020204030204" pitchFamily="49" charset="0"/>
+              </a:rPr>
+              <a:t>script</a:t>
+            </a:r>
+            <a:r>
+              <a:rPr lang="en-US" sz="1400" dirty="0">
+                <a:solidFill>
+                  <a:srgbClr val="808080"/>
+                </a:solidFill>
+                <a:latin typeface="Consolas" panose="020B0609020204030204" pitchFamily="49" charset="0"/>
+              </a:rPr>
+              <a:t>&gt;</a:t>
+            </a:r>
+            <a:endParaRPr lang="en-US" sz="1400" b="0" dirty="0">
+              <a:solidFill>
+                <a:srgbClr val="CCCCCC"/>
+              </a:solidFill>
+              <a:effectLst/>
+              <a:latin typeface="Consolas" panose="020B0609020204030204" pitchFamily="49" charset="0"/>
+            </a:endParaRPr>
+          </a:p>
+        </p:txBody>
+      </p:sp>
+      <p:pic>
+        <p:nvPicPr>
+          <p:cNvPr id="5" name="Picture 4"/>
+          <p:cNvPicPr>
+            <a:picLocks noChangeAspect="1"/>
+          </p:cNvPicPr>
+          <p:nvPr/>
+        </p:nvPicPr>
+        <p:blipFill>
+          <a:blip r:embed="rId2"/>
+          <a:stretch>
+            <a:fillRect/>
+          </a:stretch>
+        </p:blipFill>
+        <p:spPr>
+          <a:xfrm>
+            <a:off x="4867275" y="5271160"/>
+            <a:ext cx="2457450" cy="685800"/>
+          </a:xfrm>
+          <a:prstGeom prst="rect">
+            <a:avLst/>
+          </a:prstGeom>
+        </p:spPr>
+      </p:pic>
+    </p:spTree>
+    <p:extLst>
+      <p:ext uri="{BB962C8B-B14F-4D97-AF65-F5344CB8AC3E}">
+        <p14:creationId xmlns:p14="http://schemas.microsoft.com/office/powerpoint/2010/main" val="1304504398"/>
       </p:ext>
     </p:extLst>
   </p:cSld>
